--- a/Azure SQL Database - WingTipTickets HOL introduction v2 1.pptx
+++ b/Azure SQL Database - WingTipTickets HOL introduction v2 1.pptx
@@ -6,14 +6,15 @@
     <p:sldMasterId id="2147483670" r:id="rId5"/>
   </p:sldMasterIdLst>
   <p:notesMasterIdLst>
-    <p:notesMasterId r:id="rId11"/>
+    <p:notesMasterId r:id="rId12"/>
   </p:notesMasterIdLst>
   <p:sldIdLst>
     <p:sldId id="256" r:id="rId6"/>
     <p:sldId id="267" r:id="rId7"/>
-    <p:sldId id="257" r:id="rId8"/>
-    <p:sldId id="266" r:id="rId9"/>
+    <p:sldId id="268" r:id="rId8"/>
+    <p:sldId id="257" r:id="rId9"/>
     <p:sldId id="259" r:id="rId10"/>
+    <p:sldId id="266" r:id="rId11"/>
   </p:sldIdLst>
   <p:sldSz cx="12192000" cy="6858000"/>
   <p:notesSz cx="6858000" cy="9144000"/>
@@ -5696,7 +5697,7 @@
       </p:grpSpPr>
       <p:sp>
         <p:nvSpPr>
-          <p:cNvPr id="4" name="Title 3"/>
+          <p:cNvPr id="2" name="Title 1"/>
           <p:cNvSpPr>
             <a:spLocks noGrp="1"/>
           </p:cNvSpPr>
@@ -5710,8 +5711,8 @@
           <a:lstStyle/>
           <a:p>
             <a:r>
-              <a:rPr lang="en-US" smtClean="0"/>
-              <a:t>Demo scenarios and pre-reqs</a:t>
+              <a:rPr lang="en-US" dirty="0" smtClean="0"/>
+              <a:t>HOL pre-requisites</a:t>
             </a:r>
             <a:endParaRPr lang="en-NZ" dirty="0"/>
           </a:p>
@@ -5719,7 +5720,7 @@
       </p:sp>
       <p:graphicFrame>
         <p:nvGraphicFramePr>
-          <p:cNvPr id="10" name="Content Placeholder 5"/>
+          <p:cNvPr id="4" name="Content Placeholder 3"/>
           <p:cNvGraphicFramePr>
             <a:graphicFrameLocks noGrp="1"/>
           </p:cNvGraphicFramePr>
@@ -5727,117 +5728,500 @@
             <p:ph idx="1"/>
             <p:extLst>
               <p:ext uri="{D42A27DB-BD31-4B8C-83A1-F6EECF244321}">
-                <p14:modId xmlns:p14="http://schemas.microsoft.com/office/powerpoint/2010/main" val="2557846067"/>
+                <p14:modId xmlns:p14="http://schemas.microsoft.com/office/powerpoint/2010/main" val="3514762865"/>
               </p:ext>
             </p:extLst>
           </p:nvPr>
         </p:nvGraphicFramePr>
         <p:xfrm>
-          <a:off x="519113" y="1447800"/>
-          <a:ext cx="5486400" cy="5567191"/>
+          <a:off x="519112" y="1447800"/>
+          <a:ext cx="11155680" cy="5256035"/>
         </p:xfrm>
         <a:graphic>
           <a:graphicData uri="http://schemas.openxmlformats.org/drawingml/2006/table">
             <a:tbl>
-              <a:tblPr firstRow="1" bandRow="1">
-                <a:tableStyleId>{5C22544A-7EE6-4342-B048-85BDC9FD1C3A}</a:tableStyleId>
+              <a:tblPr firstRow="1" firstCol="1" bandRow="1">
+                <a:tableStyleId>{6E25E649-3F16-4E02-A733-19D2CDBF48F0}</a:tableStyleId>
               </a:tblPr>
               <a:tblGrid>
-                <a:gridCol w="1073713">
+                <a:gridCol w="3023075">
                   <a:extLst>
                     <a:ext uri="{9D8B030D-6E8A-4147-A177-3AD203B41FA5}">
-                      <a16:colId xmlns:a16="http://schemas.microsoft.com/office/drawing/2014/main" val="20000"/>
+                      <a16:colId xmlns:a16="http://schemas.microsoft.com/office/drawing/2014/main" val="1227587360"/>
                     </a:ext>
                   </a:extLst>
                 </a:gridCol>
-                <a:gridCol w="1347019">
+                <a:gridCol w="8132605">
                   <a:extLst>
                     <a:ext uri="{9D8B030D-6E8A-4147-A177-3AD203B41FA5}">
-                      <a16:colId xmlns:a16="http://schemas.microsoft.com/office/drawing/2014/main" val="20001"/>
-                    </a:ext>
-                  </a:extLst>
-                </a:gridCol>
-                <a:gridCol w="3065668">
-                  <a:extLst>
-                    <a:ext uri="{9D8B030D-6E8A-4147-A177-3AD203B41FA5}">
-                      <a16:colId xmlns:a16="http://schemas.microsoft.com/office/drawing/2014/main" val="2145477352"/>
+                      <a16:colId xmlns:a16="http://schemas.microsoft.com/office/drawing/2014/main" val="1496579957"/>
                     </a:ext>
                   </a:extLst>
                 </a:gridCol>
               </a:tblGrid>
-              <a:tr h="189293">
+              <a:tr h="87285">
                 <a:tc>
                   <a:txBody>
                     <a:bodyPr/>
                     <a:lstStyle/>
                     <a:p>
-                      <a:pPr algn="ctr"/>
+                      <a:pPr marL="0" marR="0" algn="ctr">
+                        <a:lnSpc>
+                          <a:spcPct val="107000"/>
+                        </a:lnSpc>
+                        <a:spcBef>
+                          <a:spcPts val="0"/>
+                        </a:spcBef>
+                        <a:spcAft>
+                          <a:spcPts val="0"/>
+                        </a:spcAft>
+                      </a:pPr>
                       <a:r>
-                        <a:rPr lang="en-US" sz="700" dirty="0" smtClean="0"/>
-                        <a:t>Feature</a:t>
+                        <a:rPr lang="en-US" sz="1200">
+                          <a:effectLst/>
+                        </a:rPr>
+                        <a:t>Prerequisite</a:t>
                       </a:r>
-                      <a:endParaRPr lang="en-US" sz="700" dirty="0"/>
+                      <a:endParaRPr lang="en-NZ" sz="1200">
+                        <a:effectLst/>
+                        <a:latin typeface="Segoe UI" panose="020B0502040204020203" pitchFamily="34" charset="0"/>
+                        <a:ea typeface="Segoe UI" panose="020B0502040204020203" pitchFamily="34" charset="0"/>
+                        <a:cs typeface="Times New Roman" panose="02020603050405020304" pitchFamily="18" charset="0"/>
+                      </a:endParaRPr>
                     </a:p>
                   </a:txBody>
-                  <a:tcPr/>
+                  <a:tcPr marL="22301" marR="22301" marT="0" marB="0"/>
                 </a:tc>
                 <a:tc>
                   <a:txBody>
                     <a:bodyPr/>
                     <a:lstStyle/>
                     <a:p>
-                      <a:pPr algn="ctr"/>
+                      <a:pPr marL="0" marR="0" algn="ctr">
+                        <a:lnSpc>
+                          <a:spcPct val="107000"/>
+                        </a:lnSpc>
+                        <a:spcBef>
+                          <a:spcPts val="0"/>
+                        </a:spcBef>
+                        <a:spcAft>
+                          <a:spcPts val="0"/>
+                        </a:spcAft>
+                      </a:pPr>
                       <a:r>
-                        <a:rPr lang="en-US" sz="700" dirty="0" smtClean="0"/>
-                        <a:t>Story</a:t>
+                        <a:rPr lang="en-US" sz="1200">
+                          <a:effectLst/>
+                        </a:rPr>
+                        <a:t>Setup instructions</a:t>
                       </a:r>
-                      <a:endParaRPr lang="en-US" sz="700" dirty="0"/>
+                      <a:endParaRPr lang="en-NZ" sz="1200">
+                        <a:effectLst/>
+                        <a:latin typeface="Segoe UI" panose="020B0502040204020203" pitchFamily="34" charset="0"/>
+                        <a:ea typeface="Segoe UI" panose="020B0502040204020203" pitchFamily="34" charset="0"/>
+                        <a:cs typeface="Times New Roman" panose="02020603050405020304" pitchFamily="18" charset="0"/>
+                      </a:endParaRPr>
                     </a:p>
                   </a:txBody>
-                  <a:tcPr/>
+                  <a:tcPr marL="22301" marR="22301" marT="0" marB="0"/>
+                </a:tc>
+                <a:extLst>
+                  <a:ext uri="{0D108BD9-81ED-4DB2-BD59-A6C34878D82A}">
+                    <a16:rowId xmlns:a16="http://schemas.microsoft.com/office/drawing/2014/main" val="1023954198"/>
+                  </a:ext>
+                </a:extLst>
+              </a:tr>
+              <a:tr h="462096">
+                <a:tc>
+                  <a:txBody>
+                    <a:bodyPr/>
+                    <a:lstStyle/>
+                    <a:p>
+                      <a:pPr marL="0" marR="0">
+                        <a:lnSpc>
+                          <a:spcPct val="107000"/>
+                        </a:lnSpc>
+                        <a:spcBef>
+                          <a:spcPts val="0"/>
+                        </a:spcBef>
+                        <a:spcAft>
+                          <a:spcPts val="0"/>
+                        </a:spcAft>
+                      </a:pPr>
+                      <a:r>
+                        <a:rPr lang="en-US" sz="1200">
+                          <a:effectLst/>
+                        </a:rPr>
+                        <a:t>Microsoft account</a:t>
+                      </a:r>
+                      <a:endParaRPr lang="en-NZ" sz="1200">
+                        <a:effectLst/>
+                        <a:latin typeface="Segoe UI" panose="020B0502040204020203" pitchFamily="34" charset="0"/>
+                        <a:ea typeface="Segoe UI" panose="020B0502040204020203" pitchFamily="34" charset="0"/>
+                        <a:cs typeface="Times New Roman" panose="02020603050405020304" pitchFamily="18" charset="0"/>
+                      </a:endParaRPr>
+                    </a:p>
+                  </a:txBody>
+                  <a:tcPr marL="22301" marR="22301" marT="0" marB="0"/>
                 </a:tc>
                 <a:tc>
                   <a:txBody>
                     <a:bodyPr/>
                     <a:lstStyle/>
                     <a:p>
-                      <a:pPr marL="0" algn="ctr" defTabSz="914363" rtl="0" eaLnBrk="1" latinLnBrk="0" hangingPunct="1"/>
+                      <a:pPr marL="0" marR="0" lvl="0" indent="0">
+                        <a:spcBef>
+                          <a:spcPts val="0"/>
+                        </a:spcBef>
+                        <a:spcAft>
+                          <a:spcPts val="600"/>
+                        </a:spcAft>
+                        <a:buFont typeface="+mj-lt"/>
+                        <a:buNone/>
+                      </a:pPr>
                       <a:r>
-                        <a:rPr lang="en-US" sz="700" b="1" kern="1200" dirty="0" smtClean="0">
-                          <a:solidFill>
-                            <a:schemeClr val="lt1"/>
-                          </a:solidFill>
-                          <a:latin typeface="+mn-lt"/>
-                          <a:ea typeface="+mn-ea"/>
-                          <a:cs typeface="+mn-cs"/>
+                        <a:rPr lang="en-US" sz="1200" dirty="0">
+                          <a:effectLst/>
                         </a:rPr>
-                        <a:t>How</a:t>
+                        <a:t>If you don’t already have a Microsoft account, browse to </a:t>
                       </a:r>
-                      <a:endParaRPr lang="en-US" sz="700" b="1" kern="1200" dirty="0">
-                        <a:solidFill>
-                          <a:schemeClr val="lt1"/>
-                        </a:solidFill>
-                        <a:latin typeface="+mn-lt"/>
-                        <a:ea typeface="+mn-ea"/>
-                        <a:cs typeface="+mn-cs"/>
+                      <a:r>
+                        <a:rPr lang="en-US" sz="1200" u="sng" dirty="0">
+                          <a:effectLst/>
+                          <a:hlinkClick r:id="rId2"/>
+                        </a:rPr>
+                        <a:t>http://</a:t>
+                      </a:r>
+                      <a:r>
+                        <a:rPr lang="en-US" sz="1200" u="sng" dirty="0" smtClean="0">
+                          <a:effectLst/>
+                          <a:hlinkClick r:id="rId2"/>
+                        </a:rPr>
+                        <a:t>account.live.com</a:t>
+                      </a:r>
+                      <a:r>
+                        <a:rPr lang="en-US" sz="1200" u="none" dirty="0" smtClean="0">
+                          <a:effectLst/>
+                        </a:rPr>
+                        <a:t>, c</a:t>
+                      </a:r>
+                      <a:r>
+                        <a:rPr lang="en-US" sz="1200" dirty="0" smtClean="0">
+                          <a:effectLst/>
+                        </a:rPr>
+                        <a:t>lick </a:t>
+                      </a:r>
+                      <a:r>
+                        <a:rPr lang="en-US" sz="1200" dirty="0">
+                          <a:effectLst/>
+                        </a:rPr>
+                        <a:t>Sign up </a:t>
+                      </a:r>
+                      <a:r>
+                        <a:rPr lang="en-US" sz="1200" dirty="0" smtClean="0">
+                          <a:effectLst/>
+                        </a:rPr>
+                        <a:t>now.</a:t>
+                      </a:r>
+                      <a:endParaRPr lang="en-NZ" sz="1200" dirty="0">
+                        <a:effectLst/>
+                        <a:latin typeface="Segoe UI" panose="020B0502040204020203" pitchFamily="34" charset="0"/>
+                        <a:ea typeface="MS Mincho"/>
+                        <a:cs typeface="Times New Roman" panose="02020603050405020304" pitchFamily="18" charset="0"/>
                       </a:endParaRPr>
                     </a:p>
                   </a:txBody>
-                  <a:tcPr/>
+                  <a:tcPr marL="22301" marR="22301" marT="0" marB="0"/>
                 </a:tc>
                 <a:extLst>
                   <a:ext uri="{0D108BD9-81ED-4DB2-BD59-A6C34878D82A}">
-                    <a16:rowId xmlns:a16="http://schemas.microsoft.com/office/drawing/2014/main" val="10000"/>
+                    <a16:rowId xmlns:a16="http://schemas.microsoft.com/office/drawing/2014/main" val="1996837438"/>
                   </a:ext>
                 </a:extLst>
               </a:tr>
-              <a:tr h="256032">
+              <a:tr h="550115">
                 <a:tc>
                   <a:txBody>
                     <a:bodyPr/>
                     <a:lstStyle/>
                     <a:p>
-                      <a:pPr marL="0" marR="0" indent="0" algn="l" defTabSz="914400" rtl="0" eaLnBrk="1" fontAlgn="auto" latinLnBrk="0" hangingPunct="1">
+                      <a:pPr marL="0" marR="0">
+                        <a:lnSpc>
+                          <a:spcPct val="107000"/>
+                        </a:lnSpc>
+                        <a:spcBef>
+                          <a:spcPts val="0"/>
+                        </a:spcBef>
+                        <a:spcAft>
+                          <a:spcPts val="0"/>
+                        </a:spcAft>
+                      </a:pPr>
+                      <a:r>
+                        <a:rPr lang="en-US" sz="1200">
+                          <a:effectLst/>
+                        </a:rPr>
+                        <a:t>Microsoft Azure account</a:t>
+                      </a:r>
+                      <a:endParaRPr lang="en-NZ" sz="1200">
+                        <a:effectLst/>
+                        <a:latin typeface="Segoe UI" panose="020B0502040204020203" pitchFamily="34" charset="0"/>
+                        <a:ea typeface="Segoe UI" panose="020B0502040204020203" pitchFamily="34" charset="0"/>
+                        <a:cs typeface="Times New Roman" panose="02020603050405020304" pitchFamily="18" charset="0"/>
+                      </a:endParaRPr>
+                    </a:p>
+                  </a:txBody>
+                  <a:tcPr marL="22301" marR="22301" marT="0" marB="0"/>
+                </a:tc>
+                <a:tc>
+                  <a:txBody>
+                    <a:bodyPr/>
+                    <a:lstStyle/>
+                    <a:p>
+                      <a:pPr marL="0" marR="0" lvl="0" indent="0">
+                        <a:spcBef>
+                          <a:spcPts val="0"/>
+                        </a:spcBef>
+                        <a:spcAft>
+                          <a:spcPts val="600"/>
+                        </a:spcAft>
+                        <a:buFont typeface="+mj-lt"/>
+                        <a:buNone/>
+                      </a:pPr>
+                      <a:r>
+                        <a:rPr lang="en-US" sz="1200" dirty="0">
+                          <a:effectLst/>
+                        </a:rPr>
+                        <a:t>If you don’t already have an Azure account, browse to </a:t>
+                      </a:r>
+                      <a:r>
+                        <a:rPr lang="en-US" sz="1200" u="sng" dirty="0">
+                          <a:effectLst/>
+                          <a:hlinkClick r:id="rId3"/>
+                        </a:rPr>
+                        <a:t>http://azure.microsoft.com/en-us/pricing/free-trial</a:t>
+                      </a:r>
+                      <a:r>
+                        <a:rPr lang="en-US" sz="1200" u="sng" dirty="0" smtClean="0">
+                          <a:effectLst/>
+                          <a:hlinkClick r:id="rId3"/>
+                        </a:rPr>
+                        <a:t>/</a:t>
+                      </a:r>
+                      <a:r>
+                        <a:rPr lang="en-US" sz="1200" u="sng" dirty="0" smtClean="0">
+                          <a:effectLst/>
+                        </a:rPr>
+                        <a:t> </a:t>
+                      </a:r>
+                      <a:r>
+                        <a:rPr lang="en-NZ" sz="1200" u="none" baseline="0" dirty="0" smtClean="0">
+                          <a:effectLst/>
+                        </a:rPr>
+                        <a:t> o</a:t>
+                      </a:r>
+                      <a:r>
+                        <a:rPr lang="en-US" sz="1200" dirty="0" smtClean="0">
+                          <a:effectLst/>
+                        </a:rPr>
+                        <a:t>r</a:t>
+                      </a:r>
+                      <a:r>
+                        <a:rPr lang="en-US" sz="1200" baseline="0" dirty="0" smtClean="0">
+                          <a:effectLst/>
+                        </a:rPr>
+                        <a:t> use an Azure pass, c</a:t>
+                      </a:r>
+                      <a:r>
+                        <a:rPr lang="en-US" sz="1200" dirty="0" smtClean="0">
+                          <a:effectLst/>
+                        </a:rPr>
+                        <a:t>lick </a:t>
+                      </a:r>
+                      <a:r>
+                        <a:rPr lang="en-US" sz="1200" dirty="0">
+                          <a:effectLst/>
+                        </a:rPr>
+                        <a:t>Try it </a:t>
+                      </a:r>
+                      <a:r>
+                        <a:rPr lang="en-US" sz="1200" dirty="0" smtClean="0">
+                          <a:effectLst/>
+                        </a:rPr>
+                        <a:t>now.</a:t>
+                      </a:r>
+                      <a:endParaRPr lang="en-NZ" sz="1200" dirty="0">
+                        <a:effectLst/>
+                        <a:latin typeface="Segoe UI" panose="020B0502040204020203" pitchFamily="34" charset="0"/>
+                        <a:ea typeface="MS Mincho"/>
+                        <a:cs typeface="Times New Roman" panose="02020603050405020304" pitchFamily="18" charset="0"/>
+                      </a:endParaRPr>
+                    </a:p>
+                  </a:txBody>
+                  <a:tcPr marL="22301" marR="22301" marT="0" marB="0"/>
+                </a:tc>
+                <a:extLst>
+                  <a:ext uri="{0D108BD9-81ED-4DB2-BD59-A6C34878D82A}">
+                    <a16:rowId xmlns:a16="http://schemas.microsoft.com/office/drawing/2014/main" val="142793383"/>
+                  </a:ext>
+                </a:extLst>
+              </a:tr>
+              <a:tr h="836174">
+                <a:tc>
+                  <a:txBody>
+                    <a:bodyPr/>
+                    <a:lstStyle/>
+                    <a:p>
+                      <a:pPr marL="0" marR="0">
+                        <a:lnSpc>
+                          <a:spcPct val="107000"/>
+                        </a:lnSpc>
+                        <a:spcBef>
+                          <a:spcPts val="0"/>
+                        </a:spcBef>
+                        <a:spcAft>
+                          <a:spcPts val="0"/>
+                        </a:spcAft>
+                      </a:pPr>
+                      <a:r>
+                        <a:rPr lang="en-US" sz="1200">
+                          <a:effectLst/>
+                        </a:rPr>
+                        <a:t>Microsoft Azure PowerShell</a:t>
+                      </a:r>
+                      <a:endParaRPr lang="en-NZ" sz="1200">
+                        <a:effectLst/>
+                        <a:latin typeface="Segoe UI" panose="020B0502040204020203" pitchFamily="34" charset="0"/>
+                        <a:ea typeface="Segoe UI" panose="020B0502040204020203" pitchFamily="34" charset="0"/>
+                        <a:cs typeface="Times New Roman" panose="02020603050405020304" pitchFamily="18" charset="0"/>
+                      </a:endParaRPr>
+                    </a:p>
+                  </a:txBody>
+                  <a:tcPr marL="22301" marR="22301" marT="0" marB="0"/>
+                </a:tc>
+                <a:tc>
+                  <a:txBody>
+                    <a:bodyPr/>
+                    <a:lstStyle/>
+                    <a:p>
+                      <a:pPr marL="342900" marR="0" lvl="0" indent="-342900">
+                        <a:spcBef>
+                          <a:spcPts val="0"/>
+                        </a:spcBef>
+                        <a:spcAft>
+                          <a:spcPts val="600"/>
+                        </a:spcAft>
+                        <a:buFont typeface="+mj-lt"/>
+                        <a:buAutoNum type="arabicPeriod"/>
+                      </a:pPr>
+                      <a:r>
+                        <a:rPr lang="en-US" sz="1200" dirty="0">
+                          <a:effectLst/>
+                        </a:rPr>
+                        <a:t>Browse to </a:t>
+                      </a:r>
+                      <a:r>
+                        <a:rPr lang="en-US" sz="1200" u="sng" dirty="0">
+                          <a:effectLst/>
+                          <a:hlinkClick r:id="rId4"/>
+                        </a:rPr>
+                        <a:t>http://azure.microsoft.com/en-us/downloads/</a:t>
+                      </a:r>
+                      <a:endParaRPr lang="en-NZ" sz="1200" dirty="0">
+                        <a:effectLst/>
+                      </a:endParaRPr>
+                    </a:p>
+                    <a:p>
+                      <a:pPr marL="342900" marR="0" lvl="0" indent="-342900">
+                        <a:spcBef>
+                          <a:spcPts val="0"/>
+                        </a:spcBef>
+                        <a:spcAft>
+                          <a:spcPts val="600"/>
+                        </a:spcAft>
+                        <a:buFont typeface="+mj-lt"/>
+                        <a:buAutoNum type="arabicPeriod"/>
+                      </a:pPr>
+                      <a:r>
+                        <a:rPr lang="en-US" sz="1200" dirty="0">
+                          <a:effectLst/>
+                        </a:rPr>
+                        <a:t>Under Command-line tools, Windows PowerShell, click Install.</a:t>
+                      </a:r>
+                      <a:endParaRPr lang="en-NZ" sz="1200" dirty="0">
+                        <a:effectLst/>
+                      </a:endParaRPr>
+                    </a:p>
+                    <a:p>
+                      <a:pPr marL="342900" marR="0" lvl="0" indent="-342900">
+                        <a:spcBef>
+                          <a:spcPts val="0"/>
+                        </a:spcBef>
+                        <a:spcAft>
+                          <a:spcPts val="600"/>
+                        </a:spcAft>
+                        <a:buFont typeface="+mj-lt"/>
+                        <a:buAutoNum type="arabicPeriod"/>
+                      </a:pPr>
+                      <a:r>
+                        <a:rPr lang="en-US" sz="1200" dirty="0">
+                          <a:effectLst/>
+                        </a:rPr>
+                        <a:t>Verify that the version being installed is at least 0.9.3 (released June 5, 2015</a:t>
+                      </a:r>
+                      <a:r>
+                        <a:rPr lang="en-US" sz="1200" dirty="0" smtClean="0">
+                          <a:effectLst/>
+                        </a:rPr>
+                        <a:t>).</a:t>
+                      </a:r>
+                    </a:p>
+                  </a:txBody>
+                  <a:tcPr marL="22301" marR="22301" marT="0" marB="0"/>
+                </a:tc>
+                <a:extLst>
+                  <a:ext uri="{0D108BD9-81ED-4DB2-BD59-A6C34878D82A}">
+                    <a16:rowId xmlns:a16="http://schemas.microsoft.com/office/drawing/2014/main" val="1837360881"/>
+                  </a:ext>
+                </a:extLst>
+              </a:tr>
+              <a:tr h="181447">
+                <a:tc>
+                  <a:txBody>
+                    <a:bodyPr/>
+                    <a:lstStyle/>
+                    <a:p>
+                      <a:pPr marL="0" marR="0">
+                        <a:lnSpc>
+                          <a:spcPct val="107000"/>
+                        </a:lnSpc>
+                        <a:spcBef>
+                          <a:spcPts val="0"/>
+                        </a:spcBef>
+                        <a:spcAft>
+                          <a:spcPts val="0"/>
+                        </a:spcAft>
+                      </a:pPr>
+                      <a:r>
+                        <a:rPr lang="en-US" sz="1200">
+                          <a:effectLst/>
+                        </a:rPr>
+                        <a:t>Deployment scripts</a:t>
+                      </a:r>
+                      <a:endParaRPr lang="en-NZ" sz="1200">
+                        <a:effectLst/>
+                        <a:latin typeface="Segoe UI" panose="020B0502040204020203" pitchFamily="34" charset="0"/>
+                        <a:ea typeface="Segoe UI" panose="020B0502040204020203" pitchFamily="34" charset="0"/>
+                        <a:cs typeface="Times New Roman" panose="02020603050405020304" pitchFamily="18" charset="0"/>
+                      </a:endParaRPr>
+                    </a:p>
+                  </a:txBody>
+                  <a:tcPr marL="22301" marR="22301" marT="0" marB="0"/>
+                </a:tc>
+                <a:tc>
+                  <a:txBody>
+                    <a:bodyPr/>
+                    <a:lstStyle/>
+                    <a:p>
+                      <a:pPr marL="0" marR="0" lvl="0" indent="0" algn="l" defTabSz="914363" rtl="0" eaLnBrk="1" fontAlgn="auto" latinLnBrk="0" hangingPunct="1">
                         <a:lnSpc>
                           <a:spcPct val="100000"/>
                         </a:lnSpc>
@@ -5845,34 +6229,7 @@
                           <a:spcPts val="0"/>
                         </a:spcBef>
                         <a:spcAft>
-                          <a:spcPts val="0"/>
-                        </a:spcAft>
-                        <a:buClrTx/>
-                        <a:buSzTx/>
-                        <a:buFontTx/>
-                        <a:buNone/>
-                        <a:tabLst/>
-                        <a:defRPr/>
-                      </a:pPr>
-                      <a:endParaRPr lang="en-US" sz="700" b="0" dirty="0" smtClean="0"/>
-                    </a:p>
-                  </a:txBody>
-                  <a:tcPr/>
-                </a:tc>
-                <a:tc>
-                  <a:txBody>
-                    <a:bodyPr/>
-                    <a:lstStyle/>
-                    <a:p>
-                      <a:pPr marL="0" marR="0" lvl="1" indent="0" algn="l" defTabSz="914400" rtl="0" eaLnBrk="1" fontAlgn="auto" latinLnBrk="0" hangingPunct="1">
-                        <a:lnSpc>
-                          <a:spcPct val="100000"/>
-                        </a:lnSpc>
-                        <a:spcBef>
-                          <a:spcPts val="0"/>
-                        </a:spcBef>
-                        <a:spcAft>
-                          <a:spcPts val="0"/>
+                          <a:spcPts val="600"/>
                         </a:spcAft>
                         <a:buClrTx/>
                         <a:buSzTx/>
@@ -5882,45 +6239,79 @@
                         <a:defRPr/>
                       </a:pPr>
                       <a:r>
-                        <a:rPr lang="en-US" sz="700" dirty="0" smtClean="0"/>
-                        <a:t>Connect via SSMS to verify DBs</a:t>
+                        <a:rPr lang="en-US" sz="1200" kern="1200" dirty="0" smtClean="0">
+                          <a:solidFill>
+                            <a:schemeClr val="dk1"/>
+                          </a:solidFill>
+                          <a:effectLst/>
+                          <a:latin typeface="+mn-lt"/>
+                          <a:ea typeface="+mn-ea"/>
+                          <a:cs typeface="+mn-cs"/>
+                        </a:rPr>
+                        <a:t>Navigate to </a:t>
                       </a:r>
+                      <a:r>
+                        <a:rPr lang="en-US" sz="1200" dirty="0" smtClean="0">
+                          <a:effectLst/>
+                          <a:hlinkClick r:id="rId5"/>
+                        </a:rPr>
+                        <a:t>https://github.com/guyhay/WingTipTickets</a:t>
+                      </a:r>
+                      <a:r>
+                        <a:rPr lang="en-US" sz="1200" dirty="0" smtClean="0">
+                          <a:effectLst/>
+                        </a:rPr>
+                        <a:t> download ZIP</a:t>
+                      </a:r>
+                      <a:r>
+                        <a:rPr lang="en-US" sz="1200" baseline="0" dirty="0" smtClean="0">
+                          <a:effectLst/>
+                        </a:rPr>
+                        <a:t> package and unzip</a:t>
+                      </a:r>
+                      <a:r>
+                        <a:rPr lang="en-US" sz="1200" dirty="0" smtClean="0">
+                          <a:effectLst/>
+                        </a:rPr>
+                        <a:t> to </a:t>
+                      </a:r>
+                      <a:r>
+                        <a:rPr lang="en-US" sz="1200" dirty="0">
+                          <a:effectLst/>
+                        </a:rPr>
+                        <a:t>a local folder (for example, c:\scripts</a:t>
+                      </a:r>
+                      <a:r>
+                        <a:rPr lang="en-US" sz="1200" dirty="0" smtClean="0">
+                          <a:effectLst/>
+                        </a:rPr>
+                        <a:t>)</a:t>
+                      </a:r>
+                      <a:endParaRPr lang="en-NZ" sz="1200" dirty="0">
+                        <a:effectLst/>
+                        <a:latin typeface="Segoe UI" panose="020B0502040204020203" pitchFamily="34" charset="0"/>
+                        <a:ea typeface="MS Mincho"/>
+                        <a:cs typeface="Times New Roman" panose="02020603050405020304" pitchFamily="18" charset="0"/>
+                      </a:endParaRPr>
                     </a:p>
                   </a:txBody>
-                  <a:tcPr/>
+                  <a:tcPr marL="22301" marR="22301" marT="0" marB="0"/>
                 </a:tc>
+                <a:extLst>
+                  <a:ext uri="{0D108BD9-81ED-4DB2-BD59-A6C34878D82A}">
+                    <a16:rowId xmlns:a16="http://schemas.microsoft.com/office/drawing/2014/main" val="3055361004"/>
+                  </a:ext>
+                </a:extLst>
+              </a:tr>
+              <a:tr h="616129">
                 <a:tc>
                   <a:txBody>
                     <a:bodyPr/>
                     <a:lstStyle/>
                     <a:p>
-                      <a:endParaRPr lang="en-US" sz="700" kern="1200" baseline="0" dirty="0" smtClean="0">
-                        <a:solidFill>
-                          <a:schemeClr val="dk1"/>
-                        </a:solidFill>
-                        <a:latin typeface="+mn-lt"/>
-                        <a:ea typeface="+mn-ea"/>
-                        <a:cs typeface="+mn-cs"/>
-                      </a:endParaRPr>
-                    </a:p>
-                  </a:txBody>
-                  <a:tcPr/>
-                </a:tc>
-                <a:extLst>
-                  <a:ext uri="{0D108BD9-81ED-4DB2-BD59-A6C34878D82A}">
-                    <a16:rowId xmlns:a16="http://schemas.microsoft.com/office/drawing/2014/main" val="2739472372"/>
-                  </a:ext>
-                </a:extLst>
-              </a:tr>
-              <a:tr h="256032">
-                <a:tc>
-                  <a:txBody>
-                    <a:bodyPr/>
-                    <a:lstStyle/>
-                    <a:p>
-                      <a:pPr marL="0" marR="0" indent="0" algn="l" defTabSz="914400" rtl="0" eaLnBrk="1" fontAlgn="auto" latinLnBrk="0" hangingPunct="1">
+                      <a:pPr marL="0" marR="0">
                         <a:lnSpc>
-                          <a:spcPct val="100000"/>
+                          <a:spcPct val="107000"/>
                         </a:lnSpc>
                         <a:spcBef>
                           <a:spcPts val="0"/>
@@ -5928,29 +6319,80 @@
                         <a:spcAft>
                           <a:spcPts val="0"/>
                         </a:spcAft>
-                        <a:buClrTx/>
-                        <a:buSzTx/>
-                        <a:buFontTx/>
-                        <a:buNone/>
-                        <a:tabLst/>
-                        <a:defRPr/>
                       </a:pPr>
                       <a:r>
-                        <a:rPr lang="en-US" sz="700" b="0" dirty="0" smtClean="0"/>
-                        <a:t>Ticket purchase</a:t>
+                        <a:rPr lang="en-US" sz="1200" dirty="0">
+                          <a:effectLst/>
+                        </a:rPr>
+                        <a:t>Microsoft Power Query for Excel (optional)</a:t>
                       </a:r>
+                      <a:endParaRPr lang="en-NZ" sz="1200" dirty="0">
+                        <a:effectLst/>
+                        <a:latin typeface="Segoe UI" panose="020B0502040204020203" pitchFamily="34" charset="0"/>
+                        <a:ea typeface="Segoe UI" panose="020B0502040204020203" pitchFamily="34" charset="0"/>
+                        <a:cs typeface="Times New Roman" panose="02020603050405020304" pitchFamily="18" charset="0"/>
+                      </a:endParaRPr>
                     </a:p>
                   </a:txBody>
-                  <a:tcPr/>
+                  <a:tcPr marL="22301" marR="22301" marT="0" marB="0"/>
                 </a:tc>
                 <a:tc>
                   <a:txBody>
                     <a:bodyPr/>
                     <a:lstStyle/>
                     <a:p>
-                      <a:pPr marL="0" marR="0" lvl="1" indent="0" algn="l" defTabSz="914400" rtl="0" eaLnBrk="1" fontAlgn="auto" latinLnBrk="0" hangingPunct="1">
+                      <a:pPr marL="0" marR="0" indent="0">
+                        <a:spcBef>
+                          <a:spcPts val="0"/>
+                        </a:spcBef>
+                        <a:spcAft>
+                          <a:spcPts val="600"/>
+                        </a:spcAft>
+                      </a:pPr>
+                      <a:r>
+                        <a:rPr lang="en-US" sz="1200" dirty="0">
+                          <a:effectLst/>
+                        </a:rPr>
+                        <a:t>If Power Query for Excel is not installed, and you’d like to complete the Auditing section in the hands-on lab (HOL) manual, download and install Power Query from </a:t>
+                      </a:r>
+                      <a:r>
+                        <a:rPr lang="en-US" sz="1200" u="sng" dirty="0">
+                          <a:effectLst/>
+                          <a:hlinkClick r:id="rId6"/>
+                        </a:rPr>
+                        <a:t>https://www.microsoft.com/en-us/download/details.aspx?id=39379</a:t>
+                      </a:r>
+                      <a:r>
+                        <a:rPr lang="en-US" sz="1200" dirty="0">
+                          <a:effectLst/>
+                        </a:rPr>
+                        <a:t>.</a:t>
+                      </a:r>
+                      <a:endParaRPr lang="en-NZ" sz="1200" dirty="0">
+                        <a:effectLst/>
+                        <a:latin typeface="Segoe UI" panose="020B0502040204020203" pitchFamily="34" charset="0"/>
+                        <a:ea typeface="MS Mincho"/>
+                        <a:cs typeface="Times New Roman" panose="02020603050405020304" pitchFamily="18" charset="0"/>
+                      </a:endParaRPr>
+                    </a:p>
+                  </a:txBody>
+                  <a:tcPr marL="22301" marR="22301" marT="0" marB="0"/>
+                </a:tc>
+                <a:extLst>
+                  <a:ext uri="{0D108BD9-81ED-4DB2-BD59-A6C34878D82A}">
+                    <a16:rowId xmlns:a16="http://schemas.microsoft.com/office/drawing/2014/main" val="2273651826"/>
+                  </a:ext>
+                </a:extLst>
+              </a:tr>
+              <a:tr h="792165">
+                <a:tc>
+                  <a:txBody>
+                    <a:bodyPr/>
+                    <a:lstStyle/>
+                    <a:p>
+                      <a:pPr marL="0" marR="0">
                         <a:lnSpc>
-                          <a:spcPct val="100000"/>
+                          <a:spcPct val="107000"/>
                         </a:lnSpc>
                         <a:spcBef>
                           <a:spcPts val="0"/>
@@ -5958,56 +6400,92 @@
                         <a:spcAft>
                           <a:spcPts val="0"/>
                         </a:spcAft>
-                        <a:buClrTx/>
-                        <a:buSzTx/>
-                        <a:buFontTx/>
-                        <a:buNone/>
-                        <a:tabLst/>
-                        <a:defRPr/>
                       </a:pPr>
                       <a:r>
-                        <a:rPr lang="en-US" sz="700" dirty="0" smtClean="0"/>
-                        <a:t>Show that sample application</a:t>
+                        <a:rPr lang="en-US" sz="1200">
+                          <a:effectLst/>
+                        </a:rPr>
+                        <a:t>Microsoft SQL Server Management Studio (optional)</a:t>
                       </a:r>
+                      <a:endParaRPr lang="en-NZ" sz="1200">
+                        <a:effectLst/>
+                        <a:latin typeface="Segoe UI" panose="020B0502040204020203" pitchFamily="34" charset="0"/>
+                        <a:ea typeface="Segoe UI" panose="020B0502040204020203" pitchFamily="34" charset="0"/>
+                        <a:cs typeface="Times New Roman" panose="02020603050405020304" pitchFamily="18" charset="0"/>
+                      </a:endParaRPr>
                     </a:p>
                   </a:txBody>
-                  <a:tcPr/>
+                  <a:tcPr marL="22301" marR="22301" marT="0" marB="0"/>
                 </a:tc>
                 <a:tc>
                   <a:txBody>
                     <a:bodyPr/>
                     <a:lstStyle/>
                     <a:p>
+                      <a:pPr marL="0" marR="0" indent="0">
+                        <a:spcBef>
+                          <a:spcPts val="0"/>
+                        </a:spcBef>
+                        <a:spcAft>
+                          <a:spcPts val="600"/>
+                        </a:spcAft>
+                      </a:pPr>
                       <a:r>
-                        <a:rPr lang="en-US" sz="700" kern="1200" baseline="0" dirty="0" smtClean="0">
-                          <a:solidFill>
-                            <a:schemeClr val="dk1"/>
-                          </a:solidFill>
-                          <a:latin typeface="+mn-lt"/>
-                          <a:ea typeface="+mn-ea"/>
-                          <a:cs typeface="+mn-cs"/>
+                        <a:rPr lang="en-US" sz="1200" dirty="0">
+                          <a:effectLst/>
                         </a:rPr>
-                        <a:t>Navigate to http://gh01julieandtheplantes.trafficmanager.net/</a:t>
+                        <a:t>If SQL Server Management Studio is not installed, and you’d like to run queries against the databases, download and install SQL Server Management Studio from </a:t>
                       </a:r>
+                      <a:r>
+                        <a:rPr lang="en-US" sz="1200" u="sng" dirty="0">
+                          <a:effectLst/>
+                          <a:hlinkClick r:id="rId7"/>
+                        </a:rPr>
+                        <a:t>https://www.microsoft.com/en-us/download/details.aspx?id=42299</a:t>
+                      </a:r>
+                      <a:r>
+                        <a:rPr lang="en-US" sz="1200" dirty="0">
+                          <a:effectLst/>
+                        </a:rPr>
+                        <a:t>. The package is listed as </a:t>
+                      </a:r>
+                      <a:r>
+                        <a:rPr lang="en-NZ" sz="1200" dirty="0" err="1">
+                          <a:effectLst/>
+                        </a:rPr>
+                        <a:t>SQLManagementStudio</a:t>
+                      </a:r>
+                      <a:r>
+                        <a:rPr lang="en-NZ" sz="1200" dirty="0">
+                          <a:effectLst/>
+                        </a:rPr>
+                        <a:t>_&lt;X86/X64&gt;_ENU.exe</a:t>
+                      </a:r>
+                      <a:endParaRPr lang="en-NZ" sz="1200" dirty="0">
+                        <a:effectLst/>
+                        <a:latin typeface="Segoe UI" panose="020B0502040204020203" pitchFamily="34" charset="0"/>
+                        <a:ea typeface="MS Mincho"/>
+                        <a:cs typeface="Times New Roman" panose="02020603050405020304" pitchFamily="18" charset="0"/>
+                      </a:endParaRPr>
                     </a:p>
                   </a:txBody>
-                  <a:tcPr/>
+                  <a:tcPr marL="22301" marR="22301" marT="0" marB="0"/>
                 </a:tc>
                 <a:extLst>
                   <a:ext uri="{0D108BD9-81ED-4DB2-BD59-A6C34878D82A}">
-                    <a16:rowId xmlns:a16="http://schemas.microsoft.com/office/drawing/2014/main" val="753878618"/>
+                    <a16:rowId xmlns:a16="http://schemas.microsoft.com/office/drawing/2014/main" val="2266203689"/>
                   </a:ext>
                 </a:extLst>
               </a:tr>
-              <a:tr h="256032">
+              <a:tr h="814170">
                 <a:tc>
                   <a:txBody>
                     <a:bodyPr/>
                     <a:lstStyle/>
                     <a:p>
-                      <a:pPr marL="0" marR="0" indent="0" algn="l" defTabSz="914400" rtl="0" eaLnBrk="1" fontAlgn="auto" latinLnBrk="0" hangingPunct="1">
+                      <a:pPr marL="0" marR="0">
                         <a:lnSpc>
-                          <a:spcPct val="100000"/>
+                          <a:spcPct val="107000"/>
                         </a:lnSpc>
                         <a:spcBef>
                           <a:spcPts val="0"/>
@@ -6015,30 +6493,78 @@
                         <a:spcAft>
                           <a:spcPts val="0"/>
                         </a:spcAft>
-                        <a:buClrTx/>
-                        <a:buSzTx/>
-                        <a:buFontTx/>
-                        <a:buNone/>
-                        <a:tabLst/>
-                        <a:defRPr/>
                       </a:pPr>
                       <a:r>
-                        <a:rPr lang="en-US" sz="700" dirty="0" smtClean="0"/>
-                        <a:t>Vertical Scaling</a:t>
+                        <a:rPr lang="en-US" sz="1200">
+                          <a:effectLst/>
+                        </a:rPr>
+                        <a:t>Microsoft Visual Studio (optional)</a:t>
                       </a:r>
-                      <a:endParaRPr lang="en-US" sz="700" b="0" dirty="0" smtClean="0"/>
+                      <a:endParaRPr lang="en-NZ" sz="1200">
+                        <a:effectLst/>
+                        <a:latin typeface="Segoe UI" panose="020B0502040204020203" pitchFamily="34" charset="0"/>
+                        <a:ea typeface="Segoe UI" panose="020B0502040204020203" pitchFamily="34" charset="0"/>
+                        <a:cs typeface="Times New Roman" panose="02020603050405020304" pitchFamily="18" charset="0"/>
+                      </a:endParaRPr>
                     </a:p>
                   </a:txBody>
-                  <a:tcPr/>
+                  <a:tcPr marL="22301" marR="22301" marT="0" marB="0"/>
                 </a:tc>
                 <a:tc>
                   <a:txBody>
                     <a:bodyPr/>
                     <a:lstStyle/>
                     <a:p>
-                      <a:pPr marL="0" marR="0" lvl="1" indent="0" algn="l" defTabSz="914400" rtl="0" eaLnBrk="1" fontAlgn="auto" latinLnBrk="0" hangingPunct="1">
+                      <a:pPr marL="0" marR="0" indent="0">
+                        <a:spcBef>
+                          <a:spcPts val="0"/>
+                        </a:spcBef>
+                        <a:spcAft>
+                          <a:spcPts val="600"/>
+                        </a:spcAft>
+                      </a:pPr>
+                      <a:r>
+                        <a:rPr lang="en-US" sz="1200" dirty="0">
+                          <a:effectLst/>
+                        </a:rPr>
+                        <a:t>If Visual Studio is not installed, and you’d like to explore any of the source code, download and install Visual Studio from </a:t>
+                      </a:r>
+                      <a:r>
+                        <a:rPr lang="en-US" sz="1200" u="sng" dirty="0">
+                          <a:effectLst/>
+                          <a:hlinkClick r:id="rId8"/>
+                        </a:rPr>
+                        <a:t>http://go.microsoft.com/?</a:t>
+                      </a:r>
+                      <a:r>
+                        <a:rPr lang="en-US" sz="1200" u="sng" dirty="0" smtClean="0">
+                          <a:effectLst/>
+                          <a:hlinkClick r:id="rId8"/>
+                        </a:rPr>
+                        <a:t>linkid=9832446&amp;clcid=0x409</a:t>
+                      </a:r>
+                      <a:endParaRPr lang="en-NZ" sz="1200" dirty="0">
+                        <a:effectLst/>
+                      </a:endParaRPr>
+                    </a:p>
+                  </a:txBody>
+                  <a:tcPr marL="22301" marR="22301" marT="0" marB="0"/>
+                </a:tc>
+                <a:extLst>
+                  <a:ext uri="{0D108BD9-81ED-4DB2-BD59-A6C34878D82A}">
+                    <a16:rowId xmlns:a16="http://schemas.microsoft.com/office/drawing/2014/main" val="4097636776"/>
+                  </a:ext>
+                </a:extLst>
+              </a:tr>
+              <a:tr h="638133">
+                <a:tc>
+                  <a:txBody>
+                    <a:bodyPr/>
+                    <a:lstStyle/>
+                    <a:p>
+                      <a:pPr marL="0" marR="0">
                         <a:lnSpc>
-                          <a:spcPct val="100000"/>
+                          <a:spcPct val="107000"/>
                         </a:lnSpc>
                         <a:spcBef>
                           <a:spcPts val="0"/>
@@ -6046,965 +6572,85 @@
                         <a:spcAft>
                           <a:spcPts val="0"/>
                         </a:spcAft>
-                        <a:buClrTx/>
-                        <a:buSzTx/>
-                        <a:buFontTx/>
-                        <a:buNone/>
-                        <a:tabLst/>
-                        <a:defRPr/>
                       </a:pPr>
                       <a:r>
-                        <a:rPr lang="en-US" sz="700" dirty="0" smtClean="0"/>
-                        <a:t>Anticipation of a big name artist in a specific city</a:t>
+                        <a:rPr lang="en-US" sz="1200">
+                          <a:effectLst/>
+                        </a:rPr>
+                        <a:t>Microsoft Azure .NET SDK (if installing Visual Studio)</a:t>
                       </a:r>
+                      <a:endParaRPr lang="en-NZ" sz="1200">
+                        <a:effectLst/>
+                        <a:latin typeface="Segoe UI" panose="020B0502040204020203" pitchFamily="34" charset="0"/>
+                        <a:ea typeface="Segoe UI" panose="020B0502040204020203" pitchFamily="34" charset="0"/>
+                        <a:cs typeface="Times New Roman" panose="02020603050405020304" pitchFamily="18" charset="0"/>
+                      </a:endParaRPr>
                     </a:p>
                   </a:txBody>
-                  <a:tcPr/>
+                  <a:tcPr marL="22301" marR="22301" marT="0" marB="0"/>
                 </a:tc>
                 <a:tc>
                   <a:txBody>
                     <a:bodyPr/>
                     <a:lstStyle/>
                     <a:p>
-                      <a:r>
-                        <a:rPr lang="en-US" sz="700" kern="1200" dirty="0" smtClean="0">
-                          <a:solidFill>
-                            <a:schemeClr val="dk1"/>
-                          </a:solidFill>
-                          <a:latin typeface="+mn-lt"/>
-                          <a:ea typeface="+mn-ea"/>
-                          <a:cs typeface="+mn-cs"/>
-                        </a:rPr>
-                        <a:t>Portal: change service-tier</a:t>
-                      </a:r>
-                      <a:r>
-                        <a:rPr lang="en-US" sz="700" kern="1200" baseline="0" dirty="0" smtClean="0">
-                          <a:solidFill>
-                            <a:schemeClr val="dk1"/>
-                          </a:solidFill>
-                          <a:latin typeface="+mn-lt"/>
-                          <a:ea typeface="+mn-ea"/>
-                          <a:cs typeface="+mn-cs"/>
-                        </a:rPr>
-                        <a:t> or performance level</a:t>
-                      </a:r>
-                    </a:p>
-                  </a:txBody>
-                  <a:tcPr/>
-                </a:tc>
-                <a:extLst>
-                  <a:ext uri="{0D108BD9-81ED-4DB2-BD59-A6C34878D82A}">
-                    <a16:rowId xmlns:a16="http://schemas.microsoft.com/office/drawing/2014/main" val="10001"/>
-                  </a:ext>
-                </a:extLst>
-              </a:tr>
-              <a:tr h="525799">
-                <a:tc>
-                  <a:txBody>
-                    <a:bodyPr/>
-                    <a:lstStyle/>
-                    <a:p>
-                      <a:pPr marL="0" marR="0" indent="0" algn="l" defTabSz="914400" rtl="0" eaLnBrk="1" fontAlgn="auto" latinLnBrk="0" hangingPunct="1">
-                        <a:lnSpc>
-                          <a:spcPct val="100000"/>
-                        </a:lnSpc>
+                      <a:pPr marL="342900" marR="0" lvl="0" indent="-342900">
                         <a:spcBef>
                           <a:spcPts val="0"/>
                         </a:spcBef>
                         <a:spcAft>
-                          <a:spcPts val="0"/>
+                          <a:spcPts val="600"/>
                         </a:spcAft>
-                        <a:buClrTx/>
-                        <a:buSzTx/>
-                        <a:buFontTx/>
-                        <a:buNone/>
-                        <a:tabLst/>
-                        <a:defRPr/>
+                        <a:buFont typeface="+mj-lt"/>
+                        <a:buAutoNum type="arabicPeriod"/>
                       </a:pPr>
                       <a:r>
-                        <a:rPr lang="en-US" sz="700" dirty="0" smtClean="0"/>
-                        <a:t>Horizontal Scaling (Elastic &amp; Geo scale)</a:t>
+                        <a:rPr lang="en-US" sz="1200" dirty="0">
+                          <a:effectLst/>
+                        </a:rPr>
+                        <a:t>Browse to </a:t>
                       </a:r>
+                      <a:r>
+                        <a:rPr lang="en-US" sz="1200" u="sng" dirty="0">
+                          <a:effectLst/>
+                          <a:hlinkClick r:id="rId4"/>
+                        </a:rPr>
+                        <a:t>http://azure.microsoft.com/en-us/downloads/</a:t>
+                      </a:r>
+                      <a:endParaRPr lang="en-NZ" sz="1200" dirty="0">
+                        <a:effectLst/>
+                      </a:endParaRPr>
                     </a:p>
-                  </a:txBody>
-                  <a:tcPr/>
-                </a:tc>
-                <a:tc>
-                  <a:txBody>
-                    <a:bodyPr/>
-                    <a:lstStyle/>
                     <a:p>
-                      <a:pPr marL="0" marR="0" lvl="1" indent="0" algn="l" defTabSz="914400" rtl="0" eaLnBrk="1" fontAlgn="auto" latinLnBrk="0" hangingPunct="1">
-                        <a:lnSpc>
-                          <a:spcPct val="100000"/>
-                        </a:lnSpc>
+                      <a:pPr marL="342900" marR="0" lvl="0" indent="-342900">
                         <a:spcBef>
                           <a:spcPts val="0"/>
                         </a:spcBef>
                         <a:spcAft>
-                          <a:spcPts val="0"/>
+                          <a:spcPts val="600"/>
                         </a:spcAft>
-                        <a:buClrTx/>
-                        <a:buSzTx/>
-                        <a:buFontTx/>
-                        <a:buNone/>
-                        <a:tabLst/>
-                        <a:defRPr/>
+                        <a:buFont typeface="+mj-lt"/>
+                        <a:buAutoNum type="arabicPeriod"/>
                       </a:pPr>
                       <a:r>
-                        <a:rPr lang="en-US" sz="700" dirty="0" smtClean="0"/>
-                        <a:t>Anticipation of a big name artist country wide with sale on same day</a:t>
+                        <a:rPr lang="en-US" sz="1200" dirty="0">
+                          <a:effectLst/>
+                        </a:rPr>
+                        <a:t>Under SDKs, .NET, select the installer for your version Visual Studio e.g. VS 2013 Install.</a:t>
                       </a:r>
+                      <a:endParaRPr lang="en-NZ" sz="1200" dirty="0">
+                        <a:effectLst/>
+                        <a:latin typeface="Segoe UI" panose="020B0502040204020203" pitchFamily="34" charset="0"/>
+                        <a:ea typeface="MS Mincho"/>
+                        <a:cs typeface="Times New Roman" panose="02020603050405020304" pitchFamily="18" charset="0"/>
+                      </a:endParaRPr>
                     </a:p>
                   </a:txBody>
-                  <a:tcPr/>
-                </a:tc>
-                <a:tc>
-                  <a:txBody>
-                    <a:bodyPr/>
-                    <a:lstStyle/>
-                    <a:p>
-                      <a:pPr marL="171450" indent="-171450" algn="l" defTabSz="914363" rtl="0" eaLnBrk="1" latinLnBrk="0" hangingPunct="1">
-                        <a:buFont typeface="Arial" panose="020B0604020202020204" pitchFamily="34" charset="0"/>
-                        <a:buChar char="•"/>
-                      </a:pPr>
-                      <a:r>
-                        <a:rPr lang="en-US" sz="700" kern="1200" baseline="0" dirty="0" smtClean="0">
-                          <a:solidFill>
-                            <a:schemeClr val="dk1"/>
-                          </a:solidFill>
-                          <a:latin typeface="+mn-lt"/>
-                          <a:ea typeface="+mn-ea"/>
-                          <a:cs typeface="+mn-cs"/>
-                        </a:rPr>
-                        <a:t>Portal: show shards (databases) (</a:t>
-                      </a:r>
-                    </a:p>
-                    <a:p>
-                      <a:pPr marL="171450" indent="-171450" algn="l" defTabSz="914363" rtl="0" eaLnBrk="1" latinLnBrk="0" hangingPunct="1">
-                        <a:buFont typeface="Arial" panose="020B0604020202020204" pitchFamily="34" charset="0"/>
-                        <a:buChar char="•"/>
-                      </a:pPr>
-                      <a:r>
-                        <a:rPr lang="en-US" sz="700" kern="1200" baseline="0" dirty="0" smtClean="0">
-                          <a:solidFill>
-                            <a:schemeClr val="dk1"/>
-                          </a:solidFill>
-                          <a:latin typeface="+mn-lt"/>
-                          <a:ea typeface="+mn-ea"/>
-                          <a:cs typeface="+mn-cs"/>
-                        </a:rPr>
-                        <a:t>VS: show multi-shard query and associated sharp map (cities) and data dependent route (city)</a:t>
-                      </a:r>
-                    </a:p>
-                  </a:txBody>
-                  <a:tcPr/>
+                  <a:tcPr marL="22301" marR="22301" marT="0" marB="0"/>
                 </a:tc>
                 <a:extLst>
                   <a:ext uri="{0D108BD9-81ED-4DB2-BD59-A6C34878D82A}">
-                    <a16:rowId xmlns:a16="http://schemas.microsoft.com/office/drawing/2014/main" val="10002"/>
-                  </a:ext>
-                </a:extLst>
-              </a:tr>
-              <a:tr h="592588">
-                <a:tc>
-                  <a:txBody>
-                    <a:bodyPr/>
-                    <a:lstStyle/>
-                    <a:p>
-                      <a:pPr marL="0" marR="0" indent="0" algn="l" defTabSz="914400" rtl="0" eaLnBrk="1" fontAlgn="auto" latinLnBrk="0" hangingPunct="1">
-                        <a:lnSpc>
-                          <a:spcPct val="100000"/>
-                        </a:lnSpc>
-                        <a:spcBef>
-                          <a:spcPts val="0"/>
-                        </a:spcBef>
-                        <a:spcAft>
-                          <a:spcPts val="0"/>
-                        </a:spcAft>
-                        <a:buClrTx/>
-                        <a:buSzTx/>
-                        <a:buFontTx/>
-                        <a:buNone/>
-                        <a:tabLst/>
-                        <a:defRPr/>
-                      </a:pPr>
-                      <a:r>
-                        <a:rPr lang="en-US" sz="700" dirty="0" smtClean="0"/>
-                        <a:t>Auditing</a:t>
-                      </a:r>
-                    </a:p>
-                  </a:txBody>
-                  <a:tcPr/>
-                </a:tc>
-                <a:tc>
-                  <a:txBody>
-                    <a:bodyPr/>
-                    <a:lstStyle/>
-                    <a:p>
-                      <a:pPr marL="0" marR="0" lvl="1" indent="0" algn="l" defTabSz="914400" rtl="0" eaLnBrk="1" fontAlgn="auto" latinLnBrk="0" hangingPunct="1">
-                        <a:lnSpc>
-                          <a:spcPct val="100000"/>
-                        </a:lnSpc>
-                        <a:spcBef>
-                          <a:spcPts val="0"/>
-                        </a:spcBef>
-                        <a:spcAft>
-                          <a:spcPts val="0"/>
-                        </a:spcAft>
-                        <a:buClrTx/>
-                        <a:buSzTx/>
-                        <a:buFontTx/>
-                        <a:buNone/>
-                        <a:tabLst/>
-                        <a:defRPr/>
-                      </a:pPr>
-                      <a:r>
-                        <a:rPr lang="en-US" sz="700" dirty="0" smtClean="0"/>
-                        <a:t>Key</a:t>
-                      </a:r>
-                      <a:r>
-                        <a:rPr lang="en-US" sz="700" baseline="0" dirty="0" smtClean="0"/>
-                        <a:t> A</a:t>
-                      </a:r>
-                      <a:r>
-                        <a:rPr lang="en-US" sz="700" dirty="0" smtClean="0"/>
-                        <a:t>rena</a:t>
-                      </a:r>
-                      <a:r>
-                        <a:rPr lang="en-US" sz="700" baseline="0" dirty="0" smtClean="0"/>
-                        <a:t> DB mysteriously vanished</a:t>
-                      </a:r>
-                      <a:endParaRPr lang="en-US" sz="700" dirty="0" smtClean="0"/>
-                    </a:p>
-                  </a:txBody>
-                  <a:tcPr/>
-                </a:tc>
-                <a:tc>
-                  <a:txBody>
-                    <a:bodyPr/>
-                    <a:lstStyle/>
-                    <a:p>
-                      <a:pPr marL="171450" indent="-171450" algn="l" defTabSz="914363" rtl="0" eaLnBrk="1" latinLnBrk="0" hangingPunct="1">
-                        <a:buFont typeface="Arial" panose="020B0604020202020204" pitchFamily="34" charset="0"/>
-                        <a:buChar char="•"/>
-                      </a:pPr>
-                      <a:r>
-                        <a:rPr lang="en-US" sz="700" kern="1200" baseline="0" dirty="0" smtClean="0">
-                          <a:solidFill>
-                            <a:schemeClr val="dk1"/>
-                          </a:solidFill>
-                          <a:latin typeface="+mn-lt"/>
-                          <a:ea typeface="+mn-ea"/>
-                          <a:cs typeface="+mn-cs"/>
-                        </a:rPr>
-                        <a:t>Portal: show the operation to enable and setup Auditing for a specific DB; auditing dashboard</a:t>
-                      </a:r>
-                    </a:p>
-                    <a:p>
-                      <a:pPr marL="171450" marR="0" indent="-171450" algn="l" defTabSz="914363" rtl="0" eaLnBrk="1" fontAlgn="auto" latinLnBrk="0" hangingPunct="1">
-                        <a:lnSpc>
-                          <a:spcPct val="100000"/>
-                        </a:lnSpc>
-                        <a:spcBef>
-                          <a:spcPts val="0"/>
-                        </a:spcBef>
-                        <a:spcAft>
-                          <a:spcPts val="0"/>
-                        </a:spcAft>
-                        <a:buClrTx/>
-                        <a:buSzTx/>
-                        <a:buFont typeface="Arial" panose="020B0604020202020204" pitchFamily="34" charset="0"/>
-                        <a:buChar char="•"/>
-                        <a:tabLst/>
-                        <a:defRPr/>
-                      </a:pPr>
-                      <a:r>
-                        <a:rPr lang="en-US" sz="700" kern="1200" baseline="0" dirty="0" smtClean="0">
-                          <a:solidFill>
-                            <a:schemeClr val="dk1"/>
-                          </a:solidFill>
-                          <a:latin typeface="+mn-lt"/>
-                          <a:ea typeface="+mn-ea"/>
-                          <a:cs typeface="+mn-cs"/>
-                        </a:rPr>
-                        <a:t>VS: show security-enabled connection string, and change the password</a:t>
-                      </a:r>
-                    </a:p>
-                    <a:p>
-                      <a:pPr marL="171450" marR="0" indent="-171450" algn="l" defTabSz="914363" rtl="0" eaLnBrk="1" fontAlgn="auto" latinLnBrk="0" hangingPunct="1">
-                        <a:lnSpc>
-                          <a:spcPct val="100000"/>
-                        </a:lnSpc>
-                        <a:spcBef>
-                          <a:spcPts val="0"/>
-                        </a:spcBef>
-                        <a:spcAft>
-                          <a:spcPts val="0"/>
-                        </a:spcAft>
-                        <a:buClrTx/>
-                        <a:buSzTx/>
-                        <a:buFont typeface="Arial" panose="020B0604020202020204" pitchFamily="34" charset="0"/>
-                        <a:buChar char="•"/>
-                        <a:tabLst/>
-                        <a:defRPr/>
-                      </a:pPr>
-                      <a:r>
-                        <a:rPr lang="en-US" sz="700" kern="1200" baseline="0" dirty="0" smtClean="0">
-                          <a:solidFill>
-                            <a:schemeClr val="dk1"/>
-                          </a:solidFill>
-                          <a:latin typeface="+mn-lt"/>
-                          <a:ea typeface="+mn-ea"/>
-                          <a:cs typeface="+mn-cs"/>
-                        </a:rPr>
-                        <a:t>Portal: Delete the Venue DB</a:t>
-                      </a:r>
-                    </a:p>
-                    <a:p>
-                      <a:pPr marL="171450" marR="0" indent="-171450" algn="l" defTabSz="914363" rtl="0" eaLnBrk="1" fontAlgn="auto" latinLnBrk="0" hangingPunct="1">
-                        <a:lnSpc>
-                          <a:spcPct val="100000"/>
-                        </a:lnSpc>
-                        <a:spcBef>
-                          <a:spcPts val="0"/>
-                        </a:spcBef>
-                        <a:spcAft>
-                          <a:spcPts val="0"/>
-                        </a:spcAft>
-                        <a:buClrTx/>
-                        <a:buSzTx/>
-                        <a:buFont typeface="Arial" panose="020B0604020202020204" pitchFamily="34" charset="0"/>
-                        <a:buChar char="•"/>
-                        <a:tabLst/>
-                        <a:defRPr/>
-                      </a:pPr>
-                      <a:r>
-                        <a:rPr lang="en-US" sz="700" kern="1200" baseline="0" dirty="0" smtClean="0">
-                          <a:solidFill>
-                            <a:schemeClr val="dk1"/>
-                          </a:solidFill>
-                          <a:latin typeface="+mn-lt"/>
-                          <a:ea typeface="+mn-ea"/>
-                          <a:cs typeface="+mn-cs"/>
-                        </a:rPr>
-                        <a:t>Web site: show missing Key Arena venue</a:t>
-                      </a:r>
-                    </a:p>
-                    <a:p>
-                      <a:pPr marL="171450" indent="-171450" algn="l" defTabSz="914363" rtl="0" eaLnBrk="1" latinLnBrk="0" hangingPunct="1">
-                        <a:buFont typeface="Arial" panose="020B0604020202020204" pitchFamily="34" charset="0"/>
-                        <a:buChar char="•"/>
-                      </a:pPr>
-                      <a:r>
-                        <a:rPr lang="en-US" sz="700" kern="1200" baseline="0" dirty="0" smtClean="0">
-                          <a:solidFill>
-                            <a:schemeClr val="dk1"/>
-                          </a:solidFill>
-                          <a:latin typeface="+mn-lt"/>
-                          <a:ea typeface="+mn-ea"/>
-                          <a:cs typeface="+mn-cs"/>
-                        </a:rPr>
-                        <a:t>Excel: show dashboard – show who deleted the DB</a:t>
-                      </a:r>
-                      <a:endParaRPr lang="en-US" sz="700" kern="1200" baseline="0" dirty="0">
-                        <a:solidFill>
-                          <a:schemeClr val="dk1"/>
-                        </a:solidFill>
-                        <a:latin typeface="+mn-lt"/>
-                        <a:ea typeface="+mn-ea"/>
-                        <a:cs typeface="+mn-cs"/>
-                      </a:endParaRPr>
-                    </a:p>
-                  </a:txBody>
-                  <a:tcPr/>
-                </a:tc>
-                <a:extLst>
-                  <a:ext uri="{0D108BD9-81ED-4DB2-BD59-A6C34878D82A}">
-                    <a16:rowId xmlns:a16="http://schemas.microsoft.com/office/drawing/2014/main" val="10003"/>
-                  </a:ext>
-                </a:extLst>
-              </a:tr>
-              <a:tr h="182880">
-                <a:tc>
-                  <a:txBody>
-                    <a:bodyPr/>
-                    <a:lstStyle/>
-                    <a:p>
-                      <a:pPr marL="0" marR="0" indent="0" algn="l" defTabSz="914400" rtl="0" eaLnBrk="1" fontAlgn="auto" latinLnBrk="0" hangingPunct="1">
-                        <a:lnSpc>
-                          <a:spcPct val="100000"/>
-                        </a:lnSpc>
-                        <a:spcBef>
-                          <a:spcPts val="0"/>
-                        </a:spcBef>
-                        <a:spcAft>
-                          <a:spcPts val="0"/>
-                        </a:spcAft>
-                        <a:buClrTx/>
-                        <a:buSzTx/>
-                        <a:buFontTx/>
-                        <a:buNone/>
-                        <a:tabLst/>
-                        <a:defRPr/>
-                      </a:pPr>
-                      <a:r>
-                        <a:rPr lang="en-US" sz="700" dirty="0" smtClean="0"/>
-                        <a:t>Point-in-time restore</a:t>
-                      </a:r>
-                    </a:p>
-                  </a:txBody>
-                  <a:tcPr/>
-                </a:tc>
-                <a:tc>
-                  <a:txBody>
-                    <a:bodyPr/>
-                    <a:lstStyle/>
-                    <a:p>
-                      <a:r>
-                        <a:rPr lang="en-US" sz="700" dirty="0" smtClean="0"/>
-                        <a:t>Accidental</a:t>
-                      </a:r>
-                      <a:r>
-                        <a:rPr lang="en-US" sz="700" baseline="0" dirty="0" smtClean="0"/>
-                        <a:t> DB deletion</a:t>
-                      </a:r>
-                    </a:p>
-                  </a:txBody>
-                  <a:tcPr/>
-                </a:tc>
-                <a:tc>
-                  <a:txBody>
-                    <a:bodyPr/>
-                    <a:lstStyle/>
-                    <a:p>
-                      <a:pPr marL="171450" indent="-171450" algn="l" defTabSz="914363" rtl="0" eaLnBrk="1" latinLnBrk="0" hangingPunct="1">
-                        <a:buFont typeface="Arial" panose="020B0604020202020204" pitchFamily="34" charset="0"/>
-                        <a:buChar char="•"/>
-                      </a:pPr>
-                      <a:r>
-                        <a:rPr lang="en-US" sz="700" kern="1200" baseline="0" dirty="0" smtClean="0">
-                          <a:solidFill>
-                            <a:schemeClr val="dk1"/>
-                          </a:solidFill>
-                          <a:latin typeface="+mn-lt"/>
-                          <a:ea typeface="+mn-ea"/>
-                          <a:cs typeface="+mn-cs"/>
-                        </a:rPr>
-                        <a:t>Portal: restore a point in time backup</a:t>
-                      </a:r>
-                    </a:p>
-                    <a:p>
-                      <a:pPr marL="171450" marR="0" indent="-171450" algn="l" defTabSz="914363" rtl="0" eaLnBrk="1" fontAlgn="auto" latinLnBrk="0" hangingPunct="1">
-                        <a:lnSpc>
-                          <a:spcPct val="100000"/>
-                        </a:lnSpc>
-                        <a:spcBef>
-                          <a:spcPts val="0"/>
-                        </a:spcBef>
-                        <a:spcAft>
-                          <a:spcPts val="0"/>
-                        </a:spcAft>
-                        <a:buClrTx/>
-                        <a:buSzTx/>
-                        <a:buFont typeface="Arial" panose="020B0604020202020204" pitchFamily="34" charset="0"/>
-                        <a:buChar char="•"/>
-                        <a:tabLst/>
-                        <a:defRPr/>
-                      </a:pPr>
-                      <a:r>
-                        <a:rPr lang="en-US" sz="700" kern="1200" baseline="0" dirty="0" smtClean="0">
-                          <a:solidFill>
-                            <a:schemeClr val="dk1"/>
-                          </a:solidFill>
-                          <a:latin typeface="+mn-lt"/>
-                          <a:ea typeface="+mn-ea"/>
-                          <a:cs typeface="+mn-cs"/>
-                        </a:rPr>
-                        <a:t>Web site: show there’s still an error after restoring the Venue DB because of the incorrect password</a:t>
-                      </a:r>
-                    </a:p>
-                    <a:p>
-                      <a:pPr marL="171450" marR="0" indent="-171450" algn="l" defTabSz="914363" rtl="0" eaLnBrk="1" fontAlgn="auto" latinLnBrk="0" hangingPunct="1">
-                        <a:lnSpc>
-                          <a:spcPct val="100000"/>
-                        </a:lnSpc>
-                        <a:spcBef>
-                          <a:spcPts val="0"/>
-                        </a:spcBef>
-                        <a:spcAft>
-                          <a:spcPts val="0"/>
-                        </a:spcAft>
-                        <a:buClrTx/>
-                        <a:buSzTx/>
-                        <a:buFont typeface="Arial" panose="020B0604020202020204" pitchFamily="34" charset="0"/>
-                        <a:buChar char="•"/>
-                        <a:tabLst/>
-                        <a:defRPr/>
-                      </a:pPr>
-                      <a:r>
-                        <a:rPr lang="en-US" sz="700" kern="1200" baseline="0" dirty="0" smtClean="0">
-                          <a:solidFill>
-                            <a:schemeClr val="dk1"/>
-                          </a:solidFill>
-                          <a:latin typeface="+mn-lt"/>
-                          <a:ea typeface="+mn-ea"/>
-                          <a:cs typeface="+mn-cs"/>
-                        </a:rPr>
-                        <a:t>Excel: show dashboard – show the spike in login failures because of incorrect password</a:t>
-                      </a:r>
-                    </a:p>
-                    <a:p>
-                      <a:pPr marL="171450" marR="0" indent="-171450" algn="l" defTabSz="914363" rtl="0" eaLnBrk="1" fontAlgn="auto" latinLnBrk="0" hangingPunct="1">
-                        <a:lnSpc>
-                          <a:spcPct val="100000"/>
-                        </a:lnSpc>
-                        <a:spcBef>
-                          <a:spcPts val="0"/>
-                        </a:spcBef>
-                        <a:spcAft>
-                          <a:spcPts val="0"/>
-                        </a:spcAft>
-                        <a:buClrTx/>
-                        <a:buSzTx/>
-                        <a:buFont typeface="Arial" panose="020B0604020202020204" pitchFamily="34" charset="0"/>
-                        <a:buChar char="•"/>
-                        <a:tabLst/>
-                        <a:defRPr/>
-                      </a:pPr>
-                      <a:r>
-                        <a:rPr lang="en-US" sz="700" kern="1200" baseline="0" dirty="0" smtClean="0">
-                          <a:solidFill>
-                            <a:schemeClr val="dk1"/>
-                          </a:solidFill>
-                          <a:latin typeface="+mn-lt"/>
-                          <a:ea typeface="+mn-ea"/>
-                          <a:cs typeface="+mn-cs"/>
-                        </a:rPr>
-                        <a:t>VS: correct the password</a:t>
-                      </a:r>
-                    </a:p>
-                    <a:p>
-                      <a:pPr marL="171450" marR="0" indent="-171450" algn="l" defTabSz="914363" rtl="0" eaLnBrk="1" fontAlgn="auto" latinLnBrk="0" hangingPunct="1">
-                        <a:lnSpc>
-                          <a:spcPct val="100000"/>
-                        </a:lnSpc>
-                        <a:spcBef>
-                          <a:spcPts val="0"/>
-                        </a:spcBef>
-                        <a:spcAft>
-                          <a:spcPts val="0"/>
-                        </a:spcAft>
-                        <a:buClrTx/>
-                        <a:buSzTx/>
-                        <a:buFont typeface="Arial" panose="020B0604020202020204" pitchFamily="34" charset="0"/>
-                        <a:buChar char="•"/>
-                        <a:tabLst/>
-                        <a:defRPr/>
-                      </a:pPr>
-                      <a:r>
-                        <a:rPr lang="en-US" sz="700" kern="1200" baseline="0" dirty="0" smtClean="0">
-                          <a:solidFill>
-                            <a:schemeClr val="dk1"/>
-                          </a:solidFill>
-                          <a:latin typeface="+mn-lt"/>
-                          <a:ea typeface="+mn-ea"/>
-                          <a:cs typeface="+mn-cs"/>
-                        </a:rPr>
-                        <a:t>Web site: show that all is working with the restored Venue DB</a:t>
-                      </a:r>
-                    </a:p>
-                  </a:txBody>
-                  <a:tcPr/>
-                </a:tc>
-                <a:extLst>
-                  <a:ext uri="{0D108BD9-81ED-4DB2-BD59-A6C34878D82A}">
-                    <a16:rowId xmlns:a16="http://schemas.microsoft.com/office/drawing/2014/main" val="10004"/>
-                  </a:ext>
-                </a:extLst>
-              </a:tr>
-              <a:tr h="182880">
-                <a:tc>
-                  <a:txBody>
-                    <a:bodyPr/>
-                    <a:lstStyle/>
-                    <a:p>
-                      <a:r>
-                        <a:rPr lang="en-US" sz="700" dirty="0" smtClean="0"/>
-                        <a:t>Geographic disaster recovery</a:t>
-                      </a:r>
-                    </a:p>
-                  </a:txBody>
-                  <a:tcPr/>
-                </a:tc>
-                <a:tc>
-                  <a:txBody>
-                    <a:bodyPr/>
-                    <a:lstStyle/>
-                    <a:p>
-                      <a:pPr marL="0" marR="0" lvl="1" indent="0" algn="l" defTabSz="914400" rtl="0" eaLnBrk="1" fontAlgn="auto" latinLnBrk="0" hangingPunct="1">
-                        <a:lnSpc>
-                          <a:spcPct val="100000"/>
-                        </a:lnSpc>
-                        <a:spcBef>
-                          <a:spcPts val="0"/>
-                        </a:spcBef>
-                        <a:spcAft>
-                          <a:spcPts val="0"/>
-                        </a:spcAft>
-                        <a:buClrTx/>
-                        <a:buSzTx/>
-                        <a:buFontTx/>
-                        <a:buNone/>
-                        <a:tabLst/>
-                        <a:defRPr/>
-                      </a:pPr>
-                      <a:r>
-                        <a:rPr lang="en-US" sz="700" dirty="0" smtClean="0"/>
-                        <a:t>Server in a datacenter goes down</a:t>
-                      </a:r>
-                    </a:p>
-                  </a:txBody>
-                  <a:tcPr/>
-                </a:tc>
-                <a:tc>
-                  <a:txBody>
-                    <a:bodyPr/>
-                    <a:lstStyle/>
-                    <a:p>
-                      <a:pPr marL="171450" indent="-171450" algn="l" defTabSz="914363" rtl="0" eaLnBrk="1" latinLnBrk="0" hangingPunct="1">
-                        <a:buFont typeface="Arial" panose="020B0604020202020204" pitchFamily="34" charset="0"/>
-                        <a:buChar char="•"/>
-                      </a:pPr>
-                      <a:r>
-                        <a:rPr lang="en-US" sz="700" kern="1200" baseline="0" dirty="0" smtClean="0">
-                          <a:solidFill>
-                            <a:schemeClr val="dk1"/>
-                          </a:solidFill>
-                          <a:latin typeface="+mn-lt"/>
-                          <a:ea typeface="+mn-ea"/>
-                          <a:cs typeface="+mn-cs"/>
-                        </a:rPr>
-                        <a:t>Portal: increase the size of the DB instance from S to P1 (since active-geo is only available in P instances)</a:t>
-                      </a:r>
-                    </a:p>
-                    <a:p>
-                      <a:pPr marL="171450" indent="-171450" algn="l" defTabSz="914363" rtl="0" eaLnBrk="1" latinLnBrk="0" hangingPunct="1">
-                        <a:buFont typeface="Arial" panose="020B0604020202020204" pitchFamily="34" charset="0"/>
-                        <a:buChar char="•"/>
-                      </a:pPr>
-                      <a:r>
-                        <a:rPr lang="en-US" sz="700" kern="1200" baseline="0" dirty="0" smtClean="0">
-                          <a:solidFill>
-                            <a:schemeClr val="dk1"/>
-                          </a:solidFill>
-                          <a:latin typeface="+mn-lt"/>
-                          <a:ea typeface="+mn-ea"/>
-                          <a:cs typeface="+mn-cs"/>
-                        </a:rPr>
-                        <a:t>Portal: show how traffic manager is setup to redirect traffic to a hot standby of the web tier</a:t>
-                      </a:r>
-                    </a:p>
-                    <a:p>
-                      <a:pPr marL="171450" indent="-171450" algn="l" defTabSz="914363" rtl="0" eaLnBrk="1" latinLnBrk="0" hangingPunct="1">
-                        <a:buFont typeface="Arial" panose="020B0604020202020204" pitchFamily="34" charset="0"/>
-                        <a:buChar char="•"/>
-                      </a:pPr>
-                      <a:r>
-                        <a:rPr lang="en-US" sz="700" kern="1200" baseline="0" dirty="0" smtClean="0">
-                          <a:solidFill>
-                            <a:schemeClr val="dk1"/>
-                          </a:solidFill>
-                          <a:latin typeface="+mn-lt"/>
-                          <a:ea typeface="+mn-ea"/>
-                          <a:cs typeface="+mn-cs"/>
-                        </a:rPr>
-                        <a:t>Portal: shutdown the primary web tier VM</a:t>
-                      </a:r>
-                    </a:p>
-                    <a:p>
-                      <a:pPr marL="171450" indent="-171450" algn="l" defTabSz="914363" rtl="0" eaLnBrk="1" latinLnBrk="0" hangingPunct="1">
-                        <a:buFont typeface="Arial" panose="020B0604020202020204" pitchFamily="34" charset="0"/>
-                        <a:buChar char="•"/>
-                      </a:pPr>
-                      <a:r>
-                        <a:rPr lang="en-US" sz="700" kern="1200" baseline="0" dirty="0" smtClean="0">
-                          <a:solidFill>
-                            <a:schemeClr val="dk1"/>
-                          </a:solidFill>
-                          <a:latin typeface="+mn-lt"/>
-                          <a:ea typeface="+mn-ea"/>
-                          <a:cs typeface="+mn-cs"/>
-                        </a:rPr>
-                        <a:t>Portal: show how a geo replicated secondary can make available a hot standby of the data tier</a:t>
-                      </a:r>
-                    </a:p>
-                    <a:p>
-                      <a:pPr marL="171450" marR="0" indent="-171450" algn="l" defTabSz="914363" rtl="0" eaLnBrk="1" fontAlgn="auto" latinLnBrk="0" hangingPunct="1">
-                        <a:lnSpc>
-                          <a:spcPct val="100000"/>
-                        </a:lnSpc>
-                        <a:spcBef>
-                          <a:spcPts val="0"/>
-                        </a:spcBef>
-                        <a:spcAft>
-                          <a:spcPts val="0"/>
-                        </a:spcAft>
-                        <a:buClrTx/>
-                        <a:buSzTx/>
-                        <a:buFont typeface="Arial" panose="020B0604020202020204" pitchFamily="34" charset="0"/>
-                        <a:buChar char="•"/>
-                        <a:tabLst/>
-                        <a:defRPr/>
-                      </a:pPr>
-                      <a:r>
-                        <a:rPr lang="en-US" sz="700" kern="1200" baseline="0" dirty="0" smtClean="0">
-                          <a:solidFill>
-                            <a:schemeClr val="dk1"/>
-                          </a:solidFill>
-                          <a:latin typeface="+mn-lt"/>
-                          <a:ea typeface="+mn-ea"/>
-                          <a:cs typeface="+mn-cs"/>
-                        </a:rPr>
-                        <a:t>Portal: stop replication to the secondary, which effectively promotes to secondary to a primary</a:t>
-                      </a:r>
-                    </a:p>
-                    <a:p>
-                      <a:pPr marL="171450" marR="0" indent="-171450" algn="l" defTabSz="914363" rtl="0" eaLnBrk="1" fontAlgn="auto" latinLnBrk="0" hangingPunct="1">
-                        <a:lnSpc>
-                          <a:spcPct val="100000"/>
-                        </a:lnSpc>
-                        <a:spcBef>
-                          <a:spcPts val="0"/>
-                        </a:spcBef>
-                        <a:spcAft>
-                          <a:spcPts val="0"/>
-                        </a:spcAft>
-                        <a:buClrTx/>
-                        <a:buSzTx/>
-                        <a:buFont typeface="Arial" panose="020B0604020202020204" pitchFamily="34" charset="0"/>
-                        <a:buChar char="•"/>
-                        <a:tabLst/>
-                        <a:defRPr/>
-                      </a:pPr>
-                      <a:r>
-                        <a:rPr lang="en-US" sz="700" kern="1200" baseline="0" dirty="0" smtClean="0">
-                          <a:solidFill>
-                            <a:schemeClr val="dk1"/>
-                          </a:solidFill>
-                          <a:latin typeface="+mn-lt"/>
-                          <a:ea typeface="+mn-ea"/>
-                          <a:cs typeface="+mn-cs"/>
-                        </a:rPr>
-                        <a:t>Web site: show how the site continues to run without interruption</a:t>
-                      </a:r>
-                      <a:endParaRPr lang="en-US" sz="700" kern="1200" baseline="0" dirty="0">
-                        <a:solidFill>
-                          <a:schemeClr val="dk1"/>
-                        </a:solidFill>
-                        <a:latin typeface="+mn-lt"/>
-                        <a:ea typeface="+mn-ea"/>
-                        <a:cs typeface="+mn-cs"/>
-                      </a:endParaRPr>
-                    </a:p>
-                  </a:txBody>
-                  <a:tcPr/>
-                </a:tc>
-                <a:extLst>
-                  <a:ext uri="{0D108BD9-81ED-4DB2-BD59-A6C34878D82A}">
-                    <a16:rowId xmlns:a16="http://schemas.microsoft.com/office/drawing/2014/main" val="2248212393"/>
-                  </a:ext>
-                </a:extLst>
-              </a:tr>
-              <a:tr h="182880">
-                <a:tc>
-                  <a:txBody>
-                    <a:bodyPr/>
-                    <a:lstStyle/>
-                    <a:p>
-                      <a:pPr marL="0" marR="0" indent="0" algn="l" defTabSz="914400" rtl="0" eaLnBrk="1" fontAlgn="auto" latinLnBrk="0" hangingPunct="1">
-                        <a:lnSpc>
-                          <a:spcPct val="100000"/>
-                        </a:lnSpc>
-                        <a:spcBef>
-                          <a:spcPts val="0"/>
-                        </a:spcBef>
-                        <a:spcAft>
-                          <a:spcPts val="0"/>
-                        </a:spcAft>
-                        <a:buClrTx/>
-                        <a:buSzTx/>
-                        <a:buFontTx/>
-                        <a:buNone/>
-                        <a:tabLst/>
-                        <a:defRPr/>
-                      </a:pPr>
-                      <a:r>
-                        <a:rPr lang="en-US" sz="700" dirty="0" smtClean="0"/>
-                        <a:t>Predictable performance across service tiers and performance levels</a:t>
-                      </a:r>
-                    </a:p>
-                  </a:txBody>
-                  <a:tcPr/>
-                </a:tc>
-                <a:tc>
-                  <a:txBody>
-                    <a:bodyPr/>
-                    <a:lstStyle/>
-                    <a:p>
-                      <a:r>
-                        <a:rPr lang="en-US" sz="700" dirty="0" smtClean="0"/>
-                        <a:t>Am I using the right service/performance tier (SKU) based</a:t>
-                      </a:r>
-                      <a:r>
-                        <a:rPr lang="en-US" sz="700" baseline="0" dirty="0" smtClean="0"/>
-                        <a:t> on my usage?</a:t>
-                      </a:r>
-                      <a:endParaRPr lang="en-US" sz="700" dirty="0">
-                        <a:solidFill>
-                          <a:schemeClr val="tx1"/>
-                        </a:solidFill>
-                      </a:endParaRPr>
-                    </a:p>
-                  </a:txBody>
-                  <a:tcPr/>
-                </a:tc>
-                <a:tc>
-                  <a:txBody>
-                    <a:bodyPr/>
-                    <a:lstStyle/>
-                    <a:p>
-                      <a:pPr marL="171450" marR="0" indent="-171450" algn="l" defTabSz="914363" rtl="0" eaLnBrk="1" fontAlgn="auto" latinLnBrk="0" hangingPunct="1">
-                        <a:lnSpc>
-                          <a:spcPct val="100000"/>
-                        </a:lnSpc>
-                        <a:spcBef>
-                          <a:spcPts val="0"/>
-                        </a:spcBef>
-                        <a:spcAft>
-                          <a:spcPts val="0"/>
-                        </a:spcAft>
-                        <a:buClrTx/>
-                        <a:buSzTx/>
-                        <a:buFont typeface="Arial" panose="020B0604020202020204" pitchFamily="34" charset="0"/>
-                        <a:buChar char="•"/>
-                        <a:tabLst/>
-                        <a:defRPr/>
-                      </a:pPr>
-                      <a:r>
-                        <a:rPr lang="en-US" sz="700" kern="1200" baseline="0" dirty="0" smtClean="0">
-                          <a:solidFill>
-                            <a:schemeClr val="dk1"/>
-                          </a:solidFill>
-                          <a:latin typeface="+mn-lt"/>
-                          <a:ea typeface="+mn-ea"/>
-                          <a:cs typeface="+mn-cs"/>
-                        </a:rPr>
-                        <a:t>SSMS: show the dynamic management view, which uses historical consumption data to recommend the right service tier/performance level</a:t>
-                      </a:r>
-                    </a:p>
-                  </a:txBody>
-                  <a:tcPr/>
-                </a:tc>
-                <a:extLst>
-                  <a:ext uri="{0D108BD9-81ED-4DB2-BD59-A6C34878D82A}">
-                    <a16:rowId xmlns:a16="http://schemas.microsoft.com/office/drawing/2014/main" val="3736867791"/>
-                  </a:ext>
-                </a:extLst>
-              </a:tr>
-              <a:tr h="182880">
-                <a:tc>
-                  <a:txBody>
-                    <a:bodyPr/>
-                    <a:lstStyle/>
-                    <a:p>
-                      <a:pPr marL="0" marR="0" indent="0" algn="l" defTabSz="914400" rtl="0" eaLnBrk="1" fontAlgn="auto" latinLnBrk="0" hangingPunct="1">
-                        <a:lnSpc>
-                          <a:spcPct val="100000"/>
-                        </a:lnSpc>
-                        <a:spcBef>
-                          <a:spcPts val="0"/>
-                        </a:spcBef>
-                        <a:spcAft>
-                          <a:spcPts val="0"/>
-                        </a:spcAft>
-                        <a:buClrTx/>
-                        <a:buSzTx/>
-                        <a:buFontTx/>
-                        <a:buNone/>
-                        <a:tabLst/>
-                        <a:defRPr/>
-                      </a:pPr>
-                      <a:r>
-                        <a:rPr lang="en-US" sz="700" dirty="0" smtClean="0"/>
-                        <a:t>Workload insights</a:t>
-                      </a:r>
-                    </a:p>
-                  </a:txBody>
-                  <a:tcPr/>
-                </a:tc>
-                <a:tc>
-                  <a:txBody>
-                    <a:bodyPr/>
-                    <a:lstStyle/>
-                    <a:p>
-                      <a:r>
-                        <a:rPr lang="en-US" sz="700" dirty="0" smtClean="0"/>
-                        <a:t>What if I want an automated wa</a:t>
-                      </a:r>
-                      <a:r>
-                        <a:rPr lang="en-US" sz="700" baseline="0" dirty="0" smtClean="0"/>
-                        <a:t>y to assess my historical usage and recommend DB size, SKU size, expected usage etc?</a:t>
-                      </a:r>
-                      <a:endParaRPr lang="en-US" sz="700" dirty="0">
-                        <a:solidFill>
-                          <a:schemeClr val="tx1"/>
-                        </a:solidFill>
-                      </a:endParaRPr>
-                    </a:p>
-                  </a:txBody>
-                  <a:tcPr/>
-                </a:tc>
-                <a:tc>
-                  <a:txBody>
-                    <a:bodyPr/>
-                    <a:lstStyle/>
-                    <a:p>
-                      <a:pPr marL="171450" marR="0" indent="-171450" algn="l" defTabSz="914363" rtl="0" eaLnBrk="1" fontAlgn="auto" latinLnBrk="0" hangingPunct="1">
-                        <a:lnSpc>
-                          <a:spcPct val="100000"/>
-                        </a:lnSpc>
-                        <a:spcBef>
-                          <a:spcPts val="0"/>
-                        </a:spcBef>
-                        <a:spcAft>
-                          <a:spcPts val="0"/>
-                        </a:spcAft>
-                        <a:buClrTx/>
-                        <a:buSzTx/>
-                        <a:buFont typeface="Arial" panose="020B0604020202020204" pitchFamily="34" charset="0"/>
-                        <a:buChar char="•"/>
-                        <a:tabLst/>
-                        <a:defRPr/>
-                      </a:pPr>
-                      <a:r>
-                        <a:rPr lang="en-US" sz="700" kern="1200" baseline="0" dirty="0" smtClean="0">
-                          <a:solidFill>
-                            <a:schemeClr val="dk1"/>
-                          </a:solidFill>
-                          <a:latin typeface="+mn-lt"/>
-                          <a:ea typeface="+mn-ea"/>
-                          <a:cs typeface="+mn-cs"/>
-                        </a:rPr>
-                        <a:t>Portal: From Workload Insights, show how a poor performing Index has been identified and hints appear to recommended index optimization.  </a:t>
-                      </a:r>
-                    </a:p>
-                  </a:txBody>
-                  <a:tcPr/>
-                </a:tc>
-                <a:extLst>
-                  <a:ext uri="{0D108BD9-81ED-4DB2-BD59-A6C34878D82A}">
-                    <a16:rowId xmlns:a16="http://schemas.microsoft.com/office/drawing/2014/main" val="2381509833"/>
+                    <a16:rowId xmlns:a16="http://schemas.microsoft.com/office/drawing/2014/main" val="4129221638"/>
                   </a:ext>
                 </a:extLst>
               </a:tr>
@@ -7012,152 +6658,10 @@
           </a:graphicData>
         </a:graphic>
       </p:graphicFrame>
-      <p:sp>
-        <p:nvSpPr>
-          <p:cNvPr id="12" name="Content Placeholder 11"/>
-          <p:cNvSpPr>
-            <a:spLocks noGrp="1"/>
-          </p:cNvSpPr>
-          <p:nvPr>
-            <p:ph idx="10"/>
-          </p:nvPr>
-        </p:nvSpPr>
-        <p:spPr>
-          <a:xfrm>
-            <a:off x="6184350" y="1464273"/>
-            <a:ext cx="5487697" cy="2489912"/>
-          </a:xfrm>
-        </p:spPr>
-        <p:txBody>
-          <a:bodyPr/>
-          <a:lstStyle/>
-          <a:p>
-            <a:pPr lvl="0"/>
-            <a:r>
-              <a:rPr lang="en-US" sz="1400" dirty="0" smtClean="0"/>
-              <a:t>An Azure account</a:t>
-            </a:r>
-            <a:endParaRPr lang="en-NZ" sz="1400" dirty="0" smtClean="0"/>
-          </a:p>
-          <a:p>
-            <a:pPr lvl="1"/>
-            <a:r>
-              <a:rPr lang="en-US" sz="1200" dirty="0" smtClean="0"/>
-              <a:t>If you don’t already have an Azure Account, browse to </a:t>
-            </a:r>
-            <a:r>
-              <a:rPr lang="en-US" sz="1200" dirty="0" smtClean="0">
-                <a:hlinkClick r:id="rId2"/>
-              </a:rPr>
-              <a:t>http://azure.microsoft.com/en-us/pricing/free-trial/</a:t>
-            </a:r>
-            <a:endParaRPr lang="en-NZ" sz="1200" dirty="0" smtClean="0"/>
-          </a:p>
-          <a:p>
-            <a:pPr lvl="0"/>
-            <a:r>
-              <a:rPr lang="en-US" sz="1400" dirty="0" smtClean="0"/>
-              <a:t>Installation of Visual Studio</a:t>
-            </a:r>
-            <a:endParaRPr lang="en-NZ" sz="1400" dirty="0" smtClean="0"/>
-          </a:p>
-          <a:p>
-            <a:pPr lvl="1"/>
-            <a:r>
-              <a:rPr lang="en-US" sz="1200" dirty="0" smtClean="0"/>
-              <a:t>If you don’t already have </a:t>
-            </a:r>
-            <a:r>
-              <a:rPr lang="en-US" sz="1200" dirty="0" smtClean="0">
-                <a:hlinkClick r:id="rId3"/>
-              </a:rPr>
-              <a:t>Visual Studio </a:t>
-            </a:r>
-            <a:r>
-              <a:rPr lang="en-US" sz="1200" dirty="0" smtClean="0"/>
-              <a:t>installed</a:t>
-            </a:r>
-            <a:endParaRPr lang="en-NZ" sz="1200" dirty="0" smtClean="0"/>
-          </a:p>
-          <a:p>
-            <a:pPr lvl="0"/>
-            <a:r>
-              <a:rPr lang="en-US" sz="1400" dirty="0" smtClean="0"/>
-              <a:t>Installation of ‘Microsoft Azure </a:t>
-            </a:r>
-            <a:r>
-              <a:rPr lang="en-US" sz="1400" dirty="0" err="1" smtClean="0"/>
-              <a:t>Powershell</a:t>
-            </a:r>
-            <a:r>
-              <a:rPr lang="en-US" sz="1400" dirty="0" smtClean="0"/>
-              <a:t>’ and Azure SDK</a:t>
-            </a:r>
-            <a:endParaRPr lang="en-NZ" sz="1400" dirty="0" smtClean="0"/>
-          </a:p>
-          <a:p>
-            <a:pPr lvl="1"/>
-            <a:r>
-              <a:rPr lang="en-US" sz="1200" dirty="0" smtClean="0"/>
-              <a:t>Browse to </a:t>
-            </a:r>
-            <a:r>
-              <a:rPr lang="en-US" sz="1200" dirty="0" smtClean="0">
-                <a:hlinkClick r:id="rId4"/>
-              </a:rPr>
-              <a:t>http://azure.microsoft.com/en-us/downloads/</a:t>
-            </a:r>
-            <a:endParaRPr lang="en-NZ" sz="1200" dirty="0" smtClean="0"/>
-          </a:p>
-          <a:p>
-            <a:pPr lvl="1"/>
-            <a:r>
-              <a:rPr lang="en-US" sz="1200" dirty="0" smtClean="0"/>
-              <a:t>Under Command-line Tools, Windows PowerShell, select Install</a:t>
-            </a:r>
-            <a:endParaRPr lang="en-NZ" sz="1200" dirty="0" smtClean="0"/>
-          </a:p>
-          <a:p>
-            <a:pPr lvl="1"/>
-            <a:r>
-              <a:rPr lang="en-US" sz="1200" dirty="0" smtClean="0"/>
-              <a:t>Under SDKs, .NET, select the VS specific installation based on your version of Visual Studio</a:t>
-            </a:r>
-            <a:endParaRPr lang="en-NZ" sz="1200" dirty="0" smtClean="0"/>
-          </a:p>
-          <a:p>
-            <a:pPr lvl="0"/>
-            <a:r>
-              <a:rPr lang="en-US" sz="1400" dirty="0" smtClean="0"/>
-              <a:t>Deployment Scripts &amp; load generator</a:t>
-            </a:r>
-            <a:endParaRPr lang="en-NZ" sz="1400" dirty="0" smtClean="0"/>
-          </a:p>
-          <a:p>
-            <a:r>
-              <a:rPr lang="en-US" sz="1400" dirty="0" smtClean="0">
-                <a:hlinkClick r:id="rId5"/>
-              </a:rPr>
-              <a:t>Demo script </a:t>
-            </a:r>
-            <a:r>
-              <a:rPr lang="en-US" sz="1400" dirty="0" smtClean="0"/>
-              <a:t>&amp; </a:t>
-            </a:r>
-            <a:r>
-              <a:rPr lang="en-US" sz="1400" dirty="0" smtClean="0">
-                <a:hlinkClick r:id="rId6"/>
-              </a:rPr>
-              <a:t>deployment guide</a:t>
-            </a:r>
-            <a:endParaRPr lang="en-NZ" sz="1400" dirty="0"/>
-          </a:p>
-        </p:txBody>
-      </p:sp>
     </p:spTree>
     <p:extLst>
       <p:ext uri="{BB962C8B-B14F-4D97-AF65-F5344CB8AC3E}">
-        <p14:creationId xmlns:p14="http://schemas.microsoft.com/office/powerpoint/2010/main" val="2910687074"/>
+        <p14:creationId xmlns:p14="http://schemas.microsoft.com/office/powerpoint/2010/main" val="2817303685"/>
       </p:ext>
     </p:extLst>
   </p:cSld>
@@ -7196,7 +6700,7 @@
       </p:grpSpPr>
       <p:sp>
         <p:nvSpPr>
-          <p:cNvPr id="2" name="Title 1"/>
+          <p:cNvPr id="4" name="Title 3"/>
           <p:cNvSpPr>
             <a:spLocks noGrp="1"/>
           </p:cNvSpPr>
@@ -7210,31 +6714,774 @@
           <a:lstStyle/>
           <a:p>
             <a:r>
-              <a:rPr lang="en-US" smtClean="0"/>
-              <a:t>HOL Key </a:t>
-            </a:r>
-            <a:r>
               <a:rPr lang="en-US" dirty="0" smtClean="0"/>
-              <a:t>Steps summary</a:t>
+              <a:t>Demo scenarios and install steps</a:t>
             </a:r>
             <a:endParaRPr lang="en-NZ" dirty="0"/>
           </a:p>
         </p:txBody>
       </p:sp>
+      <p:graphicFrame>
+        <p:nvGraphicFramePr>
+          <p:cNvPr id="10" name="Content Placeholder 5"/>
+          <p:cNvGraphicFramePr>
+            <a:graphicFrameLocks noGrp="1"/>
+          </p:cNvGraphicFramePr>
+          <p:nvPr>
+            <p:ph idx="1"/>
+            <p:extLst>
+              <p:ext uri="{D42A27DB-BD31-4B8C-83A1-F6EECF244321}">
+                <p14:modId xmlns:p14="http://schemas.microsoft.com/office/powerpoint/2010/main" val="3362439822"/>
+              </p:ext>
+            </p:extLst>
+          </p:nvPr>
+        </p:nvGraphicFramePr>
+        <p:xfrm>
+          <a:off x="519113" y="1447800"/>
+          <a:ext cx="5487521" cy="5347468"/>
+        </p:xfrm>
+        <a:graphic>
+          <a:graphicData uri="http://schemas.openxmlformats.org/drawingml/2006/table">
+            <a:tbl>
+              <a:tblPr firstRow="1" bandRow="1">
+                <a:tableStyleId>{5C22544A-7EE6-4342-B048-85BDC9FD1C3A}</a:tableStyleId>
+              </a:tblPr>
+              <a:tblGrid>
+                <a:gridCol w="2433984">
+                  <a:extLst>
+                    <a:ext uri="{9D8B030D-6E8A-4147-A177-3AD203B41FA5}">
+                      <a16:colId xmlns:a16="http://schemas.microsoft.com/office/drawing/2014/main" val="20000"/>
+                    </a:ext>
+                  </a:extLst>
+                </a:gridCol>
+                <a:gridCol w="3053537">
+                  <a:extLst>
+                    <a:ext uri="{9D8B030D-6E8A-4147-A177-3AD203B41FA5}">
+                      <a16:colId xmlns:a16="http://schemas.microsoft.com/office/drawing/2014/main" val="20001"/>
+                    </a:ext>
+                  </a:extLst>
+                </a:gridCol>
+              </a:tblGrid>
+              <a:tr h="189293">
+                <a:tc>
+                  <a:txBody>
+                    <a:bodyPr/>
+                    <a:lstStyle/>
+                    <a:p>
+                      <a:pPr algn="ctr"/>
+                      <a:r>
+                        <a:rPr lang="en-US" sz="1400" dirty="0" smtClean="0"/>
+                        <a:t>Feature</a:t>
+                      </a:r>
+                      <a:endParaRPr lang="en-US" sz="1400" dirty="0"/>
+                    </a:p>
+                  </a:txBody>
+                  <a:tcPr marL="207284" marR="207284"/>
+                </a:tc>
+                <a:tc>
+                  <a:txBody>
+                    <a:bodyPr/>
+                    <a:lstStyle/>
+                    <a:p>
+                      <a:pPr algn="ctr"/>
+                      <a:r>
+                        <a:rPr lang="en-US" sz="1400" dirty="0" smtClean="0"/>
+                        <a:t>Story</a:t>
+                      </a:r>
+                      <a:endParaRPr lang="en-US" sz="1400" dirty="0"/>
+                    </a:p>
+                  </a:txBody>
+                  <a:tcPr marL="207284" marR="207284"/>
+                </a:tc>
+                <a:extLst>
+                  <a:ext uri="{0D108BD9-81ED-4DB2-BD59-A6C34878D82A}">
+                    <a16:rowId xmlns:a16="http://schemas.microsoft.com/office/drawing/2014/main" val="10000"/>
+                  </a:ext>
+                </a:extLst>
+              </a:tr>
+              <a:tr h="256032">
+                <a:tc>
+                  <a:txBody>
+                    <a:bodyPr/>
+                    <a:lstStyle/>
+                    <a:p>
+                      <a:pPr marL="0" marR="0" indent="0" algn="l" defTabSz="914400" rtl="0" eaLnBrk="1" fontAlgn="auto" latinLnBrk="0" hangingPunct="1">
+                        <a:lnSpc>
+                          <a:spcPct val="100000"/>
+                        </a:lnSpc>
+                        <a:spcBef>
+                          <a:spcPts val="0"/>
+                        </a:spcBef>
+                        <a:spcAft>
+                          <a:spcPts val="0"/>
+                        </a:spcAft>
+                        <a:buClrTx/>
+                        <a:buSzTx/>
+                        <a:buFontTx/>
+                        <a:buNone/>
+                        <a:tabLst/>
+                        <a:defRPr/>
+                      </a:pPr>
+                      <a:r>
+                        <a:rPr lang="en-US" sz="1400" b="0" dirty="0" smtClean="0"/>
+                        <a:t>Connectivity</a:t>
+                      </a:r>
+                      <a:endParaRPr lang="en-US" sz="1400" b="0" dirty="0" smtClean="0"/>
+                    </a:p>
+                  </a:txBody>
+                  <a:tcPr marL="207284" marR="207284"/>
+                </a:tc>
+                <a:tc>
+                  <a:txBody>
+                    <a:bodyPr/>
+                    <a:lstStyle/>
+                    <a:p>
+                      <a:pPr marL="0" marR="0" lvl="1" indent="0" algn="l" defTabSz="914400" rtl="0" eaLnBrk="1" fontAlgn="auto" latinLnBrk="0" hangingPunct="1">
+                        <a:lnSpc>
+                          <a:spcPct val="100000"/>
+                        </a:lnSpc>
+                        <a:spcBef>
+                          <a:spcPts val="0"/>
+                        </a:spcBef>
+                        <a:spcAft>
+                          <a:spcPts val="0"/>
+                        </a:spcAft>
+                        <a:buClrTx/>
+                        <a:buSzTx/>
+                        <a:buFontTx/>
+                        <a:buNone/>
+                        <a:tabLst/>
+                        <a:defRPr/>
+                      </a:pPr>
+                      <a:r>
+                        <a:rPr lang="en-US" sz="1400" dirty="0" smtClean="0"/>
+                        <a:t>Connect via SSMS to verify DBs</a:t>
+                      </a:r>
+                    </a:p>
+                  </a:txBody>
+                  <a:tcPr marL="207284" marR="207284"/>
+                </a:tc>
+                <a:extLst>
+                  <a:ext uri="{0D108BD9-81ED-4DB2-BD59-A6C34878D82A}">
+                    <a16:rowId xmlns:a16="http://schemas.microsoft.com/office/drawing/2014/main" val="2739472372"/>
+                  </a:ext>
+                </a:extLst>
+              </a:tr>
+              <a:tr h="256032">
+                <a:tc>
+                  <a:txBody>
+                    <a:bodyPr/>
+                    <a:lstStyle/>
+                    <a:p>
+                      <a:pPr marL="0" marR="0" indent="0" algn="l" defTabSz="914400" rtl="0" eaLnBrk="1" fontAlgn="auto" latinLnBrk="0" hangingPunct="1">
+                        <a:lnSpc>
+                          <a:spcPct val="100000"/>
+                        </a:lnSpc>
+                        <a:spcBef>
+                          <a:spcPts val="0"/>
+                        </a:spcBef>
+                        <a:spcAft>
+                          <a:spcPts val="0"/>
+                        </a:spcAft>
+                        <a:buClrTx/>
+                        <a:buSzTx/>
+                        <a:buFontTx/>
+                        <a:buNone/>
+                        <a:tabLst/>
+                        <a:defRPr/>
+                      </a:pPr>
+                      <a:r>
+                        <a:rPr lang="en-US" sz="1400" b="0" dirty="0" smtClean="0"/>
+                        <a:t>Ticket purchase</a:t>
+                      </a:r>
+                    </a:p>
+                  </a:txBody>
+                  <a:tcPr marL="207284" marR="207284"/>
+                </a:tc>
+                <a:tc>
+                  <a:txBody>
+                    <a:bodyPr/>
+                    <a:lstStyle/>
+                    <a:p>
+                      <a:pPr marL="0" marR="0" lvl="1" indent="0" algn="l" defTabSz="914400" rtl="0" eaLnBrk="1" fontAlgn="auto" latinLnBrk="0" hangingPunct="1">
+                        <a:lnSpc>
+                          <a:spcPct val="100000"/>
+                        </a:lnSpc>
+                        <a:spcBef>
+                          <a:spcPts val="0"/>
+                        </a:spcBef>
+                        <a:spcAft>
+                          <a:spcPts val="0"/>
+                        </a:spcAft>
+                        <a:buClrTx/>
+                        <a:buSzTx/>
+                        <a:buFontTx/>
+                        <a:buNone/>
+                        <a:tabLst/>
+                        <a:defRPr/>
+                      </a:pPr>
+                      <a:r>
+                        <a:rPr lang="en-US" sz="1400" dirty="0" smtClean="0"/>
+                        <a:t>WTT is a real live Azure</a:t>
+                      </a:r>
+                      <a:r>
+                        <a:rPr lang="en-US" sz="1400" baseline="0" dirty="0" smtClean="0"/>
+                        <a:t> app</a:t>
+                      </a:r>
+                      <a:endParaRPr lang="en-US" sz="1400" dirty="0" smtClean="0"/>
+                    </a:p>
+                  </a:txBody>
+                  <a:tcPr marL="207284" marR="207284"/>
+                </a:tc>
+                <a:extLst>
+                  <a:ext uri="{0D108BD9-81ED-4DB2-BD59-A6C34878D82A}">
+                    <a16:rowId xmlns:a16="http://schemas.microsoft.com/office/drawing/2014/main" val="753878618"/>
+                  </a:ext>
+                </a:extLst>
+              </a:tr>
+              <a:tr h="256032">
+                <a:tc>
+                  <a:txBody>
+                    <a:bodyPr/>
+                    <a:lstStyle/>
+                    <a:p>
+                      <a:pPr marL="0" marR="0" indent="0" algn="l" defTabSz="914400" rtl="0" eaLnBrk="1" fontAlgn="auto" latinLnBrk="0" hangingPunct="1">
+                        <a:lnSpc>
+                          <a:spcPct val="100000"/>
+                        </a:lnSpc>
+                        <a:spcBef>
+                          <a:spcPts val="0"/>
+                        </a:spcBef>
+                        <a:spcAft>
+                          <a:spcPts val="0"/>
+                        </a:spcAft>
+                        <a:buClrTx/>
+                        <a:buSzTx/>
+                        <a:buFontTx/>
+                        <a:buNone/>
+                        <a:tabLst/>
+                        <a:defRPr/>
+                      </a:pPr>
+                      <a:r>
+                        <a:rPr lang="en-US" sz="1400" b="0" dirty="0" smtClean="0"/>
+                        <a:t>Pay</a:t>
+                      </a:r>
+                      <a:r>
+                        <a:rPr lang="en-US" sz="1400" b="0" baseline="0" dirty="0" smtClean="0"/>
+                        <a:t> as you go</a:t>
+                      </a:r>
+                      <a:endParaRPr lang="en-US" sz="1400" b="0" dirty="0" smtClean="0"/>
+                    </a:p>
+                  </a:txBody>
+                  <a:tcPr marL="207284" marR="207284"/>
+                </a:tc>
+                <a:tc>
+                  <a:txBody>
+                    <a:bodyPr/>
+                    <a:lstStyle/>
+                    <a:p>
+                      <a:pPr marL="0" marR="0" lvl="1" indent="0" algn="l" defTabSz="914400" rtl="0" eaLnBrk="1" fontAlgn="auto" latinLnBrk="0" hangingPunct="1">
+                        <a:lnSpc>
+                          <a:spcPct val="100000"/>
+                        </a:lnSpc>
+                        <a:spcBef>
+                          <a:spcPts val="0"/>
+                        </a:spcBef>
+                        <a:spcAft>
+                          <a:spcPts val="0"/>
+                        </a:spcAft>
+                        <a:buClrTx/>
+                        <a:buSzTx/>
+                        <a:buFontTx/>
+                        <a:buNone/>
+                        <a:tabLst/>
+                        <a:defRPr/>
+                      </a:pPr>
+                      <a:r>
+                        <a:rPr lang="en-US" sz="1400" dirty="0" smtClean="0"/>
+                        <a:t>Create a DB in seconds</a:t>
+                      </a:r>
+                      <a:endParaRPr lang="en-US" sz="1400" dirty="0" smtClean="0"/>
+                    </a:p>
+                  </a:txBody>
+                  <a:tcPr marL="207284" marR="207284"/>
+                </a:tc>
+                <a:extLst>
+                  <a:ext uri="{0D108BD9-81ED-4DB2-BD59-A6C34878D82A}">
+                    <a16:rowId xmlns:a16="http://schemas.microsoft.com/office/drawing/2014/main" val="499834776"/>
+                  </a:ext>
+                </a:extLst>
+              </a:tr>
+              <a:tr h="256032">
+                <a:tc>
+                  <a:txBody>
+                    <a:bodyPr/>
+                    <a:lstStyle/>
+                    <a:p>
+                      <a:pPr marL="0" marR="0" indent="0" algn="l" defTabSz="914400" rtl="0" eaLnBrk="1" fontAlgn="auto" latinLnBrk="0" hangingPunct="1">
+                        <a:lnSpc>
+                          <a:spcPct val="100000"/>
+                        </a:lnSpc>
+                        <a:spcBef>
+                          <a:spcPts val="0"/>
+                        </a:spcBef>
+                        <a:spcAft>
+                          <a:spcPts val="0"/>
+                        </a:spcAft>
+                        <a:buClrTx/>
+                        <a:buSzTx/>
+                        <a:buFontTx/>
+                        <a:buNone/>
+                        <a:tabLst/>
+                        <a:defRPr/>
+                      </a:pPr>
+                      <a:r>
+                        <a:rPr lang="en-US" sz="1400" dirty="0" smtClean="0"/>
+                        <a:t>Vertical Scaling</a:t>
+                      </a:r>
+                      <a:endParaRPr lang="en-US" sz="1400" b="0" dirty="0" smtClean="0"/>
+                    </a:p>
+                  </a:txBody>
+                  <a:tcPr marL="207284" marR="207284"/>
+                </a:tc>
+                <a:tc>
+                  <a:txBody>
+                    <a:bodyPr/>
+                    <a:lstStyle/>
+                    <a:p>
+                      <a:pPr marL="0" marR="0" lvl="1" indent="0" algn="l" defTabSz="914400" rtl="0" eaLnBrk="1" fontAlgn="auto" latinLnBrk="0" hangingPunct="1">
+                        <a:lnSpc>
+                          <a:spcPct val="100000"/>
+                        </a:lnSpc>
+                        <a:spcBef>
+                          <a:spcPts val="0"/>
+                        </a:spcBef>
+                        <a:spcAft>
+                          <a:spcPts val="0"/>
+                        </a:spcAft>
+                        <a:buClrTx/>
+                        <a:buSzTx/>
+                        <a:buFontTx/>
+                        <a:buNone/>
+                        <a:tabLst/>
+                        <a:defRPr/>
+                      </a:pPr>
+                      <a:r>
+                        <a:rPr lang="en-US" sz="1400" dirty="0" smtClean="0"/>
+                        <a:t>Anticipation of a big name artist in a specific city</a:t>
+                      </a:r>
+                    </a:p>
+                  </a:txBody>
+                  <a:tcPr marL="207284" marR="207284"/>
+                </a:tc>
+                <a:extLst>
+                  <a:ext uri="{0D108BD9-81ED-4DB2-BD59-A6C34878D82A}">
+                    <a16:rowId xmlns:a16="http://schemas.microsoft.com/office/drawing/2014/main" val="10001"/>
+                  </a:ext>
+                </a:extLst>
+              </a:tr>
+              <a:tr h="525799">
+                <a:tc>
+                  <a:txBody>
+                    <a:bodyPr/>
+                    <a:lstStyle/>
+                    <a:p>
+                      <a:pPr marL="0" marR="0" indent="0" algn="l" defTabSz="914400" rtl="0" eaLnBrk="1" fontAlgn="auto" latinLnBrk="0" hangingPunct="1">
+                        <a:lnSpc>
+                          <a:spcPct val="100000"/>
+                        </a:lnSpc>
+                        <a:spcBef>
+                          <a:spcPts val="0"/>
+                        </a:spcBef>
+                        <a:spcAft>
+                          <a:spcPts val="0"/>
+                        </a:spcAft>
+                        <a:buClrTx/>
+                        <a:buSzTx/>
+                        <a:buFontTx/>
+                        <a:buNone/>
+                        <a:tabLst/>
+                        <a:defRPr/>
+                      </a:pPr>
+                      <a:r>
+                        <a:rPr lang="en-US" sz="1400" dirty="0" smtClean="0"/>
+                        <a:t>Elastic Database</a:t>
+                      </a:r>
+                      <a:r>
+                        <a:rPr lang="en-US" sz="1400" baseline="0" dirty="0" smtClean="0"/>
+                        <a:t> Pools</a:t>
+                      </a:r>
+                      <a:endParaRPr lang="en-US" sz="1400" dirty="0" smtClean="0"/>
+                    </a:p>
+                  </a:txBody>
+                  <a:tcPr marL="207284" marR="207284"/>
+                </a:tc>
+                <a:tc>
+                  <a:txBody>
+                    <a:bodyPr/>
+                    <a:lstStyle/>
+                    <a:p>
+                      <a:pPr marL="0" marR="0" lvl="1" indent="0" algn="l" defTabSz="914400" rtl="0" eaLnBrk="1" fontAlgn="auto" latinLnBrk="0" hangingPunct="1">
+                        <a:lnSpc>
+                          <a:spcPct val="100000"/>
+                        </a:lnSpc>
+                        <a:spcBef>
+                          <a:spcPts val="0"/>
+                        </a:spcBef>
+                        <a:spcAft>
+                          <a:spcPts val="0"/>
+                        </a:spcAft>
+                        <a:buClrTx/>
+                        <a:buSzTx/>
+                        <a:buFontTx/>
+                        <a:buNone/>
+                        <a:tabLst/>
+                        <a:defRPr/>
+                      </a:pPr>
+                      <a:r>
+                        <a:rPr lang="en-US" sz="1400" dirty="0" smtClean="0"/>
+                        <a:t>Anticipation of a big name artist country wide with sale on same day</a:t>
+                      </a:r>
+                    </a:p>
+                  </a:txBody>
+                  <a:tcPr marL="207284" marR="207284"/>
+                </a:tc>
+                <a:extLst>
+                  <a:ext uri="{0D108BD9-81ED-4DB2-BD59-A6C34878D82A}">
+                    <a16:rowId xmlns:a16="http://schemas.microsoft.com/office/drawing/2014/main" val="10002"/>
+                  </a:ext>
+                </a:extLst>
+              </a:tr>
+              <a:tr h="592588">
+                <a:tc>
+                  <a:txBody>
+                    <a:bodyPr/>
+                    <a:lstStyle/>
+                    <a:p>
+                      <a:pPr marL="0" marR="0" indent="0" algn="l" defTabSz="914400" rtl="0" eaLnBrk="1" fontAlgn="auto" latinLnBrk="0" hangingPunct="1">
+                        <a:lnSpc>
+                          <a:spcPct val="100000"/>
+                        </a:lnSpc>
+                        <a:spcBef>
+                          <a:spcPts val="0"/>
+                        </a:spcBef>
+                        <a:spcAft>
+                          <a:spcPts val="0"/>
+                        </a:spcAft>
+                        <a:buClrTx/>
+                        <a:buSzTx/>
+                        <a:buFontTx/>
+                        <a:buNone/>
+                        <a:tabLst/>
+                        <a:defRPr/>
+                      </a:pPr>
+                      <a:r>
+                        <a:rPr lang="en-US" sz="1400" dirty="0" smtClean="0"/>
+                        <a:t>Auditing</a:t>
+                      </a:r>
+                    </a:p>
+                  </a:txBody>
+                  <a:tcPr marL="207284" marR="207284"/>
+                </a:tc>
+                <a:tc>
+                  <a:txBody>
+                    <a:bodyPr/>
+                    <a:lstStyle/>
+                    <a:p>
+                      <a:pPr marL="0" marR="0" lvl="1" indent="0" algn="l" defTabSz="914400" rtl="0" eaLnBrk="1" fontAlgn="auto" latinLnBrk="0" hangingPunct="1">
+                        <a:lnSpc>
+                          <a:spcPct val="100000"/>
+                        </a:lnSpc>
+                        <a:spcBef>
+                          <a:spcPts val="0"/>
+                        </a:spcBef>
+                        <a:spcAft>
+                          <a:spcPts val="0"/>
+                        </a:spcAft>
+                        <a:buClrTx/>
+                        <a:buSzTx/>
+                        <a:buFontTx/>
+                        <a:buNone/>
+                        <a:tabLst/>
+                        <a:defRPr/>
+                      </a:pPr>
+                      <a:r>
+                        <a:rPr lang="en-US" sz="1400" dirty="0" smtClean="0"/>
+                        <a:t>Key</a:t>
+                      </a:r>
+                      <a:r>
+                        <a:rPr lang="en-US" sz="1400" baseline="0" dirty="0" smtClean="0"/>
+                        <a:t> A</a:t>
+                      </a:r>
+                      <a:r>
+                        <a:rPr lang="en-US" sz="1400" dirty="0" smtClean="0"/>
+                        <a:t>rena</a:t>
+                      </a:r>
+                      <a:r>
+                        <a:rPr lang="en-US" sz="1400" baseline="0" dirty="0" smtClean="0"/>
+                        <a:t> DB mysteriously vanished</a:t>
+                      </a:r>
+                      <a:endParaRPr lang="en-US" sz="1400" dirty="0" smtClean="0"/>
+                    </a:p>
+                  </a:txBody>
+                  <a:tcPr marL="207284" marR="207284"/>
+                </a:tc>
+                <a:extLst>
+                  <a:ext uri="{0D108BD9-81ED-4DB2-BD59-A6C34878D82A}">
+                    <a16:rowId xmlns:a16="http://schemas.microsoft.com/office/drawing/2014/main" val="10003"/>
+                  </a:ext>
+                </a:extLst>
+              </a:tr>
+              <a:tr h="182880">
+                <a:tc>
+                  <a:txBody>
+                    <a:bodyPr/>
+                    <a:lstStyle/>
+                    <a:p>
+                      <a:pPr marL="0" marR="0" indent="0" algn="l" defTabSz="914400" rtl="0" eaLnBrk="1" fontAlgn="auto" latinLnBrk="0" hangingPunct="1">
+                        <a:lnSpc>
+                          <a:spcPct val="100000"/>
+                        </a:lnSpc>
+                        <a:spcBef>
+                          <a:spcPts val="0"/>
+                        </a:spcBef>
+                        <a:spcAft>
+                          <a:spcPts val="0"/>
+                        </a:spcAft>
+                        <a:buClrTx/>
+                        <a:buSzTx/>
+                        <a:buFontTx/>
+                        <a:buNone/>
+                        <a:tabLst/>
+                        <a:defRPr/>
+                      </a:pPr>
+                      <a:r>
+                        <a:rPr lang="en-US" sz="1400" dirty="0" smtClean="0"/>
+                        <a:t>Point-in-time restore</a:t>
+                      </a:r>
+                    </a:p>
+                  </a:txBody>
+                  <a:tcPr marL="207284" marR="207284"/>
+                </a:tc>
+                <a:tc>
+                  <a:txBody>
+                    <a:bodyPr/>
+                    <a:lstStyle/>
+                    <a:p>
+                      <a:r>
+                        <a:rPr lang="en-US" sz="1400" dirty="0" smtClean="0"/>
+                        <a:t>Accidental</a:t>
+                      </a:r>
+                      <a:r>
+                        <a:rPr lang="en-US" sz="1400" baseline="0" dirty="0" smtClean="0"/>
+                        <a:t> DB deletion</a:t>
+                      </a:r>
+                    </a:p>
+                  </a:txBody>
+                  <a:tcPr marL="207284" marR="207284"/>
+                </a:tc>
+                <a:extLst>
+                  <a:ext uri="{0D108BD9-81ED-4DB2-BD59-A6C34878D82A}">
+                    <a16:rowId xmlns:a16="http://schemas.microsoft.com/office/drawing/2014/main" val="10004"/>
+                  </a:ext>
+                </a:extLst>
+              </a:tr>
+              <a:tr h="182880">
+                <a:tc>
+                  <a:txBody>
+                    <a:bodyPr/>
+                    <a:lstStyle/>
+                    <a:p>
+                      <a:r>
+                        <a:rPr lang="en-US" sz="1400" dirty="0" smtClean="0"/>
+                        <a:t>Geographic disaster recovery</a:t>
+                      </a:r>
+                    </a:p>
+                  </a:txBody>
+                  <a:tcPr marL="207284" marR="207284"/>
+                </a:tc>
+                <a:tc>
+                  <a:txBody>
+                    <a:bodyPr/>
+                    <a:lstStyle/>
+                    <a:p>
+                      <a:pPr marL="0" marR="0" lvl="1" indent="0" algn="l" defTabSz="914400" rtl="0" eaLnBrk="1" fontAlgn="auto" latinLnBrk="0" hangingPunct="1">
+                        <a:lnSpc>
+                          <a:spcPct val="100000"/>
+                        </a:lnSpc>
+                        <a:spcBef>
+                          <a:spcPts val="0"/>
+                        </a:spcBef>
+                        <a:spcAft>
+                          <a:spcPts val="0"/>
+                        </a:spcAft>
+                        <a:buClrTx/>
+                        <a:buSzTx/>
+                        <a:buFontTx/>
+                        <a:buNone/>
+                        <a:tabLst/>
+                        <a:defRPr/>
+                      </a:pPr>
+                      <a:r>
+                        <a:rPr lang="en-US" sz="1400" dirty="0" smtClean="0"/>
+                        <a:t>Server in a datacenter goes down</a:t>
+                      </a:r>
+                    </a:p>
+                  </a:txBody>
+                  <a:tcPr marL="207284" marR="207284"/>
+                </a:tc>
+                <a:extLst>
+                  <a:ext uri="{0D108BD9-81ED-4DB2-BD59-A6C34878D82A}">
+                    <a16:rowId xmlns:a16="http://schemas.microsoft.com/office/drawing/2014/main" val="2248212393"/>
+                  </a:ext>
+                </a:extLst>
+              </a:tr>
+              <a:tr h="182880">
+                <a:tc>
+                  <a:txBody>
+                    <a:bodyPr/>
+                    <a:lstStyle/>
+                    <a:p>
+                      <a:pPr marL="0" marR="0" indent="0" algn="l" defTabSz="914400" rtl="0" eaLnBrk="1" fontAlgn="auto" latinLnBrk="0" hangingPunct="1">
+                        <a:lnSpc>
+                          <a:spcPct val="100000"/>
+                        </a:lnSpc>
+                        <a:spcBef>
+                          <a:spcPts val="0"/>
+                        </a:spcBef>
+                        <a:spcAft>
+                          <a:spcPts val="0"/>
+                        </a:spcAft>
+                        <a:buClrTx/>
+                        <a:buSzTx/>
+                        <a:buFontTx/>
+                        <a:buNone/>
+                        <a:tabLst/>
+                        <a:defRPr/>
+                      </a:pPr>
+                      <a:r>
+                        <a:rPr lang="en-US" sz="1400" dirty="0" smtClean="0"/>
+                        <a:t>Transparent Data Encryption</a:t>
+                      </a:r>
+                      <a:endParaRPr lang="en-US" sz="1400" dirty="0" smtClean="0"/>
+                    </a:p>
+                  </a:txBody>
+                  <a:tcPr marL="207284" marR="207284"/>
+                </a:tc>
+                <a:tc>
+                  <a:txBody>
+                    <a:bodyPr/>
+                    <a:lstStyle/>
+                    <a:p>
+                      <a:r>
+                        <a:rPr lang="en-US" sz="1400" dirty="0" smtClean="0">
+                          <a:solidFill>
+                            <a:schemeClr val="tx1"/>
+                          </a:solidFill>
+                        </a:rPr>
+                        <a:t>Encrypt sensitive data when stored in</a:t>
+                      </a:r>
+                      <a:r>
+                        <a:rPr lang="en-US" sz="1400" baseline="0" dirty="0" smtClean="0">
+                          <a:solidFill>
+                            <a:schemeClr val="tx1"/>
+                          </a:solidFill>
+                        </a:rPr>
+                        <a:t> a database</a:t>
+                      </a:r>
+                      <a:endParaRPr lang="en-US" sz="1400" dirty="0">
+                        <a:solidFill>
+                          <a:schemeClr val="tx1"/>
+                        </a:solidFill>
+                      </a:endParaRPr>
+                    </a:p>
+                  </a:txBody>
+                  <a:tcPr marL="207284" marR="207284"/>
+                </a:tc>
+                <a:extLst>
+                  <a:ext uri="{0D108BD9-81ED-4DB2-BD59-A6C34878D82A}">
+                    <a16:rowId xmlns:a16="http://schemas.microsoft.com/office/drawing/2014/main" val="3736867791"/>
+                  </a:ext>
+                </a:extLst>
+              </a:tr>
+              <a:tr h="182880">
+                <a:tc>
+                  <a:txBody>
+                    <a:bodyPr/>
+                    <a:lstStyle/>
+                    <a:p>
+                      <a:pPr marL="0" marR="0" indent="0" algn="l" defTabSz="914400" rtl="0" eaLnBrk="1" fontAlgn="auto" latinLnBrk="0" hangingPunct="1">
+                        <a:lnSpc>
+                          <a:spcPct val="100000"/>
+                        </a:lnSpc>
+                        <a:spcBef>
+                          <a:spcPts val="0"/>
+                        </a:spcBef>
+                        <a:spcAft>
+                          <a:spcPts val="0"/>
+                        </a:spcAft>
+                        <a:buClrTx/>
+                        <a:buSzTx/>
+                        <a:buFontTx/>
+                        <a:buNone/>
+                        <a:tabLst/>
+                        <a:defRPr/>
+                      </a:pPr>
+                      <a:r>
+                        <a:rPr lang="en-US" sz="1400" dirty="0" smtClean="0"/>
+                        <a:t>Azure Search</a:t>
+                      </a:r>
+                      <a:endParaRPr lang="en-US" sz="1400" dirty="0" smtClean="0"/>
+                    </a:p>
+                  </a:txBody>
+                  <a:tcPr marL="207284" marR="207284"/>
+                </a:tc>
+                <a:tc>
+                  <a:txBody>
+                    <a:bodyPr/>
+                    <a:lstStyle/>
+                    <a:p>
+                      <a:r>
+                        <a:rPr lang="en-US" sz="1400" dirty="0" smtClean="0"/>
+                        <a:t>What if I want an automated wa</a:t>
+                      </a:r>
+                      <a:r>
+                        <a:rPr lang="en-US" sz="1400" baseline="0" dirty="0" smtClean="0"/>
+                        <a:t>y to assess my historical usage and recommend DB size, SKU size, expected usage etc?</a:t>
+                      </a:r>
+                      <a:endParaRPr lang="en-US" sz="1400" dirty="0">
+                        <a:solidFill>
+                          <a:schemeClr val="tx1"/>
+                        </a:solidFill>
+                      </a:endParaRPr>
+                    </a:p>
+                  </a:txBody>
+                  <a:tcPr marL="207284" marR="207284"/>
+                </a:tc>
+                <a:extLst>
+                  <a:ext uri="{0D108BD9-81ED-4DB2-BD59-A6C34878D82A}">
+                    <a16:rowId xmlns:a16="http://schemas.microsoft.com/office/drawing/2014/main" val="2381509833"/>
+                  </a:ext>
+                </a:extLst>
+              </a:tr>
+            </a:tbl>
+          </a:graphicData>
+        </a:graphic>
+      </p:graphicFrame>
       <p:sp>
         <p:nvSpPr>
-          <p:cNvPr id="3" name="Content Placeholder 2"/>
+          <p:cNvPr id="12" name="Content Placeholder 11"/>
           <p:cNvSpPr>
             <a:spLocks noGrp="1"/>
           </p:cNvSpPr>
           <p:nvPr>
-            <p:ph idx="1"/>
+            <p:ph idx="10"/>
           </p:nvPr>
         </p:nvSpPr>
         <p:spPr>
           <a:xfrm>
-            <a:off x="519252" y="1447800"/>
-            <a:ext cx="11151917" cy="5244513"/>
+            <a:off x="6184350" y="1464273"/>
+            <a:ext cx="5487697" cy="4244239"/>
           </a:xfrm>
         </p:spPr>
         <p:txBody>
@@ -7243,173 +7490,127 @@
           <a:p>
             <a:pPr lvl="0"/>
             <a:r>
-              <a:rPr lang="en-US" sz="2800" dirty="0"/>
-              <a:t>Download and unzip </a:t>
-            </a:r>
-            <a:r>
-              <a:rPr lang="en-US" sz="2800" dirty="0" smtClean="0"/>
-              <a:t>WTTHOL2.1.zip </a:t>
-            </a:r>
-            <a:r>
-              <a:rPr lang="en-US" sz="2800" dirty="0"/>
-              <a:t>to a local folder e.g. c</a:t>
-            </a:r>
-            <a:r>
-              <a:rPr lang="en-US" sz="2800" dirty="0" smtClean="0"/>
-              <a:t>:\</a:t>
-            </a:r>
+              <a:rPr lang="en-US" sz="2000" dirty="0" smtClean="0"/>
+              <a:t>Launch Azure PowerShell (as an administrator)</a:t>
+            </a:r>
+            <a:endParaRPr lang="en-NZ" sz="2000" dirty="0" smtClean="0"/>
           </a:p>
           <a:p>
             <a:pPr lvl="1"/>
             <a:r>
-              <a:rPr lang="en-NZ" sz="2400" dirty="0"/>
-              <a:t>https://github.com/guyhay/WTT-Demo-Hol</a:t>
-            </a:r>
+              <a:rPr lang="en-US" sz="1800" dirty="0" smtClean="0"/>
+              <a:t>Add-</a:t>
+            </a:r>
+            <a:r>
+              <a:rPr lang="en-US" sz="1800" dirty="0" err="1" smtClean="0"/>
+              <a:t>AzureAccount</a:t>
+            </a:r>
+            <a:endParaRPr lang="en-NZ" sz="1800" dirty="0" smtClean="0"/>
+          </a:p>
+          <a:p>
+            <a:pPr lvl="1"/>
+            <a:r>
+              <a:rPr lang="en-US" sz="1800" dirty="0" smtClean="0"/>
+              <a:t>Select-</a:t>
+            </a:r>
+            <a:r>
+              <a:rPr lang="en-US" sz="1800" dirty="0" err="1" smtClean="0"/>
+              <a:t>AzureSubscription</a:t>
+            </a:r>
+            <a:r>
+              <a:rPr lang="en-US" sz="1800" dirty="0" smtClean="0"/>
+              <a:t> –</a:t>
+            </a:r>
+            <a:r>
+              <a:rPr lang="en-US" sz="1800" dirty="0" err="1" smtClean="0"/>
+              <a:t>SubscriptionId</a:t>
+            </a:r>
+            <a:r>
+              <a:rPr lang="en-US" sz="1800" dirty="0" smtClean="0"/>
+              <a:t> &lt;provide your subscription that you want to use&gt;</a:t>
+            </a:r>
+            <a:endParaRPr lang="en-NZ" sz="1800" dirty="0" smtClean="0"/>
+          </a:p>
+          <a:p>
+            <a:pPr lvl="1"/>
+            <a:r>
+              <a:rPr lang="en-US" sz="1800" dirty="0" smtClean="0"/>
+              <a:t>Set-</a:t>
+            </a:r>
+            <a:r>
+              <a:rPr lang="en-US" sz="1800" dirty="0" err="1" smtClean="0"/>
+              <a:t>ExecutionPolicy</a:t>
+            </a:r>
+            <a:r>
+              <a:rPr lang="en-US" sz="1800" dirty="0" smtClean="0"/>
+              <a:t> -Scope </a:t>
+            </a:r>
+            <a:r>
+              <a:rPr lang="en-US" sz="1800" dirty="0" err="1" smtClean="0"/>
+              <a:t>LocalMachine</a:t>
+            </a:r>
+            <a:r>
+              <a:rPr lang="en-US" sz="1800" dirty="0" smtClean="0"/>
+              <a:t> -</a:t>
+            </a:r>
+            <a:r>
+              <a:rPr lang="en-US" sz="1800" dirty="0" err="1" smtClean="0"/>
+              <a:t>ExecutionPolicy</a:t>
+            </a:r>
+            <a:r>
+              <a:rPr lang="en-US" sz="1800" dirty="0" smtClean="0"/>
+              <a:t> Unrestricted –Force</a:t>
+            </a:r>
+            <a:endParaRPr lang="en-NZ" sz="1800" dirty="0" smtClean="0"/>
           </a:p>
           <a:p>
             <a:pPr lvl="0"/>
             <a:r>
-              <a:rPr lang="en-US" sz="2800" dirty="0"/>
-              <a:t>Launch Azure PowerShell (as an administrator)</a:t>
-            </a:r>
-            <a:endParaRPr lang="en-NZ" sz="2800" dirty="0"/>
+              <a:rPr lang="en-US" sz="2000" dirty="0" smtClean="0"/>
+              <a:t>Switch to the directory where you unzipped scripts.zip e.g. c:\scripts</a:t>
+            </a:r>
+            <a:endParaRPr lang="en-NZ" sz="2000" dirty="0" smtClean="0"/>
           </a:p>
           <a:p>
             <a:pPr lvl="1"/>
             <a:r>
-              <a:rPr lang="en-US" sz="2400" dirty="0" smtClean="0"/>
-              <a:t>Add-</a:t>
-            </a:r>
-            <a:r>
-              <a:rPr lang="en-US" sz="2400" dirty="0" err="1" smtClean="0"/>
-              <a:t>AzureAccount</a:t>
-            </a:r>
-            <a:endParaRPr lang="en-NZ" sz="2400" dirty="0"/>
+              <a:rPr lang="en-US" sz="1800" dirty="0" smtClean="0"/>
+              <a:t>Unblock-file .\New-WTTEnvironment.ps1</a:t>
+            </a:r>
+            <a:endParaRPr lang="en-NZ" sz="1800" dirty="0" smtClean="0"/>
           </a:p>
           <a:p>
             <a:pPr lvl="1"/>
             <a:r>
-              <a:rPr lang="en-US" sz="2400" dirty="0" smtClean="0"/>
-              <a:t>Select-</a:t>
-            </a:r>
-            <a:r>
-              <a:rPr lang="en-US" sz="2400" dirty="0" err="1" smtClean="0"/>
-              <a:t>AzureSubscription</a:t>
-            </a:r>
-            <a:r>
-              <a:rPr lang="en-US" sz="2400" dirty="0" smtClean="0"/>
+              <a:rPr lang="en-US" sz="1800" dirty="0" smtClean="0"/>
+              <a:t>. .\New-WTTEnvironment.ps1</a:t>
+            </a:r>
+            <a:endParaRPr lang="en-NZ" sz="1800" dirty="0" smtClean="0"/>
+          </a:p>
+          <a:p>
+            <a:pPr lvl="1"/>
+            <a:r>
+              <a:rPr lang="en-US" sz="1800" dirty="0" smtClean="0"/>
+              <a:t>New-</a:t>
+            </a:r>
+            <a:r>
+              <a:rPr lang="en-US" sz="1800" dirty="0" err="1" smtClean="0"/>
+              <a:t>WTTEnvironment</a:t>
+            </a:r>
+            <a:r>
+              <a:rPr lang="en-US" sz="1800" dirty="0" smtClean="0"/>
+              <a:t> -</a:t>
+            </a:r>
+            <a:r>
+              <a:rPr lang="en-US" sz="1800" dirty="0" err="1" smtClean="0"/>
+              <a:t>WTTEnvironmentApplicationName</a:t>
+            </a:r>
+            <a:r>
+              <a:rPr lang="en-US" sz="1800" dirty="0" smtClean="0"/>
               <a:t> </a:t>
             </a:r>
             <a:r>
-              <a:rPr lang="en-US" sz="2400" dirty="0"/>
-              <a:t>–</a:t>
-            </a:r>
-            <a:r>
-              <a:rPr lang="en-US" sz="2400" dirty="0" err="1"/>
-              <a:t>SubscriptionId</a:t>
-            </a:r>
-            <a:r>
-              <a:rPr lang="en-US" sz="2400" dirty="0"/>
-              <a:t> &lt;provide your subscription that you want to use&gt;</a:t>
-            </a:r>
-            <a:endParaRPr lang="en-NZ" sz="2400" dirty="0"/>
-          </a:p>
-          <a:p>
-            <a:pPr lvl="1"/>
-            <a:r>
-              <a:rPr lang="en-US" sz="2400" dirty="0" smtClean="0"/>
-              <a:t>Set-</a:t>
-            </a:r>
-            <a:r>
-              <a:rPr lang="en-US" sz="2400" dirty="0" err="1" smtClean="0"/>
-              <a:t>ExecutionPolicy</a:t>
-            </a:r>
-            <a:r>
-              <a:rPr lang="en-US" sz="2400" dirty="0" smtClean="0"/>
-              <a:t> </a:t>
-            </a:r>
-            <a:r>
-              <a:rPr lang="en-US" sz="2400" dirty="0"/>
-              <a:t>-Scope </a:t>
-            </a:r>
-            <a:r>
-              <a:rPr lang="en-US" sz="2400" dirty="0" err="1"/>
-              <a:t>LocalMachine</a:t>
-            </a:r>
-            <a:r>
-              <a:rPr lang="en-US" sz="2400" dirty="0"/>
-              <a:t> -</a:t>
-            </a:r>
-            <a:r>
-              <a:rPr lang="en-US" sz="2400" dirty="0" err="1"/>
-              <a:t>ExecutionPolicy</a:t>
-            </a:r>
-            <a:r>
-              <a:rPr lang="en-US" sz="2400" dirty="0"/>
-              <a:t> Unrestricted –Force</a:t>
-            </a:r>
-            <a:endParaRPr lang="en-NZ" sz="2400" dirty="0"/>
-          </a:p>
-          <a:p>
-            <a:pPr lvl="0"/>
-            <a:r>
-              <a:rPr lang="en-US" sz="2800" dirty="0"/>
-              <a:t>Switch to the directory where you unzipped scripts.zip e.g. c:\scripts</a:t>
-            </a:r>
-            <a:endParaRPr lang="en-NZ" sz="2800" dirty="0"/>
-          </a:p>
-          <a:p>
-            <a:pPr lvl="1"/>
-            <a:r>
-              <a:rPr lang="en-US" sz="2400" dirty="0" smtClean="0"/>
-              <a:t>Unblock-file </a:t>
-            </a:r>
-            <a:r>
-              <a:rPr lang="en-US" sz="2400" dirty="0"/>
-              <a:t>.\New-WTTEnvironment.ps1</a:t>
-            </a:r>
-            <a:endParaRPr lang="en-NZ" sz="2400" dirty="0"/>
-          </a:p>
-          <a:p>
-            <a:pPr lvl="1"/>
-            <a:r>
-              <a:rPr lang="en-US" sz="2400" dirty="0" smtClean="0"/>
-              <a:t>. .\</a:t>
-            </a:r>
-            <a:r>
-              <a:rPr lang="en-US" sz="2400" dirty="0"/>
-              <a:t>New-WTTEnvironment.ps1</a:t>
-            </a:r>
-            <a:endParaRPr lang="en-NZ" sz="2400" dirty="0"/>
-          </a:p>
-          <a:p>
-            <a:pPr lvl="1"/>
-            <a:r>
-              <a:rPr lang="en-US" sz="2400" dirty="0" smtClean="0"/>
-              <a:t>New-</a:t>
-            </a:r>
-            <a:r>
-              <a:rPr lang="en-US" sz="2400" dirty="0" err="1" smtClean="0"/>
-              <a:t>WTTEnvironment</a:t>
-            </a:r>
-            <a:r>
-              <a:rPr lang="en-US" sz="2400" dirty="0" smtClean="0"/>
-              <a:t> </a:t>
-            </a:r>
-            <a:r>
-              <a:rPr lang="en-US" sz="2400" dirty="0"/>
-              <a:t>-</a:t>
-            </a:r>
-            <a:r>
-              <a:rPr lang="en-US" sz="2400" dirty="0" err="1"/>
-              <a:t>WTTEnvironmentApplicationName</a:t>
-            </a:r>
-            <a:r>
-              <a:rPr lang="en-US" sz="2400" dirty="0"/>
-              <a:t> </a:t>
-            </a:r>
-            <a:r>
-              <a:rPr lang="en-US" sz="2400" dirty="0" smtClean="0">
+              <a:rPr lang="en-US" sz="1800" dirty="0" smtClean="0">
                 <a:solidFill>
                   <a:srgbClr val="FF0000"/>
                 </a:solidFill>
@@ -7417,17 +7618,89 @@
               <a:t>xx00</a:t>
             </a:r>
             <a:r>
-              <a:rPr lang="en-US" sz="2400" dirty="0" smtClean="0"/>
+              <a:rPr lang="en-US" sz="1800" dirty="0" smtClean="0"/>
               <a:t>julieandtheplantes</a:t>
             </a:r>
-            <a:endParaRPr lang="en-NZ" sz="2400" dirty="0"/>
+            <a:endParaRPr lang="en-NZ" sz="1800" dirty="0" smtClean="0"/>
+          </a:p>
+        </p:txBody>
+      </p:sp>
+      <p:sp>
+        <p:nvSpPr>
+          <p:cNvPr id="17" name="Oval Callout 16"/>
+          <p:cNvSpPr/>
+          <p:nvPr/>
+        </p:nvSpPr>
+        <p:spPr bwMode="auto">
+          <a:xfrm>
+            <a:off x="7055141" y="5813571"/>
+            <a:ext cx="2223083" cy="645952"/>
+          </a:xfrm>
+          <a:prstGeom prst="wedgeEllipseCallout">
+            <a:avLst>
+              <a:gd name="adj1" fmla="val -49890"/>
+              <a:gd name="adj2" fmla="val -60877"/>
+            </a:avLst>
+          </a:prstGeom>
+          <a:ln/>
+        </p:spPr>
+        <p:style>
+          <a:lnRef idx="2">
+            <a:schemeClr val="accent1"/>
+          </a:lnRef>
+          <a:fillRef idx="1">
+            <a:schemeClr val="lt1"/>
+          </a:fillRef>
+          <a:effectRef idx="0">
+            <a:schemeClr val="accent1"/>
+          </a:effectRef>
+          <a:fontRef idx="minor">
+            <a:schemeClr val="dk1"/>
+          </a:fontRef>
+        </p:style>
+        <p:txBody>
+          <a:bodyPr rot="0" spcFirstLastPara="0" vertOverflow="overflow" horzOverflow="overflow" vert="horz" wrap="square" lIns="91440" tIns="548640" rIns="45720" bIns="91440" numCol="1" spcCol="0" rtlCol="0" fromWordArt="0" anchor="b" anchorCtr="0" forceAA="0" compatLnSpc="1">
+            <a:prstTxWarp prst="textNoShape">
+              <a:avLst/>
+            </a:prstTxWarp>
+            <a:noAutofit/>
+          </a:bodyPr>
+          <a:lstStyle/>
+          <a:p>
+            <a:pPr algn="ctr" defTabSz="914099" fontAlgn="base">
+              <a:spcBef>
+                <a:spcPct val="0"/>
+              </a:spcBef>
+              <a:spcAft>
+                <a:spcPct val="0"/>
+              </a:spcAft>
+            </a:pPr>
+            <a:r>
+              <a:rPr lang="en-US" sz="1100" spc="-50" dirty="0" smtClean="0">
+                <a:solidFill>
+                  <a:schemeClr val="accent1"/>
+                </a:solidFill>
+                <a:latin typeface="Segoe UI" pitchFamily="34" charset="0"/>
+                <a:ea typeface="Segoe UI" pitchFamily="34" charset="0"/>
+                <a:cs typeface="Segoe UI" pitchFamily="34" charset="0"/>
+              </a:rPr>
+              <a:t>Replace with your initials and some numbers (must be globally unique</a:t>
+            </a:r>
+            <a:endParaRPr lang="en-NZ" sz="1100" spc="-50" dirty="0" err="1" smtClean="0">
+              <a:solidFill>
+                <a:schemeClr val="accent1"/>
+              </a:solidFill>
+              <a:latin typeface="Segoe UI" pitchFamily="34" charset="0"/>
+              <a:ea typeface="Segoe UI" pitchFamily="34" charset="0"/>
+              <a:cs typeface="Segoe UI" pitchFamily="34" charset="0"/>
+            </a:endParaRPr>
           </a:p>
         </p:txBody>
       </p:sp>
     </p:spTree>
     <p:extLst>
       <p:ext uri="{BB962C8B-B14F-4D97-AF65-F5344CB8AC3E}">
-        <p14:creationId xmlns:p14="http://schemas.microsoft.com/office/powerpoint/2010/main" val="820061307"/>
+        <p14:creationId xmlns:p14="http://schemas.microsoft.com/office/powerpoint/2010/main" val="2910687074"/>
       </p:ext>
     </p:extLst>
   </p:cSld>
@@ -7437,6 +7710,13 @@
   <p:transition>
     <p:fade/>
   </p:transition>
+  <p:timing>
+    <p:tnLst>
+      <p:par>
+        <p:cTn id="1" dur="indefinite" restart="never" nodeType="tmRoot"/>
+      </p:par>
+    </p:tnLst>
+  </p:timing>
 </p:sld>
 </file>
 
@@ -7581,6 +7861,276 @@
     <p:extLst>
       <p:ext uri="{BB962C8B-B14F-4D97-AF65-F5344CB8AC3E}">
         <p14:creationId xmlns:p14="http://schemas.microsoft.com/office/powerpoint/2010/main" val="3860488238"/>
+      </p:ext>
+    </p:extLst>
+  </p:cSld>
+  <p:clrMapOvr>
+    <a:masterClrMapping/>
+  </p:clrMapOvr>
+  <p:transition>
+    <p:fade/>
+  </p:transition>
+  <p:timing>
+    <p:tnLst>
+      <p:par>
+        <p:cTn id="1" dur="indefinite" restart="never" nodeType="tmRoot"/>
+      </p:par>
+    </p:tnLst>
+  </p:timing>
+</p:sld>
+</file>
+
+<file path=ppt/slides/slide6.xml><?xml version="1.0" encoding="utf-8"?>
+<p:sld xmlns:a="http://schemas.openxmlformats.org/drawingml/2006/main" xmlns:r="http://schemas.openxmlformats.org/officeDocument/2006/relationships" xmlns:p="http://schemas.openxmlformats.org/presentationml/2006/main">
+  <p:cSld>
+    <p:spTree>
+      <p:nvGrpSpPr>
+        <p:cNvPr id="1" name=""/>
+        <p:cNvGrpSpPr/>
+        <p:nvPr/>
+      </p:nvGrpSpPr>
+      <p:grpSpPr>
+        <a:xfrm>
+          <a:off x="0" y="0"/>
+          <a:ext cx="0" cy="0"/>
+          <a:chOff x="0" y="0"/>
+          <a:chExt cx="0" cy="0"/>
+        </a:xfrm>
+      </p:grpSpPr>
+      <p:sp>
+        <p:nvSpPr>
+          <p:cNvPr id="2" name="Title 1"/>
+          <p:cNvSpPr>
+            <a:spLocks noGrp="1"/>
+          </p:cNvSpPr>
+          <p:nvPr>
+            <p:ph type="title"/>
+          </p:nvPr>
+        </p:nvSpPr>
+        <p:spPr/>
+        <p:txBody>
+          <a:bodyPr/>
+          <a:lstStyle/>
+          <a:p>
+            <a:r>
+              <a:rPr lang="en-US" smtClean="0"/>
+              <a:t>HOL Key </a:t>
+            </a:r>
+            <a:r>
+              <a:rPr lang="en-US" dirty="0" smtClean="0"/>
+              <a:t>Steps summary</a:t>
+            </a:r>
+            <a:endParaRPr lang="en-NZ" dirty="0"/>
+          </a:p>
+        </p:txBody>
+      </p:sp>
+      <p:sp>
+        <p:nvSpPr>
+          <p:cNvPr id="3" name="Content Placeholder 2"/>
+          <p:cNvSpPr>
+            <a:spLocks noGrp="1"/>
+          </p:cNvSpPr>
+          <p:nvPr>
+            <p:ph idx="1"/>
+          </p:nvPr>
+        </p:nvSpPr>
+        <p:spPr>
+          <a:xfrm>
+            <a:off x="519252" y="1447800"/>
+            <a:ext cx="11151917" cy="5244513"/>
+          </a:xfrm>
+        </p:spPr>
+        <p:txBody>
+          <a:bodyPr/>
+          <a:lstStyle/>
+          <a:p>
+            <a:pPr lvl="0"/>
+            <a:r>
+              <a:rPr lang="en-US" sz="2800" dirty="0"/>
+              <a:t>Download and unzip </a:t>
+            </a:r>
+            <a:r>
+              <a:rPr lang="en-US" sz="2800" dirty="0" smtClean="0"/>
+              <a:t>WTTHOL2.1.zip </a:t>
+            </a:r>
+            <a:r>
+              <a:rPr lang="en-US" sz="2800" dirty="0"/>
+              <a:t>to a local folder e.g. c</a:t>
+            </a:r>
+            <a:r>
+              <a:rPr lang="en-US" sz="2800" dirty="0" smtClean="0"/>
+              <a:t>:\</a:t>
+            </a:r>
+          </a:p>
+          <a:p>
+            <a:pPr lvl="1"/>
+            <a:r>
+              <a:rPr lang="en-NZ" sz="2400" dirty="0"/>
+              <a:t>https://github.com/guyhay/WTT-Demo-Hol</a:t>
+            </a:r>
+          </a:p>
+          <a:p>
+            <a:pPr lvl="0"/>
+            <a:r>
+              <a:rPr lang="en-US" sz="2800" dirty="0"/>
+              <a:t>Launch Azure PowerShell (as an administrator)</a:t>
+            </a:r>
+            <a:endParaRPr lang="en-NZ" sz="2800" dirty="0"/>
+          </a:p>
+          <a:p>
+            <a:pPr lvl="1"/>
+            <a:r>
+              <a:rPr lang="en-US" sz="2400" dirty="0" smtClean="0"/>
+              <a:t>Add-</a:t>
+            </a:r>
+            <a:r>
+              <a:rPr lang="en-US" sz="2400" dirty="0" err="1" smtClean="0"/>
+              <a:t>AzureAccount</a:t>
+            </a:r>
+            <a:endParaRPr lang="en-NZ" sz="2400" dirty="0"/>
+          </a:p>
+          <a:p>
+            <a:pPr lvl="1"/>
+            <a:r>
+              <a:rPr lang="en-US" sz="2400" dirty="0" smtClean="0"/>
+              <a:t>Select-</a:t>
+            </a:r>
+            <a:r>
+              <a:rPr lang="en-US" sz="2400" dirty="0" err="1" smtClean="0"/>
+              <a:t>AzureSubscription</a:t>
+            </a:r>
+            <a:r>
+              <a:rPr lang="en-US" sz="2400" dirty="0" smtClean="0"/>
+              <a:t> </a:t>
+            </a:r>
+            <a:r>
+              <a:rPr lang="en-US" sz="2400" dirty="0"/>
+              <a:t>–</a:t>
+            </a:r>
+            <a:r>
+              <a:rPr lang="en-US" sz="2400" dirty="0" err="1"/>
+              <a:t>SubscriptionId</a:t>
+            </a:r>
+            <a:r>
+              <a:rPr lang="en-US" sz="2400" dirty="0"/>
+              <a:t> &lt;provide your subscription that you want to use&gt;</a:t>
+            </a:r>
+            <a:endParaRPr lang="en-NZ" sz="2400" dirty="0"/>
+          </a:p>
+          <a:p>
+            <a:pPr lvl="1"/>
+            <a:r>
+              <a:rPr lang="en-US" sz="2400" dirty="0" smtClean="0"/>
+              <a:t>Set-</a:t>
+            </a:r>
+            <a:r>
+              <a:rPr lang="en-US" sz="2400" dirty="0" err="1" smtClean="0"/>
+              <a:t>ExecutionPolicy</a:t>
+            </a:r>
+            <a:r>
+              <a:rPr lang="en-US" sz="2400" dirty="0" smtClean="0"/>
+              <a:t> </a:t>
+            </a:r>
+            <a:r>
+              <a:rPr lang="en-US" sz="2400" dirty="0"/>
+              <a:t>-Scope </a:t>
+            </a:r>
+            <a:r>
+              <a:rPr lang="en-US" sz="2400" dirty="0" err="1"/>
+              <a:t>LocalMachine</a:t>
+            </a:r>
+            <a:r>
+              <a:rPr lang="en-US" sz="2400" dirty="0"/>
+              <a:t> -</a:t>
+            </a:r>
+            <a:r>
+              <a:rPr lang="en-US" sz="2400" dirty="0" err="1"/>
+              <a:t>ExecutionPolicy</a:t>
+            </a:r>
+            <a:r>
+              <a:rPr lang="en-US" sz="2400" dirty="0"/>
+              <a:t> Unrestricted –Force</a:t>
+            </a:r>
+            <a:endParaRPr lang="en-NZ" sz="2400" dirty="0"/>
+          </a:p>
+          <a:p>
+            <a:pPr lvl="0"/>
+            <a:r>
+              <a:rPr lang="en-US" sz="2800" dirty="0"/>
+              <a:t>Switch to the directory where you unzipped scripts.zip e.g. c:\scripts</a:t>
+            </a:r>
+            <a:endParaRPr lang="en-NZ" sz="2800" dirty="0"/>
+          </a:p>
+          <a:p>
+            <a:pPr lvl="1"/>
+            <a:r>
+              <a:rPr lang="en-US" sz="2400" dirty="0" smtClean="0"/>
+              <a:t>Unblock-file </a:t>
+            </a:r>
+            <a:r>
+              <a:rPr lang="en-US" sz="2400" dirty="0"/>
+              <a:t>.\New-WTTEnvironment.ps1</a:t>
+            </a:r>
+            <a:endParaRPr lang="en-NZ" sz="2400" dirty="0"/>
+          </a:p>
+          <a:p>
+            <a:pPr lvl="1"/>
+            <a:r>
+              <a:rPr lang="en-US" sz="2400" dirty="0" smtClean="0"/>
+              <a:t>. .\</a:t>
+            </a:r>
+            <a:r>
+              <a:rPr lang="en-US" sz="2400" dirty="0"/>
+              <a:t>New-WTTEnvironment.ps1</a:t>
+            </a:r>
+            <a:endParaRPr lang="en-NZ" sz="2400" dirty="0"/>
+          </a:p>
+          <a:p>
+            <a:pPr lvl="1"/>
+            <a:r>
+              <a:rPr lang="en-US" sz="2400" dirty="0" smtClean="0"/>
+              <a:t>New-</a:t>
+            </a:r>
+            <a:r>
+              <a:rPr lang="en-US" sz="2400" dirty="0" err="1" smtClean="0"/>
+              <a:t>WTTEnvironment</a:t>
+            </a:r>
+            <a:r>
+              <a:rPr lang="en-US" sz="2400" dirty="0" smtClean="0"/>
+              <a:t> </a:t>
+            </a:r>
+            <a:r>
+              <a:rPr lang="en-US" sz="2400" dirty="0"/>
+              <a:t>-</a:t>
+            </a:r>
+            <a:r>
+              <a:rPr lang="en-US" sz="2400" dirty="0" err="1"/>
+              <a:t>WTTEnvironmentApplicationName</a:t>
+            </a:r>
+            <a:r>
+              <a:rPr lang="en-US" sz="2400" dirty="0"/>
+              <a:t> </a:t>
+            </a:r>
+            <a:r>
+              <a:rPr lang="en-US" sz="2400" dirty="0" smtClean="0">
+                <a:solidFill>
+                  <a:srgbClr val="FF0000"/>
+                </a:solidFill>
+              </a:rPr>
+              <a:t>xx00</a:t>
+            </a:r>
+            <a:r>
+              <a:rPr lang="en-US" sz="2400" dirty="0" smtClean="0"/>
+              <a:t>julieandtheplantes</a:t>
+            </a:r>
+            <a:endParaRPr lang="en-NZ" sz="2400" dirty="0"/>
+          </a:p>
+        </p:txBody>
+      </p:sp>
+    </p:spTree>
+    <p:extLst>
+      <p:ext uri="{BB962C8B-B14F-4D97-AF65-F5344CB8AC3E}">
+        <p14:creationId xmlns:p14="http://schemas.microsoft.com/office/powerpoint/2010/main" val="820061307"/>
       </p:ext>
     </p:extLst>
   </p:cSld>
@@ -8512,18 +9062,18 @@
 </file>
 
 <file path=customXml/item1.xml><?xml version="1.0" encoding="utf-8"?>
+<p:properties xmlns:p="http://schemas.microsoft.com/office/2006/metadata/properties" xmlns:xsi="http://www.w3.org/2001/XMLSchema-instance" xmlns:pc="http://schemas.microsoft.com/office/infopath/2007/PartnerControls">
+  <documentManagement/>
+</p:properties>
+</file>
+
+<file path=customXml/item2.xml><?xml version="1.0" encoding="utf-8"?>
 <?mso-contentType ?>
 <FormTemplates xmlns="http://schemas.microsoft.com/sharepoint/v3/contenttype/forms">
   <Display>DocumentLibraryForm</Display>
   <Edit>DocumentLibraryForm</Edit>
   <New>DocumentLibraryForm</New>
 </FormTemplates>
-</file>
-
-<file path=customXml/item2.xml><?xml version="1.0" encoding="utf-8"?>
-<p:properties xmlns:p="http://schemas.microsoft.com/office/2006/metadata/properties" xmlns:xsi="http://www.w3.org/2001/XMLSchema-instance" xmlns:pc="http://schemas.microsoft.com/office/infopath/2007/PartnerControls">
-  <documentManagement/>
-</p:properties>
 </file>
 
 <file path=customXml/item3.xml><?xml version="1.0" encoding="utf-8"?>
@@ -8681,14 +9231,6 @@
 </file>
 
 <file path=customXml/itemProps1.xml><?xml version="1.0" encoding="utf-8"?>
-<ds:datastoreItem xmlns:ds="http://schemas.openxmlformats.org/officeDocument/2006/customXml" ds:itemID="{B003CD0A-443A-485C-804D-6841659B337D}">
-  <ds:schemaRefs>
-    <ds:schemaRef ds:uri="http://schemas.microsoft.com/sharepoint/v3/contenttype/forms"/>
-  </ds:schemaRefs>
-</ds:datastoreItem>
-</file>
-
-<file path=customXml/itemProps2.xml><?xml version="1.0" encoding="utf-8"?>
 <ds:datastoreItem xmlns:ds="http://schemas.openxmlformats.org/officeDocument/2006/customXml" ds:itemID="{3876E3CC-B2FB-411A-A5D5-4517382E5C5D}">
   <ds:schemaRefs>
     <ds:schemaRef ds:uri="http://schemas.microsoft.com/office/2006/metadata/properties"/>
@@ -8700,6 +9242,14 @@
     <ds:schemaRef ds:uri="4c9d5b1a-dba0-446a-8e45-7a9ed15a6f00"/>
     <ds:schemaRef ds:uri="http://www.w3.org/XML/1998/namespace"/>
     <ds:schemaRef ds:uri="http://purl.org/dc/terms/"/>
+  </ds:schemaRefs>
+</ds:datastoreItem>
+</file>
+
+<file path=customXml/itemProps2.xml><?xml version="1.0" encoding="utf-8"?>
+<ds:datastoreItem xmlns:ds="http://schemas.openxmlformats.org/officeDocument/2006/customXml" ds:itemID="{B003CD0A-443A-485C-804D-6841659B337D}">
+  <ds:schemaRefs>
+    <ds:schemaRef ds:uri="http://schemas.microsoft.com/sharepoint/v3/contenttype/forms"/>
   </ds:schemaRefs>
 </ds:datastoreItem>
 </file>

--- a/Azure SQL Database - WingTipTickets HOL introduction v2 1.pptx
+++ b/Azure SQL Database - WingTipTickets HOL introduction v2 1.pptx
@@ -10,10 +10,10 @@
   </p:notesMasterIdLst>
   <p:sldIdLst>
     <p:sldId id="256" r:id="rId6"/>
-    <p:sldId id="267" r:id="rId7"/>
-    <p:sldId id="268" r:id="rId8"/>
+    <p:sldId id="259" r:id="rId7"/>
+    <p:sldId id="267" r:id="rId8"/>
     <p:sldId id="257" r:id="rId9"/>
-    <p:sldId id="259" r:id="rId10"/>
+    <p:sldId id="268" r:id="rId10"/>
     <p:sldId id="266" r:id="rId11"/>
   </p:sldIdLst>
   <p:sldSz cx="12192000" cy="6858000"/>
@@ -203,7 +203,7 @@
           <a:p>
             <a:fld id="{4047A352-41CF-4AED-8367-CE599BDE43FE}" type="datetimeFigureOut">
               <a:rPr lang="en-NZ" smtClean="0"/>
-              <a:t>20/07/2015</a:t>
+              <a:t>21/07/2015</a:t>
             </a:fld>
             <a:endParaRPr lang="en-NZ"/>
           </a:p>
@@ -676,7 +676,7 @@
           <a:p>
             <a:fld id="{79783B37-3561-45DF-9DF7-7661BD4BD9F5}" type="datetimeFigureOut">
               <a:rPr lang="en-NZ" smtClean="0"/>
-              <a:t>20/07/2015</a:t>
+              <a:t>21/07/2015</a:t>
             </a:fld>
             <a:endParaRPr lang="en-NZ"/>
           </a:p>
@@ -1306,7 +1306,7 @@
           <a:p>
             <a:fld id="{C5CFC6D6-7E4B-4808-8D93-BAB472467609}" type="datetime1">
               <a:rPr lang="en-NZ" smtClean="0"/>
-              <a:t>20/07/2015</a:t>
+              <a:t>21/07/2015</a:t>
             </a:fld>
             <a:endParaRPr lang="en-NZ" dirty="0"/>
           </a:p>
@@ -1578,7 +1578,7 @@
           <a:p>
             <a:fld id="{C5CFC6D6-7E4B-4808-8D93-BAB472467609}" type="datetime1">
               <a:rPr lang="en-NZ" smtClean="0"/>
-              <a:t>20/07/2015</a:t>
+              <a:t>21/07/2015</a:t>
             </a:fld>
             <a:endParaRPr lang="en-NZ" dirty="0"/>
           </a:p>
@@ -1823,7 +1823,7 @@
           <a:p>
             <a:fld id="{79783B37-3561-45DF-9DF7-7661BD4BD9F5}" type="datetimeFigureOut">
               <a:rPr lang="en-NZ" smtClean="0"/>
-              <a:t>20/07/2015</a:t>
+              <a:t>21/07/2015</a:t>
             </a:fld>
             <a:endParaRPr lang="en-NZ"/>
           </a:p>
@@ -2093,7 +2093,7 @@
           <a:p>
             <a:fld id="{79783B37-3561-45DF-9DF7-7661BD4BD9F5}" type="datetimeFigureOut">
               <a:rPr lang="en-NZ" smtClean="0"/>
-              <a:t>20/07/2015</a:t>
+              <a:t>21/07/2015</a:t>
             </a:fld>
             <a:endParaRPr lang="en-NZ"/>
           </a:p>
@@ -2451,7 +2451,7 @@
           <a:p>
             <a:fld id="{79783B37-3561-45DF-9DF7-7661BD4BD9F5}" type="datetimeFigureOut">
               <a:rPr lang="en-NZ" smtClean="0"/>
-              <a:t>20/07/2015</a:t>
+              <a:t>21/07/2015</a:t>
             </a:fld>
             <a:endParaRPr lang="en-NZ"/>
           </a:p>
@@ -2633,7 +2633,7 @@
           <a:p>
             <a:fld id="{79783B37-3561-45DF-9DF7-7661BD4BD9F5}" type="datetimeFigureOut">
               <a:rPr lang="en-NZ" smtClean="0"/>
-              <a:t>20/07/2015</a:t>
+              <a:t>21/07/2015</a:t>
             </a:fld>
             <a:endParaRPr lang="en-NZ"/>
           </a:p>
@@ -2989,7 +2989,7 @@
           <a:p>
             <a:fld id="{79783B37-3561-45DF-9DF7-7661BD4BD9F5}" type="datetimeFigureOut">
               <a:rPr lang="en-NZ" smtClean="0"/>
-              <a:t>20/07/2015</a:t>
+              <a:t>21/07/2015</a:t>
             </a:fld>
             <a:endParaRPr lang="en-NZ"/>
           </a:p>
@@ -3676,7 +3676,7 @@
           <a:p>
             <a:fld id="{79783B37-3561-45DF-9DF7-7661BD4BD9F5}" type="datetimeFigureOut">
               <a:rPr lang="en-NZ" smtClean="0"/>
-              <a:t>20/07/2015</a:t>
+              <a:t>21/07/2015</a:t>
             </a:fld>
             <a:endParaRPr lang="en-NZ"/>
           </a:p>
@@ -4329,7 +4329,7 @@
           <a:p>
             <a:fld id="{C5CFC6D6-7E4B-4808-8D93-BAB472467609}" type="datetime1">
               <a:rPr lang="en-NZ" smtClean="0"/>
-              <a:t>20/07/2015</a:t>
+              <a:t>21/07/2015</a:t>
             </a:fld>
             <a:endParaRPr lang="en-NZ" dirty="0"/>
           </a:p>
@@ -4878,6 +4878,166 @@
           <a:chExt cx="0" cy="0"/>
         </a:xfrm>
       </p:grpSpPr>
+      <p:pic>
+        <p:nvPicPr>
+          <p:cNvPr id="4" name="Picture 3"/>
+          <p:cNvPicPr>
+            <a:picLocks noChangeAspect="1"/>
+          </p:cNvPicPr>
+          <p:nvPr/>
+        </p:nvPicPr>
+        <p:blipFill>
+          <a:blip r:embed="rId2"/>
+          <a:stretch>
+            <a:fillRect/>
+          </a:stretch>
+        </p:blipFill>
+        <p:spPr>
+          <a:xfrm>
+            <a:off x="459363" y="868044"/>
+            <a:ext cx="7335848" cy="5989956"/>
+          </a:xfrm>
+          <a:prstGeom prst="rect">
+            <a:avLst/>
+          </a:prstGeom>
+        </p:spPr>
+      </p:pic>
+      <p:sp>
+        <p:nvSpPr>
+          <p:cNvPr id="3" name="TextBox 2"/>
+          <p:cNvSpPr txBox="1"/>
+          <p:nvPr/>
+        </p:nvSpPr>
+        <p:spPr>
+          <a:xfrm>
+            <a:off x="459363" y="152990"/>
+            <a:ext cx="10785987" cy="615553"/>
+          </a:xfrm>
+          <a:prstGeom prst="rect">
+            <a:avLst/>
+          </a:prstGeom>
+          <a:noFill/>
+        </p:spPr>
+        <p:txBody>
+          <a:bodyPr wrap="square" lIns="0" tIns="0" rIns="0" bIns="0" rtlCol="0">
+            <a:spAutoFit/>
+          </a:bodyPr>
+          <a:lstStyle/>
+          <a:p>
+            <a:r>
+              <a:rPr lang="en-NZ" sz="4000" dirty="0">
+                <a:gradFill>
+                  <a:gsLst>
+                    <a:gs pos="0">
+                      <a:schemeClr val="tx1">
+                        <a:lumMod val="75000"/>
+                        <a:lumOff val="25000"/>
+                      </a:schemeClr>
+                    </a:gs>
+                    <a:gs pos="80000">
+                      <a:schemeClr val="tx1">
+                        <a:lumMod val="65000"/>
+                        <a:lumOff val="35000"/>
+                      </a:schemeClr>
+                    </a:gs>
+                  </a:gsLst>
+                  <a:lin ang="16200000" scaled="0"/>
+                </a:gradFill>
+                <a:latin typeface="Segoe UI Light" pitchFamily="34" charset="0"/>
+                <a:hlinkClick r:id="rId3"/>
+              </a:rPr>
+              <a:t>http://gh01julieandtheplantes.trafficmanager.net</a:t>
+            </a:r>
+            <a:r>
+              <a:rPr lang="en-NZ" sz="4000" dirty="0" smtClean="0">
+                <a:gradFill>
+                  <a:gsLst>
+                    <a:gs pos="0">
+                      <a:schemeClr val="tx1">
+                        <a:lumMod val="75000"/>
+                        <a:lumOff val="25000"/>
+                      </a:schemeClr>
+                    </a:gs>
+                    <a:gs pos="80000">
+                      <a:schemeClr val="tx1">
+                        <a:lumMod val="65000"/>
+                        <a:lumOff val="35000"/>
+                      </a:schemeClr>
+                    </a:gs>
+                  </a:gsLst>
+                  <a:lin ang="16200000" scaled="0"/>
+                </a:gradFill>
+                <a:latin typeface="Segoe UI Light" pitchFamily="34" charset="0"/>
+                <a:hlinkClick r:id="rId3"/>
+              </a:rPr>
+              <a:t>/</a:t>
+            </a:r>
+            <a:r>
+              <a:rPr lang="en-NZ" sz="4000" dirty="0" smtClean="0">
+                <a:gradFill>
+                  <a:gsLst>
+                    <a:gs pos="0">
+                      <a:schemeClr val="tx1">
+                        <a:lumMod val="75000"/>
+                        <a:lumOff val="25000"/>
+                      </a:schemeClr>
+                    </a:gs>
+                    <a:gs pos="80000">
+                      <a:schemeClr val="tx1">
+                        <a:lumMod val="65000"/>
+                        <a:lumOff val="35000"/>
+                      </a:schemeClr>
+                    </a:gs>
+                  </a:gsLst>
+                  <a:lin ang="16200000" scaled="0"/>
+                </a:gradFill>
+                <a:latin typeface="Segoe UI Light" pitchFamily="34" charset="0"/>
+              </a:rPr>
+              <a:t> </a:t>
+            </a:r>
+          </a:p>
+        </p:txBody>
+      </p:sp>
+    </p:spTree>
+    <p:extLst>
+      <p:ext uri="{BB962C8B-B14F-4D97-AF65-F5344CB8AC3E}">
+        <p14:creationId xmlns:p14="http://schemas.microsoft.com/office/powerpoint/2010/main" val="3860488238"/>
+      </p:ext>
+    </p:extLst>
+  </p:cSld>
+  <p:clrMapOvr>
+    <a:masterClrMapping/>
+  </p:clrMapOvr>
+  <p:transition>
+    <p:fade/>
+  </p:transition>
+  <p:timing>
+    <p:tnLst>
+      <p:par>
+        <p:cTn id="1" dur="indefinite" restart="never" nodeType="tmRoot"/>
+      </p:par>
+    </p:tnLst>
+  </p:timing>
+</p:sld>
+</file>
+
+<file path=ppt/slides/slide3.xml><?xml version="1.0" encoding="utf-8"?>
+<p:sld xmlns:a="http://schemas.openxmlformats.org/drawingml/2006/main" xmlns:r="http://schemas.openxmlformats.org/officeDocument/2006/relationships" xmlns:p="http://schemas.openxmlformats.org/presentationml/2006/main">
+  <p:cSld>
+    <p:spTree>
+      <p:nvGrpSpPr>
+        <p:cNvPr id="1" name=""/>
+        <p:cNvGrpSpPr/>
+        <p:nvPr/>
+      </p:nvGrpSpPr>
+      <p:grpSpPr>
+        <a:xfrm>
+          <a:off x="0" y="0"/>
+          <a:ext cx="0" cy="0"/>
+          <a:chOff x="0" y="0"/>
+          <a:chExt cx="0" cy="0"/>
+        </a:xfrm>
+      </p:grpSpPr>
       <p:sp>
         <p:nvSpPr>
           <p:cNvPr id="52" name="Rounded Rectangle 51"/>
@@ -5678,7 +5838,1144 @@
 </p:sld>
 </file>
 
-<file path=ppt/slides/slide3.xml><?xml version="1.0" encoding="utf-8"?>
+<file path=ppt/slides/slide4.xml><?xml version="1.0" encoding="utf-8"?>
+<p:sld xmlns:a="http://schemas.openxmlformats.org/drawingml/2006/main" xmlns:r="http://schemas.openxmlformats.org/officeDocument/2006/relationships" xmlns:p="http://schemas.openxmlformats.org/presentationml/2006/main">
+  <p:cSld>
+    <p:spTree>
+      <p:nvGrpSpPr>
+        <p:cNvPr id="1" name=""/>
+        <p:cNvGrpSpPr/>
+        <p:nvPr/>
+      </p:nvGrpSpPr>
+      <p:grpSpPr>
+        <a:xfrm>
+          <a:off x="0" y="0"/>
+          <a:ext cx="0" cy="0"/>
+          <a:chOff x="0" y="0"/>
+          <a:chExt cx="0" cy="0"/>
+        </a:xfrm>
+      </p:grpSpPr>
+      <p:sp>
+        <p:nvSpPr>
+          <p:cNvPr id="4" name="Title 3"/>
+          <p:cNvSpPr>
+            <a:spLocks noGrp="1"/>
+          </p:cNvSpPr>
+          <p:nvPr>
+            <p:ph type="title"/>
+          </p:nvPr>
+        </p:nvSpPr>
+        <p:spPr/>
+        <p:txBody>
+          <a:bodyPr/>
+          <a:lstStyle/>
+          <a:p>
+            <a:r>
+              <a:rPr lang="en-US" dirty="0" smtClean="0"/>
+              <a:t>Demo scenarios and install steps</a:t>
+            </a:r>
+            <a:endParaRPr lang="en-NZ" dirty="0"/>
+          </a:p>
+        </p:txBody>
+      </p:sp>
+      <p:graphicFrame>
+        <p:nvGraphicFramePr>
+          <p:cNvPr id="10" name="Content Placeholder 5"/>
+          <p:cNvGraphicFramePr>
+            <a:graphicFrameLocks noGrp="1"/>
+          </p:cNvGraphicFramePr>
+          <p:nvPr>
+            <p:ph idx="1"/>
+            <p:extLst>
+              <p:ext uri="{D42A27DB-BD31-4B8C-83A1-F6EECF244321}">
+                <p14:modId xmlns:p14="http://schemas.microsoft.com/office/powerpoint/2010/main" val="1451449521"/>
+              </p:ext>
+            </p:extLst>
+          </p:nvPr>
+        </p:nvGraphicFramePr>
+        <p:xfrm>
+          <a:off x="519113" y="1447800"/>
+          <a:ext cx="5487521" cy="5347468"/>
+        </p:xfrm>
+        <a:graphic>
+          <a:graphicData uri="http://schemas.openxmlformats.org/drawingml/2006/table">
+            <a:tbl>
+              <a:tblPr firstRow="1" bandRow="1">
+                <a:tableStyleId>{5C22544A-7EE6-4342-B048-85BDC9FD1C3A}</a:tableStyleId>
+              </a:tblPr>
+              <a:tblGrid>
+                <a:gridCol w="2433984">
+                  <a:extLst>
+                    <a:ext uri="{9D8B030D-6E8A-4147-A177-3AD203B41FA5}">
+                      <a16:colId xmlns:a16="http://schemas.microsoft.com/office/drawing/2014/main" val="20000"/>
+                    </a:ext>
+                  </a:extLst>
+                </a:gridCol>
+                <a:gridCol w="3053537">
+                  <a:extLst>
+                    <a:ext uri="{9D8B030D-6E8A-4147-A177-3AD203B41FA5}">
+                      <a16:colId xmlns:a16="http://schemas.microsoft.com/office/drawing/2014/main" val="20001"/>
+                    </a:ext>
+                  </a:extLst>
+                </a:gridCol>
+              </a:tblGrid>
+              <a:tr h="189293">
+                <a:tc>
+                  <a:txBody>
+                    <a:bodyPr/>
+                    <a:lstStyle/>
+                    <a:p>
+                      <a:pPr algn="ctr"/>
+                      <a:r>
+                        <a:rPr lang="en-US" sz="1400" dirty="0" smtClean="0"/>
+                        <a:t>Feature</a:t>
+                      </a:r>
+                      <a:endParaRPr lang="en-US" sz="1400" dirty="0"/>
+                    </a:p>
+                  </a:txBody>
+                  <a:tcPr marL="207284" marR="207284"/>
+                </a:tc>
+                <a:tc>
+                  <a:txBody>
+                    <a:bodyPr/>
+                    <a:lstStyle/>
+                    <a:p>
+                      <a:pPr algn="ctr"/>
+                      <a:r>
+                        <a:rPr lang="en-US" sz="1400" dirty="0" smtClean="0"/>
+                        <a:t>Story</a:t>
+                      </a:r>
+                      <a:endParaRPr lang="en-US" sz="1400" dirty="0"/>
+                    </a:p>
+                  </a:txBody>
+                  <a:tcPr marL="207284" marR="207284"/>
+                </a:tc>
+                <a:extLst>
+                  <a:ext uri="{0D108BD9-81ED-4DB2-BD59-A6C34878D82A}">
+                    <a16:rowId xmlns:a16="http://schemas.microsoft.com/office/drawing/2014/main" val="10000"/>
+                  </a:ext>
+                </a:extLst>
+              </a:tr>
+              <a:tr h="256032">
+                <a:tc>
+                  <a:txBody>
+                    <a:bodyPr/>
+                    <a:lstStyle/>
+                    <a:p>
+                      <a:pPr marL="0" marR="0" indent="0" algn="l" defTabSz="914400" rtl="0" eaLnBrk="1" fontAlgn="auto" latinLnBrk="0" hangingPunct="1">
+                        <a:lnSpc>
+                          <a:spcPct val="100000"/>
+                        </a:lnSpc>
+                        <a:spcBef>
+                          <a:spcPts val="0"/>
+                        </a:spcBef>
+                        <a:spcAft>
+                          <a:spcPts val="0"/>
+                        </a:spcAft>
+                        <a:buClrTx/>
+                        <a:buSzTx/>
+                        <a:buFontTx/>
+                        <a:buNone/>
+                        <a:tabLst/>
+                        <a:defRPr/>
+                      </a:pPr>
+                      <a:r>
+                        <a:rPr lang="en-US" sz="1400" b="0" dirty="0" smtClean="0"/>
+                        <a:t>Connectivity</a:t>
+                      </a:r>
+                    </a:p>
+                  </a:txBody>
+                  <a:tcPr marL="207284" marR="207284"/>
+                </a:tc>
+                <a:tc>
+                  <a:txBody>
+                    <a:bodyPr/>
+                    <a:lstStyle/>
+                    <a:p>
+                      <a:pPr marL="0" marR="0" lvl="1" indent="0" algn="l" defTabSz="914400" rtl="0" eaLnBrk="1" fontAlgn="auto" latinLnBrk="0" hangingPunct="1">
+                        <a:lnSpc>
+                          <a:spcPct val="100000"/>
+                        </a:lnSpc>
+                        <a:spcBef>
+                          <a:spcPts val="0"/>
+                        </a:spcBef>
+                        <a:spcAft>
+                          <a:spcPts val="0"/>
+                        </a:spcAft>
+                        <a:buClrTx/>
+                        <a:buSzTx/>
+                        <a:buFontTx/>
+                        <a:buNone/>
+                        <a:tabLst/>
+                        <a:defRPr/>
+                      </a:pPr>
+                      <a:r>
+                        <a:rPr lang="en-US" sz="1400" dirty="0" smtClean="0"/>
+                        <a:t>Connect via SSMS to verify DBs</a:t>
+                      </a:r>
+                    </a:p>
+                  </a:txBody>
+                  <a:tcPr marL="207284" marR="207284"/>
+                </a:tc>
+                <a:extLst>
+                  <a:ext uri="{0D108BD9-81ED-4DB2-BD59-A6C34878D82A}">
+                    <a16:rowId xmlns:a16="http://schemas.microsoft.com/office/drawing/2014/main" val="2739472372"/>
+                  </a:ext>
+                </a:extLst>
+              </a:tr>
+              <a:tr h="256032">
+                <a:tc>
+                  <a:txBody>
+                    <a:bodyPr/>
+                    <a:lstStyle/>
+                    <a:p>
+                      <a:pPr marL="0" marR="0" indent="0" algn="l" defTabSz="914400" rtl="0" eaLnBrk="1" fontAlgn="auto" latinLnBrk="0" hangingPunct="1">
+                        <a:lnSpc>
+                          <a:spcPct val="100000"/>
+                        </a:lnSpc>
+                        <a:spcBef>
+                          <a:spcPts val="0"/>
+                        </a:spcBef>
+                        <a:spcAft>
+                          <a:spcPts val="0"/>
+                        </a:spcAft>
+                        <a:buClrTx/>
+                        <a:buSzTx/>
+                        <a:buFontTx/>
+                        <a:buNone/>
+                        <a:tabLst/>
+                        <a:defRPr/>
+                      </a:pPr>
+                      <a:r>
+                        <a:rPr lang="en-US" sz="1400" b="1" dirty="0" smtClean="0"/>
+                        <a:t>Ticket purchase</a:t>
+                      </a:r>
+                    </a:p>
+                  </a:txBody>
+                  <a:tcPr marL="207284" marR="207284"/>
+                </a:tc>
+                <a:tc>
+                  <a:txBody>
+                    <a:bodyPr/>
+                    <a:lstStyle/>
+                    <a:p>
+                      <a:pPr marL="0" marR="0" lvl="1" indent="0" algn="l" defTabSz="914400" rtl="0" eaLnBrk="1" fontAlgn="auto" latinLnBrk="0" hangingPunct="1">
+                        <a:lnSpc>
+                          <a:spcPct val="100000"/>
+                        </a:lnSpc>
+                        <a:spcBef>
+                          <a:spcPts val="0"/>
+                        </a:spcBef>
+                        <a:spcAft>
+                          <a:spcPts val="0"/>
+                        </a:spcAft>
+                        <a:buClrTx/>
+                        <a:buSzTx/>
+                        <a:buFontTx/>
+                        <a:buNone/>
+                        <a:tabLst/>
+                        <a:defRPr/>
+                      </a:pPr>
+                      <a:r>
+                        <a:rPr lang="en-US" sz="1400" dirty="0" smtClean="0"/>
+                        <a:t>WTT is a real live Azure</a:t>
+                      </a:r>
+                      <a:r>
+                        <a:rPr lang="en-US" sz="1400" baseline="0" dirty="0" smtClean="0"/>
+                        <a:t> app</a:t>
+                      </a:r>
+                      <a:endParaRPr lang="en-US" sz="1400" dirty="0" smtClean="0"/>
+                    </a:p>
+                  </a:txBody>
+                  <a:tcPr marL="207284" marR="207284"/>
+                </a:tc>
+                <a:extLst>
+                  <a:ext uri="{0D108BD9-81ED-4DB2-BD59-A6C34878D82A}">
+                    <a16:rowId xmlns:a16="http://schemas.microsoft.com/office/drawing/2014/main" val="753878618"/>
+                  </a:ext>
+                </a:extLst>
+              </a:tr>
+              <a:tr h="256032">
+                <a:tc>
+                  <a:txBody>
+                    <a:bodyPr/>
+                    <a:lstStyle/>
+                    <a:p>
+                      <a:pPr marL="0" marR="0" indent="0" algn="l" defTabSz="914400" rtl="0" eaLnBrk="1" fontAlgn="auto" latinLnBrk="0" hangingPunct="1">
+                        <a:lnSpc>
+                          <a:spcPct val="100000"/>
+                        </a:lnSpc>
+                        <a:spcBef>
+                          <a:spcPts val="0"/>
+                        </a:spcBef>
+                        <a:spcAft>
+                          <a:spcPts val="0"/>
+                        </a:spcAft>
+                        <a:buClrTx/>
+                        <a:buSzTx/>
+                        <a:buFontTx/>
+                        <a:buNone/>
+                        <a:tabLst/>
+                        <a:defRPr/>
+                      </a:pPr>
+                      <a:r>
+                        <a:rPr lang="en-US" sz="1400" b="0" dirty="0" smtClean="0"/>
+                        <a:t>Pay</a:t>
+                      </a:r>
+                      <a:r>
+                        <a:rPr lang="en-US" sz="1400" b="0" baseline="0" dirty="0" smtClean="0"/>
+                        <a:t> as you go</a:t>
+                      </a:r>
+                      <a:endParaRPr lang="en-US" sz="1400" b="0" dirty="0" smtClean="0"/>
+                    </a:p>
+                  </a:txBody>
+                  <a:tcPr marL="207284" marR="207284"/>
+                </a:tc>
+                <a:tc>
+                  <a:txBody>
+                    <a:bodyPr/>
+                    <a:lstStyle/>
+                    <a:p>
+                      <a:pPr marL="0" marR="0" lvl="1" indent="0" algn="l" defTabSz="914400" rtl="0" eaLnBrk="1" fontAlgn="auto" latinLnBrk="0" hangingPunct="1">
+                        <a:lnSpc>
+                          <a:spcPct val="100000"/>
+                        </a:lnSpc>
+                        <a:spcBef>
+                          <a:spcPts val="0"/>
+                        </a:spcBef>
+                        <a:spcAft>
+                          <a:spcPts val="0"/>
+                        </a:spcAft>
+                        <a:buClrTx/>
+                        <a:buSzTx/>
+                        <a:buFontTx/>
+                        <a:buNone/>
+                        <a:tabLst/>
+                        <a:defRPr/>
+                      </a:pPr>
+                      <a:r>
+                        <a:rPr lang="en-US" sz="1400" dirty="0" smtClean="0"/>
+                        <a:t>Create a DB in seconds</a:t>
+                      </a:r>
+                    </a:p>
+                  </a:txBody>
+                  <a:tcPr marL="207284" marR="207284"/>
+                </a:tc>
+                <a:extLst>
+                  <a:ext uri="{0D108BD9-81ED-4DB2-BD59-A6C34878D82A}">
+                    <a16:rowId xmlns:a16="http://schemas.microsoft.com/office/drawing/2014/main" val="499834776"/>
+                  </a:ext>
+                </a:extLst>
+              </a:tr>
+              <a:tr h="256032">
+                <a:tc>
+                  <a:txBody>
+                    <a:bodyPr/>
+                    <a:lstStyle/>
+                    <a:p>
+                      <a:pPr marL="0" marR="0" indent="0" algn="l" defTabSz="914400" rtl="0" eaLnBrk="1" fontAlgn="auto" latinLnBrk="0" hangingPunct="1">
+                        <a:lnSpc>
+                          <a:spcPct val="100000"/>
+                        </a:lnSpc>
+                        <a:spcBef>
+                          <a:spcPts val="0"/>
+                        </a:spcBef>
+                        <a:spcAft>
+                          <a:spcPts val="0"/>
+                        </a:spcAft>
+                        <a:buClrTx/>
+                        <a:buSzTx/>
+                        <a:buFontTx/>
+                        <a:buNone/>
+                        <a:tabLst/>
+                        <a:defRPr/>
+                      </a:pPr>
+                      <a:r>
+                        <a:rPr lang="en-US" sz="1400" b="1" dirty="0" smtClean="0"/>
+                        <a:t>Vertical Scaling</a:t>
+                      </a:r>
+                    </a:p>
+                  </a:txBody>
+                  <a:tcPr marL="207284" marR="207284"/>
+                </a:tc>
+                <a:tc>
+                  <a:txBody>
+                    <a:bodyPr/>
+                    <a:lstStyle/>
+                    <a:p>
+                      <a:pPr marL="0" marR="0" lvl="1" indent="0" algn="l" defTabSz="914400" rtl="0" eaLnBrk="1" fontAlgn="auto" latinLnBrk="0" hangingPunct="1">
+                        <a:lnSpc>
+                          <a:spcPct val="100000"/>
+                        </a:lnSpc>
+                        <a:spcBef>
+                          <a:spcPts val="0"/>
+                        </a:spcBef>
+                        <a:spcAft>
+                          <a:spcPts val="0"/>
+                        </a:spcAft>
+                        <a:buClrTx/>
+                        <a:buSzTx/>
+                        <a:buFontTx/>
+                        <a:buNone/>
+                        <a:tabLst/>
+                        <a:defRPr/>
+                      </a:pPr>
+                      <a:r>
+                        <a:rPr lang="en-US" sz="1400" dirty="0" smtClean="0"/>
+                        <a:t>Scale-up</a:t>
+                      </a:r>
+                      <a:r>
+                        <a:rPr lang="en-US" sz="1400" baseline="0" dirty="0" smtClean="0"/>
+                        <a:t> based on increased DB throughput online</a:t>
+                      </a:r>
+                      <a:endParaRPr lang="en-US" sz="1400" dirty="0" smtClean="0"/>
+                    </a:p>
+                  </a:txBody>
+                  <a:tcPr marL="207284" marR="207284"/>
+                </a:tc>
+                <a:extLst>
+                  <a:ext uri="{0D108BD9-81ED-4DB2-BD59-A6C34878D82A}">
+                    <a16:rowId xmlns:a16="http://schemas.microsoft.com/office/drawing/2014/main" val="10001"/>
+                  </a:ext>
+                </a:extLst>
+              </a:tr>
+              <a:tr h="525799">
+                <a:tc>
+                  <a:txBody>
+                    <a:bodyPr/>
+                    <a:lstStyle/>
+                    <a:p>
+                      <a:pPr marL="0" marR="0" indent="0" algn="l" defTabSz="914400" rtl="0" eaLnBrk="1" fontAlgn="auto" latinLnBrk="0" hangingPunct="1">
+                        <a:lnSpc>
+                          <a:spcPct val="100000"/>
+                        </a:lnSpc>
+                        <a:spcBef>
+                          <a:spcPts val="0"/>
+                        </a:spcBef>
+                        <a:spcAft>
+                          <a:spcPts val="0"/>
+                        </a:spcAft>
+                        <a:buClrTx/>
+                        <a:buSzTx/>
+                        <a:buFontTx/>
+                        <a:buNone/>
+                        <a:tabLst/>
+                        <a:defRPr/>
+                      </a:pPr>
+                      <a:r>
+                        <a:rPr lang="en-US" sz="1400" b="1" dirty="0" smtClean="0"/>
+                        <a:t>Elastic Database</a:t>
+                      </a:r>
+                      <a:r>
+                        <a:rPr lang="en-US" sz="1400" b="1" baseline="0" dirty="0" smtClean="0"/>
+                        <a:t> Pools</a:t>
+                      </a:r>
+                      <a:endParaRPr lang="en-US" sz="1400" b="1" dirty="0" smtClean="0"/>
+                    </a:p>
+                  </a:txBody>
+                  <a:tcPr marL="207284" marR="207284"/>
+                </a:tc>
+                <a:tc>
+                  <a:txBody>
+                    <a:bodyPr/>
+                    <a:lstStyle/>
+                    <a:p>
+                      <a:pPr marL="0" marR="0" lvl="1" indent="0" algn="l" defTabSz="914400" rtl="0" eaLnBrk="1" fontAlgn="auto" latinLnBrk="0" hangingPunct="1">
+                        <a:lnSpc>
+                          <a:spcPct val="100000"/>
+                        </a:lnSpc>
+                        <a:spcBef>
+                          <a:spcPts val="0"/>
+                        </a:spcBef>
+                        <a:spcAft>
+                          <a:spcPts val="0"/>
+                        </a:spcAft>
+                        <a:buClrTx/>
+                        <a:buSzTx/>
+                        <a:buFontTx/>
+                        <a:buNone/>
+                        <a:tabLst/>
+                        <a:defRPr/>
+                      </a:pPr>
+                      <a:r>
+                        <a:rPr lang="en-US" sz="1400" dirty="0" smtClean="0"/>
+                        <a:t>Anticipation of a big name artist country wide with sale on same day</a:t>
+                      </a:r>
+                    </a:p>
+                  </a:txBody>
+                  <a:tcPr marL="207284" marR="207284"/>
+                </a:tc>
+                <a:extLst>
+                  <a:ext uri="{0D108BD9-81ED-4DB2-BD59-A6C34878D82A}">
+                    <a16:rowId xmlns:a16="http://schemas.microsoft.com/office/drawing/2014/main" val="10002"/>
+                  </a:ext>
+                </a:extLst>
+              </a:tr>
+              <a:tr h="592588">
+                <a:tc>
+                  <a:txBody>
+                    <a:bodyPr/>
+                    <a:lstStyle/>
+                    <a:p>
+                      <a:pPr marL="0" marR="0" indent="0" algn="l" defTabSz="914400" rtl="0" eaLnBrk="1" fontAlgn="auto" latinLnBrk="0" hangingPunct="1">
+                        <a:lnSpc>
+                          <a:spcPct val="100000"/>
+                        </a:lnSpc>
+                        <a:spcBef>
+                          <a:spcPts val="0"/>
+                        </a:spcBef>
+                        <a:spcAft>
+                          <a:spcPts val="0"/>
+                        </a:spcAft>
+                        <a:buClrTx/>
+                        <a:buSzTx/>
+                        <a:buFontTx/>
+                        <a:buNone/>
+                        <a:tabLst/>
+                        <a:defRPr/>
+                      </a:pPr>
+                      <a:r>
+                        <a:rPr lang="en-US" sz="1400" dirty="0" smtClean="0"/>
+                        <a:t>Auditing</a:t>
+                      </a:r>
+                    </a:p>
+                  </a:txBody>
+                  <a:tcPr marL="207284" marR="207284"/>
+                </a:tc>
+                <a:tc>
+                  <a:txBody>
+                    <a:bodyPr/>
+                    <a:lstStyle/>
+                    <a:p>
+                      <a:pPr marL="0" marR="0" lvl="1" indent="0" algn="l" defTabSz="914400" rtl="0" eaLnBrk="1" fontAlgn="auto" latinLnBrk="0" hangingPunct="1">
+                        <a:lnSpc>
+                          <a:spcPct val="100000"/>
+                        </a:lnSpc>
+                        <a:spcBef>
+                          <a:spcPts val="0"/>
+                        </a:spcBef>
+                        <a:spcAft>
+                          <a:spcPts val="0"/>
+                        </a:spcAft>
+                        <a:buClrTx/>
+                        <a:buSzTx/>
+                        <a:buFontTx/>
+                        <a:buNone/>
+                        <a:tabLst/>
+                        <a:defRPr/>
+                      </a:pPr>
+                      <a:r>
+                        <a:rPr lang="en-US" sz="1400" dirty="0" smtClean="0"/>
+                        <a:t>Key</a:t>
+                      </a:r>
+                      <a:r>
+                        <a:rPr lang="en-US" sz="1400" baseline="0" dirty="0" smtClean="0"/>
+                        <a:t> A</a:t>
+                      </a:r>
+                      <a:r>
+                        <a:rPr lang="en-US" sz="1400" dirty="0" smtClean="0"/>
+                        <a:t>rena</a:t>
+                      </a:r>
+                      <a:r>
+                        <a:rPr lang="en-US" sz="1400" baseline="0" dirty="0" smtClean="0"/>
+                        <a:t> DB mysteriously vanished</a:t>
+                      </a:r>
+                      <a:endParaRPr lang="en-US" sz="1400" dirty="0" smtClean="0"/>
+                    </a:p>
+                  </a:txBody>
+                  <a:tcPr marL="207284" marR="207284"/>
+                </a:tc>
+                <a:extLst>
+                  <a:ext uri="{0D108BD9-81ED-4DB2-BD59-A6C34878D82A}">
+                    <a16:rowId xmlns:a16="http://schemas.microsoft.com/office/drawing/2014/main" val="10003"/>
+                  </a:ext>
+                </a:extLst>
+              </a:tr>
+              <a:tr h="182880">
+                <a:tc>
+                  <a:txBody>
+                    <a:bodyPr/>
+                    <a:lstStyle/>
+                    <a:p>
+                      <a:pPr marL="0" marR="0" indent="0" algn="l" defTabSz="914400" rtl="0" eaLnBrk="1" fontAlgn="auto" latinLnBrk="0" hangingPunct="1">
+                        <a:lnSpc>
+                          <a:spcPct val="100000"/>
+                        </a:lnSpc>
+                        <a:spcBef>
+                          <a:spcPts val="0"/>
+                        </a:spcBef>
+                        <a:spcAft>
+                          <a:spcPts val="0"/>
+                        </a:spcAft>
+                        <a:buClrTx/>
+                        <a:buSzTx/>
+                        <a:buFontTx/>
+                        <a:buNone/>
+                        <a:tabLst/>
+                        <a:defRPr/>
+                      </a:pPr>
+                      <a:r>
+                        <a:rPr lang="en-US" sz="1400" dirty="0" smtClean="0"/>
+                        <a:t>Point-in-time restore</a:t>
+                      </a:r>
+                    </a:p>
+                  </a:txBody>
+                  <a:tcPr marL="207284" marR="207284"/>
+                </a:tc>
+                <a:tc>
+                  <a:txBody>
+                    <a:bodyPr/>
+                    <a:lstStyle/>
+                    <a:p>
+                      <a:r>
+                        <a:rPr lang="en-US" sz="1400" dirty="0" smtClean="0"/>
+                        <a:t>Accidental</a:t>
+                      </a:r>
+                      <a:r>
+                        <a:rPr lang="en-US" sz="1400" baseline="0" dirty="0" smtClean="0"/>
+                        <a:t> DB deletion</a:t>
+                      </a:r>
+                    </a:p>
+                  </a:txBody>
+                  <a:tcPr marL="207284" marR="207284"/>
+                </a:tc>
+                <a:extLst>
+                  <a:ext uri="{0D108BD9-81ED-4DB2-BD59-A6C34878D82A}">
+                    <a16:rowId xmlns:a16="http://schemas.microsoft.com/office/drawing/2014/main" val="10004"/>
+                  </a:ext>
+                </a:extLst>
+              </a:tr>
+              <a:tr h="182880">
+                <a:tc>
+                  <a:txBody>
+                    <a:bodyPr/>
+                    <a:lstStyle/>
+                    <a:p>
+                      <a:r>
+                        <a:rPr lang="en-US" sz="1400" b="1" dirty="0" smtClean="0"/>
+                        <a:t>Geographic disaster recovery</a:t>
+                      </a:r>
+                    </a:p>
+                  </a:txBody>
+                  <a:tcPr marL="207284" marR="207284"/>
+                </a:tc>
+                <a:tc>
+                  <a:txBody>
+                    <a:bodyPr/>
+                    <a:lstStyle/>
+                    <a:p>
+                      <a:pPr marL="0" marR="0" lvl="1" indent="0" algn="l" defTabSz="914400" rtl="0" eaLnBrk="1" fontAlgn="auto" latinLnBrk="0" hangingPunct="1">
+                        <a:lnSpc>
+                          <a:spcPct val="100000"/>
+                        </a:lnSpc>
+                        <a:spcBef>
+                          <a:spcPts val="0"/>
+                        </a:spcBef>
+                        <a:spcAft>
+                          <a:spcPts val="0"/>
+                        </a:spcAft>
+                        <a:buClrTx/>
+                        <a:buSzTx/>
+                        <a:buFontTx/>
+                        <a:buNone/>
+                        <a:tabLst/>
+                        <a:defRPr/>
+                      </a:pPr>
+                      <a:r>
+                        <a:rPr lang="en-US" sz="1400" dirty="0" smtClean="0"/>
+                        <a:t>Server in a datacenter goes down</a:t>
+                      </a:r>
+                    </a:p>
+                  </a:txBody>
+                  <a:tcPr marL="207284" marR="207284"/>
+                </a:tc>
+                <a:extLst>
+                  <a:ext uri="{0D108BD9-81ED-4DB2-BD59-A6C34878D82A}">
+                    <a16:rowId xmlns:a16="http://schemas.microsoft.com/office/drawing/2014/main" val="2248212393"/>
+                  </a:ext>
+                </a:extLst>
+              </a:tr>
+              <a:tr h="182880">
+                <a:tc>
+                  <a:txBody>
+                    <a:bodyPr/>
+                    <a:lstStyle/>
+                    <a:p>
+                      <a:pPr marL="0" marR="0" indent="0" algn="l" defTabSz="914400" rtl="0" eaLnBrk="1" fontAlgn="auto" latinLnBrk="0" hangingPunct="1">
+                        <a:lnSpc>
+                          <a:spcPct val="100000"/>
+                        </a:lnSpc>
+                        <a:spcBef>
+                          <a:spcPts val="0"/>
+                        </a:spcBef>
+                        <a:spcAft>
+                          <a:spcPts val="0"/>
+                        </a:spcAft>
+                        <a:buClrTx/>
+                        <a:buSzTx/>
+                        <a:buFontTx/>
+                        <a:buNone/>
+                        <a:tabLst/>
+                        <a:defRPr/>
+                      </a:pPr>
+                      <a:r>
+                        <a:rPr lang="en-US" sz="1400" dirty="0" smtClean="0"/>
+                        <a:t>Transparent Data Encryption</a:t>
+                      </a:r>
+                    </a:p>
+                  </a:txBody>
+                  <a:tcPr marL="207284" marR="207284"/>
+                </a:tc>
+                <a:tc>
+                  <a:txBody>
+                    <a:bodyPr/>
+                    <a:lstStyle/>
+                    <a:p>
+                      <a:r>
+                        <a:rPr lang="en-US" sz="1400" dirty="0" smtClean="0">
+                          <a:solidFill>
+                            <a:schemeClr val="tx1"/>
+                          </a:solidFill>
+                        </a:rPr>
+                        <a:t>Encrypt sensitive data when stored in</a:t>
+                      </a:r>
+                      <a:r>
+                        <a:rPr lang="en-US" sz="1400" baseline="0" dirty="0" smtClean="0">
+                          <a:solidFill>
+                            <a:schemeClr val="tx1"/>
+                          </a:solidFill>
+                        </a:rPr>
+                        <a:t> a database</a:t>
+                      </a:r>
+                      <a:endParaRPr lang="en-US" sz="1400" dirty="0">
+                        <a:solidFill>
+                          <a:schemeClr val="tx1"/>
+                        </a:solidFill>
+                      </a:endParaRPr>
+                    </a:p>
+                  </a:txBody>
+                  <a:tcPr marL="207284" marR="207284"/>
+                </a:tc>
+                <a:extLst>
+                  <a:ext uri="{0D108BD9-81ED-4DB2-BD59-A6C34878D82A}">
+                    <a16:rowId xmlns:a16="http://schemas.microsoft.com/office/drawing/2014/main" val="3736867791"/>
+                  </a:ext>
+                </a:extLst>
+              </a:tr>
+              <a:tr h="182880">
+                <a:tc>
+                  <a:txBody>
+                    <a:bodyPr/>
+                    <a:lstStyle/>
+                    <a:p>
+                      <a:pPr marL="0" marR="0" indent="0" algn="l" defTabSz="914400" rtl="0" eaLnBrk="1" fontAlgn="auto" latinLnBrk="0" hangingPunct="1">
+                        <a:lnSpc>
+                          <a:spcPct val="100000"/>
+                        </a:lnSpc>
+                        <a:spcBef>
+                          <a:spcPts val="0"/>
+                        </a:spcBef>
+                        <a:spcAft>
+                          <a:spcPts val="0"/>
+                        </a:spcAft>
+                        <a:buClrTx/>
+                        <a:buSzTx/>
+                        <a:buFontTx/>
+                        <a:buNone/>
+                        <a:tabLst/>
+                        <a:defRPr/>
+                      </a:pPr>
+                      <a:r>
+                        <a:rPr lang="en-US" sz="1400" dirty="0" smtClean="0"/>
+                        <a:t>Azure Search</a:t>
+                      </a:r>
+                    </a:p>
+                  </a:txBody>
+                  <a:tcPr marL="207284" marR="207284"/>
+                </a:tc>
+                <a:tc>
+                  <a:txBody>
+                    <a:bodyPr/>
+                    <a:lstStyle/>
+                    <a:p>
+                      <a:r>
+                        <a:rPr lang="en-US" sz="1400" dirty="0" smtClean="0"/>
+                        <a:t>What if I want an automated wa</a:t>
+                      </a:r>
+                      <a:r>
+                        <a:rPr lang="en-US" sz="1400" baseline="0" dirty="0" smtClean="0"/>
+                        <a:t>y to assess my historical usage and recommend DB size, SKU size, expected usage etc?</a:t>
+                      </a:r>
+                      <a:endParaRPr lang="en-US" sz="1400" dirty="0">
+                        <a:solidFill>
+                          <a:schemeClr val="tx1"/>
+                        </a:solidFill>
+                      </a:endParaRPr>
+                    </a:p>
+                  </a:txBody>
+                  <a:tcPr marL="207284" marR="207284"/>
+                </a:tc>
+                <a:extLst>
+                  <a:ext uri="{0D108BD9-81ED-4DB2-BD59-A6C34878D82A}">
+                    <a16:rowId xmlns:a16="http://schemas.microsoft.com/office/drawing/2014/main" val="2381509833"/>
+                  </a:ext>
+                </a:extLst>
+              </a:tr>
+            </a:tbl>
+          </a:graphicData>
+        </a:graphic>
+      </p:graphicFrame>
+      <p:sp>
+        <p:nvSpPr>
+          <p:cNvPr id="12" name="Content Placeholder 11"/>
+          <p:cNvSpPr>
+            <a:spLocks noGrp="1"/>
+          </p:cNvSpPr>
+          <p:nvPr>
+            <p:ph idx="10"/>
+          </p:nvPr>
+        </p:nvSpPr>
+        <p:spPr>
+          <a:xfrm>
+            <a:off x="6184350" y="1464273"/>
+            <a:ext cx="5487697" cy="4742837"/>
+          </a:xfrm>
+        </p:spPr>
+        <p:txBody>
+          <a:bodyPr/>
+          <a:lstStyle/>
+          <a:p>
+            <a:pPr lvl="0"/>
+            <a:r>
+              <a:rPr lang="en-US" sz="2000" dirty="0" smtClean="0"/>
+              <a:t>Launch Azure PowerShell (as an administrator)</a:t>
+            </a:r>
+            <a:endParaRPr lang="en-NZ" sz="2000" dirty="0" smtClean="0"/>
+          </a:p>
+          <a:p>
+            <a:pPr lvl="1"/>
+            <a:r>
+              <a:rPr lang="en-US" sz="1800" dirty="0" smtClean="0"/>
+              <a:t>Add-</a:t>
+            </a:r>
+            <a:r>
+              <a:rPr lang="en-US" sz="1800" dirty="0" err="1" smtClean="0"/>
+              <a:t>AzureAccount</a:t>
+            </a:r>
+            <a:endParaRPr lang="en-NZ" sz="1800" dirty="0" smtClean="0"/>
+          </a:p>
+          <a:p>
+            <a:pPr lvl="1"/>
+            <a:r>
+              <a:rPr lang="en-US" sz="1800" dirty="0" smtClean="0"/>
+              <a:t>Select-</a:t>
+            </a:r>
+            <a:r>
+              <a:rPr lang="en-US" sz="1800" dirty="0" err="1" smtClean="0"/>
+              <a:t>AzureSubscription</a:t>
+            </a:r>
+            <a:r>
+              <a:rPr lang="en-US" sz="1800" dirty="0" smtClean="0"/>
+              <a:t> –</a:t>
+            </a:r>
+            <a:r>
+              <a:rPr lang="en-US" sz="1800" dirty="0" err="1" smtClean="0"/>
+              <a:t>SubscriptionId</a:t>
+            </a:r>
+            <a:r>
+              <a:rPr lang="en-US" sz="1800" dirty="0" smtClean="0"/>
+              <a:t> &lt;provide your subscription that you want to use&gt;</a:t>
+            </a:r>
+            <a:endParaRPr lang="en-NZ" sz="1800" dirty="0" smtClean="0"/>
+          </a:p>
+          <a:p>
+            <a:pPr lvl="1"/>
+            <a:r>
+              <a:rPr lang="en-US" sz="1800" dirty="0" smtClean="0"/>
+              <a:t>Set-</a:t>
+            </a:r>
+            <a:r>
+              <a:rPr lang="en-US" sz="1800" dirty="0" err="1" smtClean="0"/>
+              <a:t>ExecutionPolicy</a:t>
+            </a:r>
+            <a:r>
+              <a:rPr lang="en-US" sz="1800" dirty="0" smtClean="0"/>
+              <a:t> -Scope </a:t>
+            </a:r>
+            <a:r>
+              <a:rPr lang="en-US" sz="1800" dirty="0" err="1" smtClean="0"/>
+              <a:t>LocalMachine</a:t>
+            </a:r>
+            <a:r>
+              <a:rPr lang="en-US" sz="1800" dirty="0" smtClean="0"/>
+              <a:t> -</a:t>
+            </a:r>
+            <a:r>
+              <a:rPr lang="en-US" sz="1800" dirty="0" err="1" smtClean="0"/>
+              <a:t>ExecutionPolicy</a:t>
+            </a:r>
+            <a:r>
+              <a:rPr lang="en-US" sz="1800" dirty="0" smtClean="0"/>
+              <a:t> Unrestricted –Force</a:t>
+            </a:r>
+            <a:endParaRPr lang="en-NZ" sz="1800" dirty="0" smtClean="0"/>
+          </a:p>
+          <a:p>
+            <a:pPr lvl="0"/>
+            <a:r>
+              <a:rPr lang="en-US" sz="2000" dirty="0" smtClean="0"/>
+              <a:t>Switch to the directory where you unzipped scripts.zip e.g. c:\scripts</a:t>
+            </a:r>
+            <a:endParaRPr lang="en-NZ" sz="2000" dirty="0" smtClean="0"/>
+          </a:p>
+          <a:p>
+            <a:pPr lvl="1"/>
+            <a:r>
+              <a:rPr lang="en-US" sz="1800" dirty="0" smtClean="0"/>
+              <a:t>Unblock-file .\New-WTTEnvironment.ps1</a:t>
+            </a:r>
+            <a:endParaRPr lang="en-NZ" sz="1800" dirty="0" smtClean="0"/>
+          </a:p>
+          <a:p>
+            <a:pPr lvl="1"/>
+            <a:r>
+              <a:rPr lang="en-US" sz="1800" b="1" dirty="0" smtClean="0"/>
+              <a:t>. .\</a:t>
+            </a:r>
+            <a:r>
+              <a:rPr lang="en-US" sz="1800" dirty="0" smtClean="0"/>
+              <a:t>New-WTTEnvironment.ps1</a:t>
+            </a:r>
+          </a:p>
+          <a:p>
+            <a:pPr lvl="1"/>
+            <a:r>
+              <a:rPr lang="en-NZ" sz="1800" dirty="0"/>
+              <a:t>New-</a:t>
+            </a:r>
+            <a:r>
+              <a:rPr lang="en-NZ" sz="1800" dirty="0" err="1"/>
+              <a:t>WTTEnvironment</a:t>
+            </a:r>
+            <a:r>
+              <a:rPr lang="en-NZ" sz="1800" dirty="0"/>
+              <a:t> –</a:t>
+            </a:r>
+            <a:r>
+              <a:rPr lang="en-NZ" sz="1800" dirty="0" err="1"/>
+              <a:t>WTTEnvironmentApplicationName</a:t>
+            </a:r>
+            <a:r>
+              <a:rPr lang="en-NZ" sz="1800" dirty="0"/>
+              <a:t> </a:t>
+            </a:r>
+            <a:r>
+              <a:rPr lang="en-NZ" sz="1800" dirty="0" smtClean="0">
+                <a:solidFill>
+                  <a:srgbClr val="FF0000"/>
+                </a:solidFill>
+              </a:rPr>
+              <a:t>xx00</a:t>
+            </a:r>
+            <a:r>
+              <a:rPr lang="en-NZ" sz="1800" dirty="0" smtClean="0"/>
+              <a:t>julieandtheplantes </a:t>
+            </a:r>
+            <a:r>
+              <a:rPr lang="en-NZ" sz="1800" dirty="0"/>
+              <a:t>–</a:t>
+            </a:r>
+            <a:r>
+              <a:rPr lang="en-NZ" sz="1800" dirty="0" err="1">
+                <a:solidFill>
+                  <a:srgbClr val="FF0000"/>
+                </a:solidFill>
+              </a:rPr>
+              <a:t>AzureActiveDirectoryTenantName</a:t>
+            </a:r>
+            <a:r>
+              <a:rPr lang="en-NZ" sz="1800" dirty="0">
+                <a:solidFill>
+                  <a:srgbClr val="FF0000"/>
+                </a:solidFill>
+              </a:rPr>
+              <a:t> JoinedTechnology.com </a:t>
+            </a:r>
+          </a:p>
+        </p:txBody>
+      </p:sp>
+      <p:sp>
+        <p:nvSpPr>
+          <p:cNvPr id="17" name="Oval Callout 16"/>
+          <p:cNvSpPr/>
+          <p:nvPr/>
+        </p:nvSpPr>
+        <p:spPr bwMode="auto">
+          <a:xfrm>
+            <a:off x="10089287" y="4663316"/>
+            <a:ext cx="2223083" cy="645952"/>
+          </a:xfrm>
+          <a:prstGeom prst="wedgeEllipseCallout">
+            <a:avLst>
+              <a:gd name="adj1" fmla="val -38673"/>
+              <a:gd name="adj2" fmla="val 54944"/>
+            </a:avLst>
+          </a:prstGeom>
+          <a:ln/>
+        </p:spPr>
+        <p:style>
+          <a:lnRef idx="2">
+            <a:schemeClr val="accent1"/>
+          </a:lnRef>
+          <a:fillRef idx="1">
+            <a:schemeClr val="lt1"/>
+          </a:fillRef>
+          <a:effectRef idx="0">
+            <a:schemeClr val="accent1"/>
+          </a:effectRef>
+          <a:fontRef idx="minor">
+            <a:schemeClr val="dk1"/>
+          </a:fontRef>
+        </p:style>
+        <p:txBody>
+          <a:bodyPr rot="0" spcFirstLastPara="0" vertOverflow="overflow" horzOverflow="overflow" vert="horz" wrap="square" lIns="91440" tIns="548640" rIns="45720" bIns="91440" numCol="1" spcCol="0" rtlCol="0" fromWordArt="0" anchor="b" anchorCtr="0" forceAA="0" compatLnSpc="1">
+            <a:prstTxWarp prst="textNoShape">
+              <a:avLst/>
+            </a:prstTxWarp>
+            <a:noAutofit/>
+          </a:bodyPr>
+          <a:lstStyle/>
+          <a:p>
+            <a:pPr algn="ctr" defTabSz="914099" fontAlgn="base">
+              <a:spcBef>
+                <a:spcPct val="0"/>
+              </a:spcBef>
+              <a:spcAft>
+                <a:spcPct val="0"/>
+              </a:spcAft>
+            </a:pPr>
+            <a:r>
+              <a:rPr lang="en-US" sz="1100" spc="-50" dirty="0" smtClean="0">
+                <a:solidFill>
+                  <a:schemeClr val="accent1"/>
+                </a:solidFill>
+                <a:latin typeface="Segoe UI" pitchFamily="34" charset="0"/>
+                <a:ea typeface="Segoe UI" pitchFamily="34" charset="0"/>
+                <a:cs typeface="Segoe UI" pitchFamily="34" charset="0"/>
+              </a:rPr>
+              <a:t>Replace with your initials and some numbers (must be globally unique</a:t>
+            </a:r>
+            <a:endParaRPr lang="en-NZ" sz="1100" spc="-50" dirty="0" err="1" smtClean="0">
+              <a:solidFill>
+                <a:schemeClr val="accent1"/>
+              </a:solidFill>
+              <a:latin typeface="Segoe UI" pitchFamily="34" charset="0"/>
+              <a:ea typeface="Segoe UI" pitchFamily="34" charset="0"/>
+              <a:cs typeface="Segoe UI" pitchFamily="34" charset="0"/>
+            </a:endParaRPr>
+          </a:p>
+        </p:txBody>
+      </p:sp>
+      <p:sp>
+        <p:nvSpPr>
+          <p:cNvPr id="6" name="Oval Callout 5"/>
+          <p:cNvSpPr/>
+          <p:nvPr/>
+        </p:nvSpPr>
+        <p:spPr bwMode="auto">
+          <a:xfrm>
+            <a:off x="9907957" y="5884134"/>
+            <a:ext cx="2223083" cy="645952"/>
+          </a:xfrm>
+          <a:prstGeom prst="wedgeEllipseCallout">
+            <a:avLst>
+              <a:gd name="adj1" fmla="val -62511"/>
+              <a:gd name="adj2" fmla="val -35139"/>
+            </a:avLst>
+          </a:prstGeom>
+          <a:ln>
+            <a:solidFill>
+              <a:srgbClr val="FF0000"/>
+            </a:solidFill>
+          </a:ln>
+        </p:spPr>
+        <p:style>
+          <a:lnRef idx="2">
+            <a:schemeClr val="accent1"/>
+          </a:lnRef>
+          <a:fillRef idx="1">
+            <a:schemeClr val="lt1"/>
+          </a:fillRef>
+          <a:effectRef idx="0">
+            <a:schemeClr val="accent1"/>
+          </a:effectRef>
+          <a:fontRef idx="minor">
+            <a:schemeClr val="dk1"/>
+          </a:fontRef>
+        </p:style>
+        <p:txBody>
+          <a:bodyPr rot="0" spcFirstLastPara="0" vertOverflow="overflow" horzOverflow="overflow" vert="horz" wrap="square" lIns="91440" tIns="548640" rIns="45720" bIns="91440" numCol="1" spcCol="0" rtlCol="0" fromWordArt="0" anchor="b" anchorCtr="0" forceAA="0" compatLnSpc="1">
+            <a:prstTxWarp prst="textNoShape">
+              <a:avLst/>
+            </a:prstTxWarp>
+            <a:noAutofit/>
+          </a:bodyPr>
+          <a:lstStyle/>
+          <a:p>
+            <a:pPr algn="ctr" defTabSz="914099" fontAlgn="base">
+              <a:spcBef>
+                <a:spcPct val="0"/>
+              </a:spcBef>
+              <a:spcAft>
+                <a:spcPct val="0"/>
+              </a:spcAft>
+            </a:pPr>
+            <a:r>
+              <a:rPr lang="en-US" sz="1100" spc="-50" dirty="0" smtClean="0">
+                <a:solidFill>
+                  <a:srgbClr val="FF0000"/>
+                </a:solidFill>
+                <a:latin typeface="Segoe UI" pitchFamily="34" charset="0"/>
+                <a:ea typeface="Segoe UI" pitchFamily="34" charset="0"/>
+                <a:cs typeface="Segoe UI" pitchFamily="34" charset="0"/>
+              </a:rPr>
+              <a:t>Optional for those using AAD</a:t>
+            </a:r>
+            <a:endParaRPr lang="en-NZ" sz="1100" spc="-50" dirty="0" err="1" smtClean="0">
+              <a:solidFill>
+                <a:srgbClr val="FF0000"/>
+              </a:solidFill>
+              <a:latin typeface="Segoe UI" pitchFamily="34" charset="0"/>
+              <a:ea typeface="Segoe UI" pitchFamily="34" charset="0"/>
+              <a:cs typeface="Segoe UI" pitchFamily="34" charset="0"/>
+            </a:endParaRPr>
+          </a:p>
+        </p:txBody>
+      </p:sp>
+    </p:spTree>
+    <p:extLst>
+      <p:ext uri="{BB962C8B-B14F-4D97-AF65-F5344CB8AC3E}">
+        <p14:creationId xmlns:p14="http://schemas.microsoft.com/office/powerpoint/2010/main" val="2910687074"/>
+      </p:ext>
+    </p:extLst>
+  </p:cSld>
+  <p:clrMapOvr>
+    <a:masterClrMapping/>
+  </p:clrMapOvr>
+  <p:transition>
+    <p:fade/>
+  </p:transition>
+  <p:timing>
+    <p:tnLst>
+      <p:par>
+        <p:cTn id="1" dur="indefinite" restart="never" nodeType="tmRoot"/>
+      </p:par>
+    </p:tnLst>
+  </p:timing>
+</p:sld>
+</file>
+
+<file path=ppt/slides/slide5.xml><?xml version="1.0" encoding="utf-8"?>
 <p:sld xmlns:a="http://schemas.openxmlformats.org/drawingml/2006/main" xmlns:r="http://schemas.openxmlformats.org/officeDocument/2006/relationships" xmlns:p="http://schemas.openxmlformats.org/presentationml/2006/main">
   <p:cSld>
     <p:spTree>
@@ -5735,7 +7032,7 @@
         </p:nvGraphicFramePr>
         <p:xfrm>
           <a:off x="519112" y="1447800"/>
-          <a:ext cx="11155680" cy="5256035"/>
+          <a:ext cx="11155680" cy="5270449"/>
         </p:xfrm>
         <a:graphic>
           <a:graphicData uri="http://schemas.openxmlformats.org/drawingml/2006/table">
@@ -6681,1205 +7978,6 @@
 </p:sld>
 </file>
 
-<file path=ppt/slides/slide4.xml><?xml version="1.0" encoding="utf-8"?>
-<p:sld xmlns:a="http://schemas.openxmlformats.org/drawingml/2006/main" xmlns:r="http://schemas.openxmlformats.org/officeDocument/2006/relationships" xmlns:p="http://schemas.openxmlformats.org/presentationml/2006/main">
-  <p:cSld>
-    <p:spTree>
-      <p:nvGrpSpPr>
-        <p:cNvPr id="1" name=""/>
-        <p:cNvGrpSpPr/>
-        <p:nvPr/>
-      </p:nvGrpSpPr>
-      <p:grpSpPr>
-        <a:xfrm>
-          <a:off x="0" y="0"/>
-          <a:ext cx="0" cy="0"/>
-          <a:chOff x="0" y="0"/>
-          <a:chExt cx="0" cy="0"/>
-        </a:xfrm>
-      </p:grpSpPr>
-      <p:sp>
-        <p:nvSpPr>
-          <p:cNvPr id="4" name="Title 3"/>
-          <p:cNvSpPr>
-            <a:spLocks noGrp="1"/>
-          </p:cNvSpPr>
-          <p:nvPr>
-            <p:ph type="title"/>
-          </p:nvPr>
-        </p:nvSpPr>
-        <p:spPr/>
-        <p:txBody>
-          <a:bodyPr/>
-          <a:lstStyle/>
-          <a:p>
-            <a:r>
-              <a:rPr lang="en-US" dirty="0" smtClean="0"/>
-              <a:t>Demo scenarios and install steps</a:t>
-            </a:r>
-            <a:endParaRPr lang="en-NZ" dirty="0"/>
-          </a:p>
-        </p:txBody>
-      </p:sp>
-      <p:graphicFrame>
-        <p:nvGraphicFramePr>
-          <p:cNvPr id="10" name="Content Placeholder 5"/>
-          <p:cNvGraphicFramePr>
-            <a:graphicFrameLocks noGrp="1"/>
-          </p:cNvGraphicFramePr>
-          <p:nvPr>
-            <p:ph idx="1"/>
-            <p:extLst>
-              <p:ext uri="{D42A27DB-BD31-4B8C-83A1-F6EECF244321}">
-                <p14:modId xmlns:p14="http://schemas.microsoft.com/office/powerpoint/2010/main" val="3362439822"/>
-              </p:ext>
-            </p:extLst>
-          </p:nvPr>
-        </p:nvGraphicFramePr>
-        <p:xfrm>
-          <a:off x="519113" y="1447800"/>
-          <a:ext cx="5487521" cy="5347468"/>
-        </p:xfrm>
-        <a:graphic>
-          <a:graphicData uri="http://schemas.openxmlformats.org/drawingml/2006/table">
-            <a:tbl>
-              <a:tblPr firstRow="1" bandRow="1">
-                <a:tableStyleId>{5C22544A-7EE6-4342-B048-85BDC9FD1C3A}</a:tableStyleId>
-              </a:tblPr>
-              <a:tblGrid>
-                <a:gridCol w="2433984">
-                  <a:extLst>
-                    <a:ext uri="{9D8B030D-6E8A-4147-A177-3AD203B41FA5}">
-                      <a16:colId xmlns:a16="http://schemas.microsoft.com/office/drawing/2014/main" val="20000"/>
-                    </a:ext>
-                  </a:extLst>
-                </a:gridCol>
-                <a:gridCol w="3053537">
-                  <a:extLst>
-                    <a:ext uri="{9D8B030D-6E8A-4147-A177-3AD203B41FA5}">
-                      <a16:colId xmlns:a16="http://schemas.microsoft.com/office/drawing/2014/main" val="20001"/>
-                    </a:ext>
-                  </a:extLst>
-                </a:gridCol>
-              </a:tblGrid>
-              <a:tr h="189293">
-                <a:tc>
-                  <a:txBody>
-                    <a:bodyPr/>
-                    <a:lstStyle/>
-                    <a:p>
-                      <a:pPr algn="ctr"/>
-                      <a:r>
-                        <a:rPr lang="en-US" sz="1400" dirty="0" smtClean="0"/>
-                        <a:t>Feature</a:t>
-                      </a:r>
-                      <a:endParaRPr lang="en-US" sz="1400" dirty="0"/>
-                    </a:p>
-                  </a:txBody>
-                  <a:tcPr marL="207284" marR="207284"/>
-                </a:tc>
-                <a:tc>
-                  <a:txBody>
-                    <a:bodyPr/>
-                    <a:lstStyle/>
-                    <a:p>
-                      <a:pPr algn="ctr"/>
-                      <a:r>
-                        <a:rPr lang="en-US" sz="1400" dirty="0" smtClean="0"/>
-                        <a:t>Story</a:t>
-                      </a:r>
-                      <a:endParaRPr lang="en-US" sz="1400" dirty="0"/>
-                    </a:p>
-                  </a:txBody>
-                  <a:tcPr marL="207284" marR="207284"/>
-                </a:tc>
-                <a:extLst>
-                  <a:ext uri="{0D108BD9-81ED-4DB2-BD59-A6C34878D82A}">
-                    <a16:rowId xmlns:a16="http://schemas.microsoft.com/office/drawing/2014/main" val="10000"/>
-                  </a:ext>
-                </a:extLst>
-              </a:tr>
-              <a:tr h="256032">
-                <a:tc>
-                  <a:txBody>
-                    <a:bodyPr/>
-                    <a:lstStyle/>
-                    <a:p>
-                      <a:pPr marL="0" marR="0" indent="0" algn="l" defTabSz="914400" rtl="0" eaLnBrk="1" fontAlgn="auto" latinLnBrk="0" hangingPunct="1">
-                        <a:lnSpc>
-                          <a:spcPct val="100000"/>
-                        </a:lnSpc>
-                        <a:spcBef>
-                          <a:spcPts val="0"/>
-                        </a:spcBef>
-                        <a:spcAft>
-                          <a:spcPts val="0"/>
-                        </a:spcAft>
-                        <a:buClrTx/>
-                        <a:buSzTx/>
-                        <a:buFontTx/>
-                        <a:buNone/>
-                        <a:tabLst/>
-                        <a:defRPr/>
-                      </a:pPr>
-                      <a:r>
-                        <a:rPr lang="en-US" sz="1400" b="0" dirty="0" smtClean="0"/>
-                        <a:t>Connectivity</a:t>
-                      </a:r>
-                      <a:endParaRPr lang="en-US" sz="1400" b="0" dirty="0" smtClean="0"/>
-                    </a:p>
-                  </a:txBody>
-                  <a:tcPr marL="207284" marR="207284"/>
-                </a:tc>
-                <a:tc>
-                  <a:txBody>
-                    <a:bodyPr/>
-                    <a:lstStyle/>
-                    <a:p>
-                      <a:pPr marL="0" marR="0" lvl="1" indent="0" algn="l" defTabSz="914400" rtl="0" eaLnBrk="1" fontAlgn="auto" latinLnBrk="0" hangingPunct="1">
-                        <a:lnSpc>
-                          <a:spcPct val="100000"/>
-                        </a:lnSpc>
-                        <a:spcBef>
-                          <a:spcPts val="0"/>
-                        </a:spcBef>
-                        <a:spcAft>
-                          <a:spcPts val="0"/>
-                        </a:spcAft>
-                        <a:buClrTx/>
-                        <a:buSzTx/>
-                        <a:buFontTx/>
-                        <a:buNone/>
-                        <a:tabLst/>
-                        <a:defRPr/>
-                      </a:pPr>
-                      <a:r>
-                        <a:rPr lang="en-US" sz="1400" dirty="0" smtClean="0"/>
-                        <a:t>Connect via SSMS to verify DBs</a:t>
-                      </a:r>
-                    </a:p>
-                  </a:txBody>
-                  <a:tcPr marL="207284" marR="207284"/>
-                </a:tc>
-                <a:extLst>
-                  <a:ext uri="{0D108BD9-81ED-4DB2-BD59-A6C34878D82A}">
-                    <a16:rowId xmlns:a16="http://schemas.microsoft.com/office/drawing/2014/main" val="2739472372"/>
-                  </a:ext>
-                </a:extLst>
-              </a:tr>
-              <a:tr h="256032">
-                <a:tc>
-                  <a:txBody>
-                    <a:bodyPr/>
-                    <a:lstStyle/>
-                    <a:p>
-                      <a:pPr marL="0" marR="0" indent="0" algn="l" defTabSz="914400" rtl="0" eaLnBrk="1" fontAlgn="auto" latinLnBrk="0" hangingPunct="1">
-                        <a:lnSpc>
-                          <a:spcPct val="100000"/>
-                        </a:lnSpc>
-                        <a:spcBef>
-                          <a:spcPts val="0"/>
-                        </a:spcBef>
-                        <a:spcAft>
-                          <a:spcPts val="0"/>
-                        </a:spcAft>
-                        <a:buClrTx/>
-                        <a:buSzTx/>
-                        <a:buFontTx/>
-                        <a:buNone/>
-                        <a:tabLst/>
-                        <a:defRPr/>
-                      </a:pPr>
-                      <a:r>
-                        <a:rPr lang="en-US" sz="1400" b="0" dirty="0" smtClean="0"/>
-                        <a:t>Ticket purchase</a:t>
-                      </a:r>
-                    </a:p>
-                  </a:txBody>
-                  <a:tcPr marL="207284" marR="207284"/>
-                </a:tc>
-                <a:tc>
-                  <a:txBody>
-                    <a:bodyPr/>
-                    <a:lstStyle/>
-                    <a:p>
-                      <a:pPr marL="0" marR="0" lvl="1" indent="0" algn="l" defTabSz="914400" rtl="0" eaLnBrk="1" fontAlgn="auto" latinLnBrk="0" hangingPunct="1">
-                        <a:lnSpc>
-                          <a:spcPct val="100000"/>
-                        </a:lnSpc>
-                        <a:spcBef>
-                          <a:spcPts val="0"/>
-                        </a:spcBef>
-                        <a:spcAft>
-                          <a:spcPts val="0"/>
-                        </a:spcAft>
-                        <a:buClrTx/>
-                        <a:buSzTx/>
-                        <a:buFontTx/>
-                        <a:buNone/>
-                        <a:tabLst/>
-                        <a:defRPr/>
-                      </a:pPr>
-                      <a:r>
-                        <a:rPr lang="en-US" sz="1400" dirty="0" smtClean="0"/>
-                        <a:t>WTT is a real live Azure</a:t>
-                      </a:r>
-                      <a:r>
-                        <a:rPr lang="en-US" sz="1400" baseline="0" dirty="0" smtClean="0"/>
-                        <a:t> app</a:t>
-                      </a:r>
-                      <a:endParaRPr lang="en-US" sz="1400" dirty="0" smtClean="0"/>
-                    </a:p>
-                  </a:txBody>
-                  <a:tcPr marL="207284" marR="207284"/>
-                </a:tc>
-                <a:extLst>
-                  <a:ext uri="{0D108BD9-81ED-4DB2-BD59-A6C34878D82A}">
-                    <a16:rowId xmlns:a16="http://schemas.microsoft.com/office/drawing/2014/main" val="753878618"/>
-                  </a:ext>
-                </a:extLst>
-              </a:tr>
-              <a:tr h="256032">
-                <a:tc>
-                  <a:txBody>
-                    <a:bodyPr/>
-                    <a:lstStyle/>
-                    <a:p>
-                      <a:pPr marL="0" marR="0" indent="0" algn="l" defTabSz="914400" rtl="0" eaLnBrk="1" fontAlgn="auto" latinLnBrk="0" hangingPunct="1">
-                        <a:lnSpc>
-                          <a:spcPct val="100000"/>
-                        </a:lnSpc>
-                        <a:spcBef>
-                          <a:spcPts val="0"/>
-                        </a:spcBef>
-                        <a:spcAft>
-                          <a:spcPts val="0"/>
-                        </a:spcAft>
-                        <a:buClrTx/>
-                        <a:buSzTx/>
-                        <a:buFontTx/>
-                        <a:buNone/>
-                        <a:tabLst/>
-                        <a:defRPr/>
-                      </a:pPr>
-                      <a:r>
-                        <a:rPr lang="en-US" sz="1400" b="0" dirty="0" smtClean="0"/>
-                        <a:t>Pay</a:t>
-                      </a:r>
-                      <a:r>
-                        <a:rPr lang="en-US" sz="1400" b="0" baseline="0" dirty="0" smtClean="0"/>
-                        <a:t> as you go</a:t>
-                      </a:r>
-                      <a:endParaRPr lang="en-US" sz="1400" b="0" dirty="0" smtClean="0"/>
-                    </a:p>
-                  </a:txBody>
-                  <a:tcPr marL="207284" marR="207284"/>
-                </a:tc>
-                <a:tc>
-                  <a:txBody>
-                    <a:bodyPr/>
-                    <a:lstStyle/>
-                    <a:p>
-                      <a:pPr marL="0" marR="0" lvl="1" indent="0" algn="l" defTabSz="914400" rtl="0" eaLnBrk="1" fontAlgn="auto" latinLnBrk="0" hangingPunct="1">
-                        <a:lnSpc>
-                          <a:spcPct val="100000"/>
-                        </a:lnSpc>
-                        <a:spcBef>
-                          <a:spcPts val="0"/>
-                        </a:spcBef>
-                        <a:spcAft>
-                          <a:spcPts val="0"/>
-                        </a:spcAft>
-                        <a:buClrTx/>
-                        <a:buSzTx/>
-                        <a:buFontTx/>
-                        <a:buNone/>
-                        <a:tabLst/>
-                        <a:defRPr/>
-                      </a:pPr>
-                      <a:r>
-                        <a:rPr lang="en-US" sz="1400" dirty="0" smtClean="0"/>
-                        <a:t>Create a DB in seconds</a:t>
-                      </a:r>
-                      <a:endParaRPr lang="en-US" sz="1400" dirty="0" smtClean="0"/>
-                    </a:p>
-                  </a:txBody>
-                  <a:tcPr marL="207284" marR="207284"/>
-                </a:tc>
-                <a:extLst>
-                  <a:ext uri="{0D108BD9-81ED-4DB2-BD59-A6C34878D82A}">
-                    <a16:rowId xmlns:a16="http://schemas.microsoft.com/office/drawing/2014/main" val="499834776"/>
-                  </a:ext>
-                </a:extLst>
-              </a:tr>
-              <a:tr h="256032">
-                <a:tc>
-                  <a:txBody>
-                    <a:bodyPr/>
-                    <a:lstStyle/>
-                    <a:p>
-                      <a:pPr marL="0" marR="0" indent="0" algn="l" defTabSz="914400" rtl="0" eaLnBrk="1" fontAlgn="auto" latinLnBrk="0" hangingPunct="1">
-                        <a:lnSpc>
-                          <a:spcPct val="100000"/>
-                        </a:lnSpc>
-                        <a:spcBef>
-                          <a:spcPts val="0"/>
-                        </a:spcBef>
-                        <a:spcAft>
-                          <a:spcPts val="0"/>
-                        </a:spcAft>
-                        <a:buClrTx/>
-                        <a:buSzTx/>
-                        <a:buFontTx/>
-                        <a:buNone/>
-                        <a:tabLst/>
-                        <a:defRPr/>
-                      </a:pPr>
-                      <a:r>
-                        <a:rPr lang="en-US" sz="1400" dirty="0" smtClean="0"/>
-                        <a:t>Vertical Scaling</a:t>
-                      </a:r>
-                      <a:endParaRPr lang="en-US" sz="1400" b="0" dirty="0" smtClean="0"/>
-                    </a:p>
-                  </a:txBody>
-                  <a:tcPr marL="207284" marR="207284"/>
-                </a:tc>
-                <a:tc>
-                  <a:txBody>
-                    <a:bodyPr/>
-                    <a:lstStyle/>
-                    <a:p>
-                      <a:pPr marL="0" marR="0" lvl="1" indent="0" algn="l" defTabSz="914400" rtl="0" eaLnBrk="1" fontAlgn="auto" latinLnBrk="0" hangingPunct="1">
-                        <a:lnSpc>
-                          <a:spcPct val="100000"/>
-                        </a:lnSpc>
-                        <a:spcBef>
-                          <a:spcPts val="0"/>
-                        </a:spcBef>
-                        <a:spcAft>
-                          <a:spcPts val="0"/>
-                        </a:spcAft>
-                        <a:buClrTx/>
-                        <a:buSzTx/>
-                        <a:buFontTx/>
-                        <a:buNone/>
-                        <a:tabLst/>
-                        <a:defRPr/>
-                      </a:pPr>
-                      <a:r>
-                        <a:rPr lang="en-US" sz="1400" dirty="0" smtClean="0"/>
-                        <a:t>Anticipation of a big name artist in a specific city</a:t>
-                      </a:r>
-                    </a:p>
-                  </a:txBody>
-                  <a:tcPr marL="207284" marR="207284"/>
-                </a:tc>
-                <a:extLst>
-                  <a:ext uri="{0D108BD9-81ED-4DB2-BD59-A6C34878D82A}">
-                    <a16:rowId xmlns:a16="http://schemas.microsoft.com/office/drawing/2014/main" val="10001"/>
-                  </a:ext>
-                </a:extLst>
-              </a:tr>
-              <a:tr h="525799">
-                <a:tc>
-                  <a:txBody>
-                    <a:bodyPr/>
-                    <a:lstStyle/>
-                    <a:p>
-                      <a:pPr marL="0" marR="0" indent="0" algn="l" defTabSz="914400" rtl="0" eaLnBrk="1" fontAlgn="auto" latinLnBrk="0" hangingPunct="1">
-                        <a:lnSpc>
-                          <a:spcPct val="100000"/>
-                        </a:lnSpc>
-                        <a:spcBef>
-                          <a:spcPts val="0"/>
-                        </a:spcBef>
-                        <a:spcAft>
-                          <a:spcPts val="0"/>
-                        </a:spcAft>
-                        <a:buClrTx/>
-                        <a:buSzTx/>
-                        <a:buFontTx/>
-                        <a:buNone/>
-                        <a:tabLst/>
-                        <a:defRPr/>
-                      </a:pPr>
-                      <a:r>
-                        <a:rPr lang="en-US" sz="1400" dirty="0" smtClean="0"/>
-                        <a:t>Elastic Database</a:t>
-                      </a:r>
-                      <a:r>
-                        <a:rPr lang="en-US" sz="1400" baseline="0" dirty="0" smtClean="0"/>
-                        <a:t> Pools</a:t>
-                      </a:r>
-                      <a:endParaRPr lang="en-US" sz="1400" dirty="0" smtClean="0"/>
-                    </a:p>
-                  </a:txBody>
-                  <a:tcPr marL="207284" marR="207284"/>
-                </a:tc>
-                <a:tc>
-                  <a:txBody>
-                    <a:bodyPr/>
-                    <a:lstStyle/>
-                    <a:p>
-                      <a:pPr marL="0" marR="0" lvl="1" indent="0" algn="l" defTabSz="914400" rtl="0" eaLnBrk="1" fontAlgn="auto" latinLnBrk="0" hangingPunct="1">
-                        <a:lnSpc>
-                          <a:spcPct val="100000"/>
-                        </a:lnSpc>
-                        <a:spcBef>
-                          <a:spcPts val="0"/>
-                        </a:spcBef>
-                        <a:spcAft>
-                          <a:spcPts val="0"/>
-                        </a:spcAft>
-                        <a:buClrTx/>
-                        <a:buSzTx/>
-                        <a:buFontTx/>
-                        <a:buNone/>
-                        <a:tabLst/>
-                        <a:defRPr/>
-                      </a:pPr>
-                      <a:r>
-                        <a:rPr lang="en-US" sz="1400" dirty="0" smtClean="0"/>
-                        <a:t>Anticipation of a big name artist country wide with sale on same day</a:t>
-                      </a:r>
-                    </a:p>
-                  </a:txBody>
-                  <a:tcPr marL="207284" marR="207284"/>
-                </a:tc>
-                <a:extLst>
-                  <a:ext uri="{0D108BD9-81ED-4DB2-BD59-A6C34878D82A}">
-                    <a16:rowId xmlns:a16="http://schemas.microsoft.com/office/drawing/2014/main" val="10002"/>
-                  </a:ext>
-                </a:extLst>
-              </a:tr>
-              <a:tr h="592588">
-                <a:tc>
-                  <a:txBody>
-                    <a:bodyPr/>
-                    <a:lstStyle/>
-                    <a:p>
-                      <a:pPr marL="0" marR="0" indent="0" algn="l" defTabSz="914400" rtl="0" eaLnBrk="1" fontAlgn="auto" latinLnBrk="0" hangingPunct="1">
-                        <a:lnSpc>
-                          <a:spcPct val="100000"/>
-                        </a:lnSpc>
-                        <a:spcBef>
-                          <a:spcPts val="0"/>
-                        </a:spcBef>
-                        <a:spcAft>
-                          <a:spcPts val="0"/>
-                        </a:spcAft>
-                        <a:buClrTx/>
-                        <a:buSzTx/>
-                        <a:buFontTx/>
-                        <a:buNone/>
-                        <a:tabLst/>
-                        <a:defRPr/>
-                      </a:pPr>
-                      <a:r>
-                        <a:rPr lang="en-US" sz="1400" dirty="0" smtClean="0"/>
-                        <a:t>Auditing</a:t>
-                      </a:r>
-                    </a:p>
-                  </a:txBody>
-                  <a:tcPr marL="207284" marR="207284"/>
-                </a:tc>
-                <a:tc>
-                  <a:txBody>
-                    <a:bodyPr/>
-                    <a:lstStyle/>
-                    <a:p>
-                      <a:pPr marL="0" marR="0" lvl="1" indent="0" algn="l" defTabSz="914400" rtl="0" eaLnBrk="1" fontAlgn="auto" latinLnBrk="0" hangingPunct="1">
-                        <a:lnSpc>
-                          <a:spcPct val="100000"/>
-                        </a:lnSpc>
-                        <a:spcBef>
-                          <a:spcPts val="0"/>
-                        </a:spcBef>
-                        <a:spcAft>
-                          <a:spcPts val="0"/>
-                        </a:spcAft>
-                        <a:buClrTx/>
-                        <a:buSzTx/>
-                        <a:buFontTx/>
-                        <a:buNone/>
-                        <a:tabLst/>
-                        <a:defRPr/>
-                      </a:pPr>
-                      <a:r>
-                        <a:rPr lang="en-US" sz="1400" dirty="0" smtClean="0"/>
-                        <a:t>Key</a:t>
-                      </a:r>
-                      <a:r>
-                        <a:rPr lang="en-US" sz="1400" baseline="0" dirty="0" smtClean="0"/>
-                        <a:t> A</a:t>
-                      </a:r>
-                      <a:r>
-                        <a:rPr lang="en-US" sz="1400" dirty="0" smtClean="0"/>
-                        <a:t>rena</a:t>
-                      </a:r>
-                      <a:r>
-                        <a:rPr lang="en-US" sz="1400" baseline="0" dirty="0" smtClean="0"/>
-                        <a:t> DB mysteriously vanished</a:t>
-                      </a:r>
-                      <a:endParaRPr lang="en-US" sz="1400" dirty="0" smtClean="0"/>
-                    </a:p>
-                  </a:txBody>
-                  <a:tcPr marL="207284" marR="207284"/>
-                </a:tc>
-                <a:extLst>
-                  <a:ext uri="{0D108BD9-81ED-4DB2-BD59-A6C34878D82A}">
-                    <a16:rowId xmlns:a16="http://schemas.microsoft.com/office/drawing/2014/main" val="10003"/>
-                  </a:ext>
-                </a:extLst>
-              </a:tr>
-              <a:tr h="182880">
-                <a:tc>
-                  <a:txBody>
-                    <a:bodyPr/>
-                    <a:lstStyle/>
-                    <a:p>
-                      <a:pPr marL="0" marR="0" indent="0" algn="l" defTabSz="914400" rtl="0" eaLnBrk="1" fontAlgn="auto" latinLnBrk="0" hangingPunct="1">
-                        <a:lnSpc>
-                          <a:spcPct val="100000"/>
-                        </a:lnSpc>
-                        <a:spcBef>
-                          <a:spcPts val="0"/>
-                        </a:spcBef>
-                        <a:spcAft>
-                          <a:spcPts val="0"/>
-                        </a:spcAft>
-                        <a:buClrTx/>
-                        <a:buSzTx/>
-                        <a:buFontTx/>
-                        <a:buNone/>
-                        <a:tabLst/>
-                        <a:defRPr/>
-                      </a:pPr>
-                      <a:r>
-                        <a:rPr lang="en-US" sz="1400" dirty="0" smtClean="0"/>
-                        <a:t>Point-in-time restore</a:t>
-                      </a:r>
-                    </a:p>
-                  </a:txBody>
-                  <a:tcPr marL="207284" marR="207284"/>
-                </a:tc>
-                <a:tc>
-                  <a:txBody>
-                    <a:bodyPr/>
-                    <a:lstStyle/>
-                    <a:p>
-                      <a:r>
-                        <a:rPr lang="en-US" sz="1400" dirty="0" smtClean="0"/>
-                        <a:t>Accidental</a:t>
-                      </a:r>
-                      <a:r>
-                        <a:rPr lang="en-US" sz="1400" baseline="0" dirty="0" smtClean="0"/>
-                        <a:t> DB deletion</a:t>
-                      </a:r>
-                    </a:p>
-                  </a:txBody>
-                  <a:tcPr marL="207284" marR="207284"/>
-                </a:tc>
-                <a:extLst>
-                  <a:ext uri="{0D108BD9-81ED-4DB2-BD59-A6C34878D82A}">
-                    <a16:rowId xmlns:a16="http://schemas.microsoft.com/office/drawing/2014/main" val="10004"/>
-                  </a:ext>
-                </a:extLst>
-              </a:tr>
-              <a:tr h="182880">
-                <a:tc>
-                  <a:txBody>
-                    <a:bodyPr/>
-                    <a:lstStyle/>
-                    <a:p>
-                      <a:r>
-                        <a:rPr lang="en-US" sz="1400" dirty="0" smtClean="0"/>
-                        <a:t>Geographic disaster recovery</a:t>
-                      </a:r>
-                    </a:p>
-                  </a:txBody>
-                  <a:tcPr marL="207284" marR="207284"/>
-                </a:tc>
-                <a:tc>
-                  <a:txBody>
-                    <a:bodyPr/>
-                    <a:lstStyle/>
-                    <a:p>
-                      <a:pPr marL="0" marR="0" lvl="1" indent="0" algn="l" defTabSz="914400" rtl="0" eaLnBrk="1" fontAlgn="auto" latinLnBrk="0" hangingPunct="1">
-                        <a:lnSpc>
-                          <a:spcPct val="100000"/>
-                        </a:lnSpc>
-                        <a:spcBef>
-                          <a:spcPts val="0"/>
-                        </a:spcBef>
-                        <a:spcAft>
-                          <a:spcPts val="0"/>
-                        </a:spcAft>
-                        <a:buClrTx/>
-                        <a:buSzTx/>
-                        <a:buFontTx/>
-                        <a:buNone/>
-                        <a:tabLst/>
-                        <a:defRPr/>
-                      </a:pPr>
-                      <a:r>
-                        <a:rPr lang="en-US" sz="1400" dirty="0" smtClean="0"/>
-                        <a:t>Server in a datacenter goes down</a:t>
-                      </a:r>
-                    </a:p>
-                  </a:txBody>
-                  <a:tcPr marL="207284" marR="207284"/>
-                </a:tc>
-                <a:extLst>
-                  <a:ext uri="{0D108BD9-81ED-4DB2-BD59-A6C34878D82A}">
-                    <a16:rowId xmlns:a16="http://schemas.microsoft.com/office/drawing/2014/main" val="2248212393"/>
-                  </a:ext>
-                </a:extLst>
-              </a:tr>
-              <a:tr h="182880">
-                <a:tc>
-                  <a:txBody>
-                    <a:bodyPr/>
-                    <a:lstStyle/>
-                    <a:p>
-                      <a:pPr marL="0" marR="0" indent="0" algn="l" defTabSz="914400" rtl="0" eaLnBrk="1" fontAlgn="auto" latinLnBrk="0" hangingPunct="1">
-                        <a:lnSpc>
-                          <a:spcPct val="100000"/>
-                        </a:lnSpc>
-                        <a:spcBef>
-                          <a:spcPts val="0"/>
-                        </a:spcBef>
-                        <a:spcAft>
-                          <a:spcPts val="0"/>
-                        </a:spcAft>
-                        <a:buClrTx/>
-                        <a:buSzTx/>
-                        <a:buFontTx/>
-                        <a:buNone/>
-                        <a:tabLst/>
-                        <a:defRPr/>
-                      </a:pPr>
-                      <a:r>
-                        <a:rPr lang="en-US" sz="1400" dirty="0" smtClean="0"/>
-                        <a:t>Transparent Data Encryption</a:t>
-                      </a:r>
-                      <a:endParaRPr lang="en-US" sz="1400" dirty="0" smtClean="0"/>
-                    </a:p>
-                  </a:txBody>
-                  <a:tcPr marL="207284" marR="207284"/>
-                </a:tc>
-                <a:tc>
-                  <a:txBody>
-                    <a:bodyPr/>
-                    <a:lstStyle/>
-                    <a:p>
-                      <a:r>
-                        <a:rPr lang="en-US" sz="1400" dirty="0" smtClean="0">
-                          <a:solidFill>
-                            <a:schemeClr val="tx1"/>
-                          </a:solidFill>
-                        </a:rPr>
-                        <a:t>Encrypt sensitive data when stored in</a:t>
-                      </a:r>
-                      <a:r>
-                        <a:rPr lang="en-US" sz="1400" baseline="0" dirty="0" smtClean="0">
-                          <a:solidFill>
-                            <a:schemeClr val="tx1"/>
-                          </a:solidFill>
-                        </a:rPr>
-                        <a:t> a database</a:t>
-                      </a:r>
-                      <a:endParaRPr lang="en-US" sz="1400" dirty="0">
-                        <a:solidFill>
-                          <a:schemeClr val="tx1"/>
-                        </a:solidFill>
-                      </a:endParaRPr>
-                    </a:p>
-                  </a:txBody>
-                  <a:tcPr marL="207284" marR="207284"/>
-                </a:tc>
-                <a:extLst>
-                  <a:ext uri="{0D108BD9-81ED-4DB2-BD59-A6C34878D82A}">
-                    <a16:rowId xmlns:a16="http://schemas.microsoft.com/office/drawing/2014/main" val="3736867791"/>
-                  </a:ext>
-                </a:extLst>
-              </a:tr>
-              <a:tr h="182880">
-                <a:tc>
-                  <a:txBody>
-                    <a:bodyPr/>
-                    <a:lstStyle/>
-                    <a:p>
-                      <a:pPr marL="0" marR="0" indent="0" algn="l" defTabSz="914400" rtl="0" eaLnBrk="1" fontAlgn="auto" latinLnBrk="0" hangingPunct="1">
-                        <a:lnSpc>
-                          <a:spcPct val="100000"/>
-                        </a:lnSpc>
-                        <a:spcBef>
-                          <a:spcPts val="0"/>
-                        </a:spcBef>
-                        <a:spcAft>
-                          <a:spcPts val="0"/>
-                        </a:spcAft>
-                        <a:buClrTx/>
-                        <a:buSzTx/>
-                        <a:buFontTx/>
-                        <a:buNone/>
-                        <a:tabLst/>
-                        <a:defRPr/>
-                      </a:pPr>
-                      <a:r>
-                        <a:rPr lang="en-US" sz="1400" dirty="0" smtClean="0"/>
-                        <a:t>Azure Search</a:t>
-                      </a:r>
-                      <a:endParaRPr lang="en-US" sz="1400" dirty="0" smtClean="0"/>
-                    </a:p>
-                  </a:txBody>
-                  <a:tcPr marL="207284" marR="207284"/>
-                </a:tc>
-                <a:tc>
-                  <a:txBody>
-                    <a:bodyPr/>
-                    <a:lstStyle/>
-                    <a:p>
-                      <a:r>
-                        <a:rPr lang="en-US" sz="1400" dirty="0" smtClean="0"/>
-                        <a:t>What if I want an automated wa</a:t>
-                      </a:r>
-                      <a:r>
-                        <a:rPr lang="en-US" sz="1400" baseline="0" dirty="0" smtClean="0"/>
-                        <a:t>y to assess my historical usage and recommend DB size, SKU size, expected usage etc?</a:t>
-                      </a:r>
-                      <a:endParaRPr lang="en-US" sz="1400" dirty="0">
-                        <a:solidFill>
-                          <a:schemeClr val="tx1"/>
-                        </a:solidFill>
-                      </a:endParaRPr>
-                    </a:p>
-                  </a:txBody>
-                  <a:tcPr marL="207284" marR="207284"/>
-                </a:tc>
-                <a:extLst>
-                  <a:ext uri="{0D108BD9-81ED-4DB2-BD59-A6C34878D82A}">
-                    <a16:rowId xmlns:a16="http://schemas.microsoft.com/office/drawing/2014/main" val="2381509833"/>
-                  </a:ext>
-                </a:extLst>
-              </a:tr>
-            </a:tbl>
-          </a:graphicData>
-        </a:graphic>
-      </p:graphicFrame>
-      <p:sp>
-        <p:nvSpPr>
-          <p:cNvPr id="12" name="Content Placeholder 11"/>
-          <p:cNvSpPr>
-            <a:spLocks noGrp="1"/>
-          </p:cNvSpPr>
-          <p:nvPr>
-            <p:ph idx="10"/>
-          </p:nvPr>
-        </p:nvSpPr>
-        <p:spPr>
-          <a:xfrm>
-            <a:off x="6184350" y="1464273"/>
-            <a:ext cx="5487697" cy="4244239"/>
-          </a:xfrm>
-        </p:spPr>
-        <p:txBody>
-          <a:bodyPr/>
-          <a:lstStyle/>
-          <a:p>
-            <a:pPr lvl="0"/>
-            <a:r>
-              <a:rPr lang="en-US" sz="2000" dirty="0" smtClean="0"/>
-              <a:t>Launch Azure PowerShell (as an administrator)</a:t>
-            </a:r>
-            <a:endParaRPr lang="en-NZ" sz="2000" dirty="0" smtClean="0"/>
-          </a:p>
-          <a:p>
-            <a:pPr lvl="1"/>
-            <a:r>
-              <a:rPr lang="en-US" sz="1800" dirty="0" smtClean="0"/>
-              <a:t>Add-</a:t>
-            </a:r>
-            <a:r>
-              <a:rPr lang="en-US" sz="1800" dirty="0" err="1" smtClean="0"/>
-              <a:t>AzureAccount</a:t>
-            </a:r>
-            <a:endParaRPr lang="en-NZ" sz="1800" dirty="0" smtClean="0"/>
-          </a:p>
-          <a:p>
-            <a:pPr lvl="1"/>
-            <a:r>
-              <a:rPr lang="en-US" sz="1800" dirty="0" smtClean="0"/>
-              <a:t>Select-</a:t>
-            </a:r>
-            <a:r>
-              <a:rPr lang="en-US" sz="1800" dirty="0" err="1" smtClean="0"/>
-              <a:t>AzureSubscription</a:t>
-            </a:r>
-            <a:r>
-              <a:rPr lang="en-US" sz="1800" dirty="0" smtClean="0"/>
-              <a:t> –</a:t>
-            </a:r>
-            <a:r>
-              <a:rPr lang="en-US" sz="1800" dirty="0" err="1" smtClean="0"/>
-              <a:t>SubscriptionId</a:t>
-            </a:r>
-            <a:r>
-              <a:rPr lang="en-US" sz="1800" dirty="0" smtClean="0"/>
-              <a:t> &lt;provide your subscription that you want to use&gt;</a:t>
-            </a:r>
-            <a:endParaRPr lang="en-NZ" sz="1800" dirty="0" smtClean="0"/>
-          </a:p>
-          <a:p>
-            <a:pPr lvl="1"/>
-            <a:r>
-              <a:rPr lang="en-US" sz="1800" dirty="0" smtClean="0"/>
-              <a:t>Set-</a:t>
-            </a:r>
-            <a:r>
-              <a:rPr lang="en-US" sz="1800" dirty="0" err="1" smtClean="0"/>
-              <a:t>ExecutionPolicy</a:t>
-            </a:r>
-            <a:r>
-              <a:rPr lang="en-US" sz="1800" dirty="0" smtClean="0"/>
-              <a:t> -Scope </a:t>
-            </a:r>
-            <a:r>
-              <a:rPr lang="en-US" sz="1800" dirty="0" err="1" smtClean="0"/>
-              <a:t>LocalMachine</a:t>
-            </a:r>
-            <a:r>
-              <a:rPr lang="en-US" sz="1800" dirty="0" smtClean="0"/>
-              <a:t> -</a:t>
-            </a:r>
-            <a:r>
-              <a:rPr lang="en-US" sz="1800" dirty="0" err="1" smtClean="0"/>
-              <a:t>ExecutionPolicy</a:t>
-            </a:r>
-            <a:r>
-              <a:rPr lang="en-US" sz="1800" dirty="0" smtClean="0"/>
-              <a:t> Unrestricted –Force</a:t>
-            </a:r>
-            <a:endParaRPr lang="en-NZ" sz="1800" dirty="0" smtClean="0"/>
-          </a:p>
-          <a:p>
-            <a:pPr lvl="0"/>
-            <a:r>
-              <a:rPr lang="en-US" sz="2000" dirty="0" smtClean="0"/>
-              <a:t>Switch to the directory where you unzipped scripts.zip e.g. c:\scripts</a:t>
-            </a:r>
-            <a:endParaRPr lang="en-NZ" sz="2000" dirty="0" smtClean="0"/>
-          </a:p>
-          <a:p>
-            <a:pPr lvl="1"/>
-            <a:r>
-              <a:rPr lang="en-US" sz="1800" dirty="0" smtClean="0"/>
-              <a:t>Unblock-file .\New-WTTEnvironment.ps1</a:t>
-            </a:r>
-            <a:endParaRPr lang="en-NZ" sz="1800" dirty="0" smtClean="0"/>
-          </a:p>
-          <a:p>
-            <a:pPr lvl="1"/>
-            <a:r>
-              <a:rPr lang="en-US" sz="1800" dirty="0" smtClean="0"/>
-              <a:t>. .\New-WTTEnvironment.ps1</a:t>
-            </a:r>
-            <a:endParaRPr lang="en-NZ" sz="1800" dirty="0" smtClean="0"/>
-          </a:p>
-          <a:p>
-            <a:pPr lvl="1"/>
-            <a:r>
-              <a:rPr lang="en-US" sz="1800" dirty="0" smtClean="0"/>
-              <a:t>New-</a:t>
-            </a:r>
-            <a:r>
-              <a:rPr lang="en-US" sz="1800" dirty="0" err="1" smtClean="0"/>
-              <a:t>WTTEnvironment</a:t>
-            </a:r>
-            <a:r>
-              <a:rPr lang="en-US" sz="1800" dirty="0" smtClean="0"/>
-              <a:t> -</a:t>
-            </a:r>
-            <a:r>
-              <a:rPr lang="en-US" sz="1800" dirty="0" err="1" smtClean="0"/>
-              <a:t>WTTEnvironmentApplicationName</a:t>
-            </a:r>
-            <a:r>
-              <a:rPr lang="en-US" sz="1800" dirty="0" smtClean="0"/>
-              <a:t> </a:t>
-            </a:r>
-            <a:r>
-              <a:rPr lang="en-US" sz="1800" dirty="0" smtClean="0">
-                <a:solidFill>
-                  <a:srgbClr val="FF0000"/>
-                </a:solidFill>
-              </a:rPr>
-              <a:t>xx00</a:t>
-            </a:r>
-            <a:r>
-              <a:rPr lang="en-US" sz="1800" dirty="0" smtClean="0"/>
-              <a:t>julieandtheplantes</a:t>
-            </a:r>
-            <a:endParaRPr lang="en-NZ" sz="1800" dirty="0" smtClean="0"/>
-          </a:p>
-        </p:txBody>
-      </p:sp>
-      <p:sp>
-        <p:nvSpPr>
-          <p:cNvPr id="17" name="Oval Callout 16"/>
-          <p:cNvSpPr/>
-          <p:nvPr/>
-        </p:nvSpPr>
-        <p:spPr bwMode="auto">
-          <a:xfrm>
-            <a:off x="7055141" y="5813571"/>
-            <a:ext cx="2223083" cy="645952"/>
-          </a:xfrm>
-          <a:prstGeom prst="wedgeEllipseCallout">
-            <a:avLst>
-              <a:gd name="adj1" fmla="val -49890"/>
-              <a:gd name="adj2" fmla="val -60877"/>
-            </a:avLst>
-          </a:prstGeom>
-          <a:ln/>
-        </p:spPr>
-        <p:style>
-          <a:lnRef idx="2">
-            <a:schemeClr val="accent1"/>
-          </a:lnRef>
-          <a:fillRef idx="1">
-            <a:schemeClr val="lt1"/>
-          </a:fillRef>
-          <a:effectRef idx="0">
-            <a:schemeClr val="accent1"/>
-          </a:effectRef>
-          <a:fontRef idx="minor">
-            <a:schemeClr val="dk1"/>
-          </a:fontRef>
-        </p:style>
-        <p:txBody>
-          <a:bodyPr rot="0" spcFirstLastPara="0" vertOverflow="overflow" horzOverflow="overflow" vert="horz" wrap="square" lIns="91440" tIns="548640" rIns="45720" bIns="91440" numCol="1" spcCol="0" rtlCol="0" fromWordArt="0" anchor="b" anchorCtr="0" forceAA="0" compatLnSpc="1">
-            <a:prstTxWarp prst="textNoShape">
-              <a:avLst/>
-            </a:prstTxWarp>
-            <a:noAutofit/>
-          </a:bodyPr>
-          <a:lstStyle/>
-          <a:p>
-            <a:pPr algn="ctr" defTabSz="914099" fontAlgn="base">
-              <a:spcBef>
-                <a:spcPct val="0"/>
-              </a:spcBef>
-              <a:spcAft>
-                <a:spcPct val="0"/>
-              </a:spcAft>
-            </a:pPr>
-            <a:r>
-              <a:rPr lang="en-US" sz="1100" spc="-50" dirty="0" smtClean="0">
-                <a:solidFill>
-                  <a:schemeClr val="accent1"/>
-                </a:solidFill>
-                <a:latin typeface="Segoe UI" pitchFamily="34" charset="0"/>
-                <a:ea typeface="Segoe UI" pitchFamily="34" charset="0"/>
-                <a:cs typeface="Segoe UI" pitchFamily="34" charset="0"/>
-              </a:rPr>
-              <a:t>Replace with your initials and some numbers (must be globally unique</a:t>
-            </a:r>
-            <a:endParaRPr lang="en-NZ" sz="1100" spc="-50" dirty="0" err="1" smtClean="0">
-              <a:solidFill>
-                <a:schemeClr val="accent1"/>
-              </a:solidFill>
-              <a:latin typeface="Segoe UI" pitchFamily="34" charset="0"/>
-              <a:ea typeface="Segoe UI" pitchFamily="34" charset="0"/>
-              <a:cs typeface="Segoe UI" pitchFamily="34" charset="0"/>
-            </a:endParaRPr>
-          </a:p>
-        </p:txBody>
-      </p:sp>
-    </p:spTree>
-    <p:extLst>
-      <p:ext uri="{BB962C8B-B14F-4D97-AF65-F5344CB8AC3E}">
-        <p14:creationId xmlns:p14="http://schemas.microsoft.com/office/powerpoint/2010/main" val="2910687074"/>
-      </p:ext>
-    </p:extLst>
-  </p:cSld>
-  <p:clrMapOvr>
-    <a:masterClrMapping/>
-  </p:clrMapOvr>
-  <p:transition>
-    <p:fade/>
-  </p:transition>
-  <p:timing>
-    <p:tnLst>
-      <p:par>
-        <p:cTn id="1" dur="indefinite" restart="never" nodeType="tmRoot"/>
-      </p:par>
-    </p:tnLst>
-  </p:timing>
-</p:sld>
-</file>
-
-<file path=ppt/slides/slide5.xml><?xml version="1.0" encoding="utf-8"?>
-<p:sld xmlns:a="http://schemas.openxmlformats.org/drawingml/2006/main" xmlns:r="http://schemas.openxmlformats.org/officeDocument/2006/relationships" xmlns:p="http://schemas.openxmlformats.org/presentationml/2006/main">
-  <p:cSld>
-    <p:spTree>
-      <p:nvGrpSpPr>
-        <p:cNvPr id="1" name=""/>
-        <p:cNvGrpSpPr/>
-        <p:nvPr/>
-      </p:nvGrpSpPr>
-      <p:grpSpPr>
-        <a:xfrm>
-          <a:off x="0" y="0"/>
-          <a:ext cx="0" cy="0"/>
-          <a:chOff x="0" y="0"/>
-          <a:chExt cx="0" cy="0"/>
-        </a:xfrm>
-      </p:grpSpPr>
-      <p:pic>
-        <p:nvPicPr>
-          <p:cNvPr id="4" name="Picture 3"/>
-          <p:cNvPicPr>
-            <a:picLocks noChangeAspect="1"/>
-          </p:cNvPicPr>
-          <p:nvPr/>
-        </p:nvPicPr>
-        <p:blipFill>
-          <a:blip r:embed="rId2"/>
-          <a:stretch>
-            <a:fillRect/>
-          </a:stretch>
-        </p:blipFill>
-        <p:spPr>
-          <a:xfrm>
-            <a:off x="459363" y="868044"/>
-            <a:ext cx="7335848" cy="5989956"/>
-          </a:xfrm>
-          <a:prstGeom prst="rect">
-            <a:avLst/>
-          </a:prstGeom>
-        </p:spPr>
-      </p:pic>
-      <p:sp>
-        <p:nvSpPr>
-          <p:cNvPr id="3" name="TextBox 2"/>
-          <p:cNvSpPr txBox="1"/>
-          <p:nvPr/>
-        </p:nvSpPr>
-        <p:spPr>
-          <a:xfrm>
-            <a:off x="459363" y="152990"/>
-            <a:ext cx="10785987" cy="615553"/>
-          </a:xfrm>
-          <a:prstGeom prst="rect">
-            <a:avLst/>
-          </a:prstGeom>
-          <a:noFill/>
-        </p:spPr>
-        <p:txBody>
-          <a:bodyPr wrap="square" lIns="0" tIns="0" rIns="0" bIns="0" rtlCol="0">
-            <a:spAutoFit/>
-          </a:bodyPr>
-          <a:lstStyle/>
-          <a:p>
-            <a:r>
-              <a:rPr lang="en-NZ" sz="4000" dirty="0">
-                <a:gradFill>
-                  <a:gsLst>
-                    <a:gs pos="0">
-                      <a:schemeClr val="tx1">
-                        <a:lumMod val="75000"/>
-                        <a:lumOff val="25000"/>
-                      </a:schemeClr>
-                    </a:gs>
-                    <a:gs pos="80000">
-                      <a:schemeClr val="tx1">
-                        <a:lumMod val="65000"/>
-                        <a:lumOff val="35000"/>
-                      </a:schemeClr>
-                    </a:gs>
-                  </a:gsLst>
-                  <a:lin ang="16200000" scaled="0"/>
-                </a:gradFill>
-                <a:latin typeface="Segoe UI Light" pitchFamily="34" charset="0"/>
-                <a:hlinkClick r:id="rId3"/>
-              </a:rPr>
-              <a:t>http://gh01julieandtheplantes.trafficmanager.net</a:t>
-            </a:r>
-            <a:r>
-              <a:rPr lang="en-NZ" sz="4000" dirty="0" smtClean="0">
-                <a:gradFill>
-                  <a:gsLst>
-                    <a:gs pos="0">
-                      <a:schemeClr val="tx1">
-                        <a:lumMod val="75000"/>
-                        <a:lumOff val="25000"/>
-                      </a:schemeClr>
-                    </a:gs>
-                    <a:gs pos="80000">
-                      <a:schemeClr val="tx1">
-                        <a:lumMod val="65000"/>
-                        <a:lumOff val="35000"/>
-                      </a:schemeClr>
-                    </a:gs>
-                  </a:gsLst>
-                  <a:lin ang="16200000" scaled="0"/>
-                </a:gradFill>
-                <a:latin typeface="Segoe UI Light" pitchFamily="34" charset="0"/>
-                <a:hlinkClick r:id="rId3"/>
-              </a:rPr>
-              <a:t>/</a:t>
-            </a:r>
-            <a:r>
-              <a:rPr lang="en-NZ" sz="4000" dirty="0" smtClean="0">
-                <a:gradFill>
-                  <a:gsLst>
-                    <a:gs pos="0">
-                      <a:schemeClr val="tx1">
-                        <a:lumMod val="75000"/>
-                        <a:lumOff val="25000"/>
-                      </a:schemeClr>
-                    </a:gs>
-                    <a:gs pos="80000">
-                      <a:schemeClr val="tx1">
-                        <a:lumMod val="65000"/>
-                        <a:lumOff val="35000"/>
-                      </a:schemeClr>
-                    </a:gs>
-                  </a:gsLst>
-                  <a:lin ang="16200000" scaled="0"/>
-                </a:gradFill>
-                <a:latin typeface="Segoe UI Light" pitchFamily="34" charset="0"/>
-              </a:rPr>
-              <a:t> </a:t>
-            </a:r>
-          </a:p>
-        </p:txBody>
-      </p:sp>
-    </p:spTree>
-    <p:extLst>
-      <p:ext uri="{BB962C8B-B14F-4D97-AF65-F5344CB8AC3E}">
-        <p14:creationId xmlns:p14="http://schemas.microsoft.com/office/powerpoint/2010/main" val="3860488238"/>
-      </p:ext>
-    </p:extLst>
-  </p:cSld>
-  <p:clrMapOvr>
-    <a:masterClrMapping/>
-  </p:clrMapOvr>
-  <p:transition>
-    <p:fade/>
-  </p:transition>
-  <p:timing>
-    <p:tnLst>
-      <p:par>
-        <p:cTn id="1" dur="indefinite" restart="never" nodeType="tmRoot"/>
-      </p:par>
-    </p:tnLst>
-  </p:timing>
-</p:sld>
-</file>
-
 <file path=ppt/slides/slide6.xml><?xml version="1.0" encoding="utf-8"?>
 <p:sld xmlns:a="http://schemas.openxmlformats.org/drawingml/2006/main" xmlns:r="http://schemas.openxmlformats.org/officeDocument/2006/relationships" xmlns:p="http://schemas.openxmlformats.org/presentationml/2006/main">
   <p:cSld>
@@ -9062,21 +9160,6 @@
 </file>
 
 <file path=customXml/item1.xml><?xml version="1.0" encoding="utf-8"?>
-<p:properties xmlns:p="http://schemas.microsoft.com/office/2006/metadata/properties" xmlns:xsi="http://www.w3.org/2001/XMLSchema-instance" xmlns:pc="http://schemas.microsoft.com/office/infopath/2007/PartnerControls">
-  <documentManagement/>
-</p:properties>
-</file>
-
-<file path=customXml/item2.xml><?xml version="1.0" encoding="utf-8"?>
-<?mso-contentType ?>
-<FormTemplates xmlns="http://schemas.microsoft.com/sharepoint/v3/contenttype/forms">
-  <Display>DocumentLibraryForm</Display>
-  <Edit>DocumentLibraryForm</Edit>
-  <New>DocumentLibraryForm</New>
-</FormTemplates>
-</file>
-
-<file path=customXml/item3.xml><?xml version="1.0" encoding="utf-8"?>
 <ct:contentTypeSchema xmlns:ct="http://schemas.microsoft.com/office/2006/metadata/contentType" xmlns:ma="http://schemas.microsoft.com/office/2006/metadata/properties/metaAttributes" ct:_="" ma:_="" ma:contentTypeName="Document" ma:contentTypeID="0x0101000B8588C332A19143B76F4B122D6916F0" ma:contentTypeVersion="3" ma:contentTypeDescription="Create a new document." ma:contentTypeScope="" ma:versionID="9477869582d2dcd8d7c168a0aba4e29a">
   <xsd:schema xmlns:xsd="http://www.w3.org/2001/XMLSchema" xmlns:xs="http://www.w3.org/2001/XMLSchema" xmlns:p="http://schemas.microsoft.com/office/2006/metadata/properties" xmlns:ns2="4c9d5b1a-dba0-446a-8e45-7a9ed15a6f00" targetNamespace="http://schemas.microsoft.com/office/2006/metadata/properties" ma:root="true" ma:fieldsID="99a8b0ab1b6ca91437e22a96cb29fb4e" ns2:_="">
     <xsd:import namespace="4c9d5b1a-dba0-446a-8e45-7a9ed15a6f00"/>
@@ -9230,31 +9313,22 @@
 </ct:contentTypeSchema>
 </file>
 
-<file path=customXml/itemProps1.xml><?xml version="1.0" encoding="utf-8"?>
-<ds:datastoreItem xmlns:ds="http://schemas.openxmlformats.org/officeDocument/2006/customXml" ds:itemID="{3876E3CC-B2FB-411A-A5D5-4517382E5C5D}">
-  <ds:schemaRefs>
-    <ds:schemaRef ds:uri="http://schemas.microsoft.com/office/2006/metadata/properties"/>
-    <ds:schemaRef ds:uri="http://purl.org/dc/dcmitype/"/>
-    <ds:schemaRef ds:uri="http://schemas.microsoft.com/office/2006/documentManagement/types"/>
-    <ds:schemaRef ds:uri="http://schemas.openxmlformats.org/package/2006/metadata/core-properties"/>
-    <ds:schemaRef ds:uri="http://purl.org/dc/elements/1.1/"/>
-    <ds:schemaRef ds:uri="http://schemas.microsoft.com/office/infopath/2007/PartnerControls"/>
-    <ds:schemaRef ds:uri="4c9d5b1a-dba0-446a-8e45-7a9ed15a6f00"/>
-    <ds:schemaRef ds:uri="http://www.w3.org/XML/1998/namespace"/>
-    <ds:schemaRef ds:uri="http://purl.org/dc/terms/"/>
-  </ds:schemaRefs>
-</ds:datastoreItem>
+<file path=customXml/item2.xml><?xml version="1.0" encoding="utf-8"?>
+<?mso-contentType ?>
+<FormTemplates xmlns="http://schemas.microsoft.com/sharepoint/v3/contenttype/forms">
+  <Display>DocumentLibraryForm</Display>
+  <Edit>DocumentLibraryForm</Edit>
+  <New>DocumentLibraryForm</New>
+</FormTemplates>
 </file>
 
-<file path=customXml/itemProps2.xml><?xml version="1.0" encoding="utf-8"?>
-<ds:datastoreItem xmlns:ds="http://schemas.openxmlformats.org/officeDocument/2006/customXml" ds:itemID="{B003CD0A-443A-485C-804D-6841659B337D}">
-  <ds:schemaRefs>
-    <ds:schemaRef ds:uri="http://schemas.microsoft.com/sharepoint/v3/contenttype/forms"/>
-  </ds:schemaRefs>
-</ds:datastoreItem>
+<file path=customXml/item3.xml><?xml version="1.0" encoding="utf-8"?>
+<p:properties xmlns:p="http://schemas.microsoft.com/office/2006/metadata/properties" xmlns:xsi="http://www.w3.org/2001/XMLSchema-instance" xmlns:pc="http://schemas.microsoft.com/office/infopath/2007/PartnerControls">
+  <documentManagement/>
+</p:properties>
 </file>
 
-<file path=customXml/itemProps3.xml><?xml version="1.0" encoding="utf-8"?>
+<file path=customXml/itemProps1.xml><?xml version="1.0" encoding="utf-8"?>
 <ds:datastoreItem xmlns:ds="http://schemas.openxmlformats.org/officeDocument/2006/customXml" ds:itemID="{C165D72E-384F-49C0-81DB-716C9DCB72DB}">
   <ds:schemaRefs>
     <ds:schemaRef ds:uri="http://schemas.microsoft.com/office/2006/metadata/contentType"/>
@@ -9270,4 +9344,28 @@
     <ds:schemaRef ds:uri="http://schemas.microsoft.com/internal/obd"/>
   </ds:schemaRefs>
 </ds:datastoreItem>
+</file>
+
+<file path=customXml/itemProps2.xml><?xml version="1.0" encoding="utf-8"?>
+<ds:datastoreItem xmlns:ds="http://schemas.openxmlformats.org/officeDocument/2006/customXml" ds:itemID="{B003CD0A-443A-485C-804D-6841659B337D}">
+  <ds:schemaRefs>
+    <ds:schemaRef ds:uri="http://schemas.microsoft.com/sharepoint/v3/contenttype/forms"/>
+  </ds:schemaRefs>
+</ds:datastoreItem>
+</file>
+
+<file path=customXml/itemProps3.xml><?xml version="1.0" encoding="utf-8"?>
+<ds:datastoreItem xmlns:ds="http://schemas.openxmlformats.org/officeDocument/2006/customXml" ds:itemID="{3876E3CC-B2FB-411A-A5D5-4517382E5C5D}">
+  <ds:schemaRefs>
+    <ds:schemaRef ds:uri="http://schemas.microsoft.com/office/2006/metadata/properties"/>
+    <ds:schemaRef ds:uri="http://purl.org/dc/dcmitype/"/>
+    <ds:schemaRef ds:uri="http://schemas.microsoft.com/office/2006/documentManagement/types"/>
+    <ds:schemaRef ds:uri="http://schemas.openxmlformats.org/package/2006/metadata/core-properties"/>
+    <ds:schemaRef ds:uri="http://purl.org/dc/elements/1.1/"/>
+    <ds:schemaRef ds:uri="http://schemas.microsoft.com/office/infopath/2007/PartnerControls"/>
+    <ds:schemaRef ds:uri="4c9d5b1a-dba0-446a-8e45-7a9ed15a6f00"/>
+    <ds:schemaRef ds:uri="http://www.w3.org/XML/1998/namespace"/>
+    <ds:schemaRef ds:uri="http://purl.org/dc/terms/"/>
+  </ds:schemaRefs>
+</ds:datastoreItem>
 </file>
--- a/Azure SQL Database - WingTipTickets HOL introduction v2 1.pptx
+++ b/Azure SQL Database - WingTipTickets HOL introduction v2 1.pptx
@@ -4946,7 +4946,55 @@
                 <a:latin typeface="Segoe UI Light" pitchFamily="34" charset="0"/>
                 <a:hlinkClick r:id="rId3"/>
               </a:rPr>
-              <a:t>http://gh01julieandtheplantes.trafficmanager.net</a:t>
+              <a:t>http</a:t>
+            </a:r>
+            <a:r>
+              <a:rPr lang="en-NZ" sz="4000">
+                <a:gradFill>
+                  <a:gsLst>
+                    <a:gs pos="0">
+                      <a:schemeClr val="tx1">
+                        <a:lumMod val="75000"/>
+                        <a:lumOff val="25000"/>
+                      </a:schemeClr>
+                    </a:gs>
+                    <a:gs pos="80000">
+                      <a:schemeClr val="tx1">
+                        <a:lumMod val="65000"/>
+                        <a:lumOff val="35000"/>
+                      </a:schemeClr>
+                    </a:gs>
+                  </a:gsLst>
+                  <a:lin ang="16200000" scaled="0"/>
+                </a:gradFill>
+                <a:latin typeface="Segoe UI Light" pitchFamily="34" charset="0"/>
+                <a:hlinkClick r:id="rId3"/>
+              </a:rPr>
+              <a:t>://</a:t>
+            </a:r>
+            <a:r>
+              <a:rPr lang="en-NZ" sz="4000" smtClean="0">
+                <a:gradFill>
+                  <a:gsLst>
+                    <a:gs pos="0">
+                      <a:schemeClr val="tx1">
+                        <a:lumMod val="75000"/>
+                        <a:lumOff val="25000"/>
+                      </a:schemeClr>
+                    </a:gs>
+                    <a:gs pos="80000">
+                      <a:schemeClr val="tx1">
+                        <a:lumMod val="65000"/>
+                        <a:lumOff val="35000"/>
+                      </a:schemeClr>
+                    </a:gs>
+                  </a:gsLst>
+                  <a:lin ang="16200000" scaled="0"/>
+                </a:gradFill>
+                <a:latin typeface="Segoe UI Light" pitchFamily="34" charset="0"/>
+                <a:hlinkClick r:id="rId3"/>
+              </a:rPr>
+              <a:t>gh02julieandtheplantes.trafficmanager.net</a:t>
             </a:r>
             <a:r>
               <a:rPr lang="en-NZ" sz="4000" dirty="0" smtClean="0">
@@ -5888,14 +5936,14 @@
             <p:ph idx="1"/>
             <p:extLst>
               <p:ext uri="{D42A27DB-BD31-4B8C-83A1-F6EECF244321}">
-                <p14:modId xmlns:p14="http://schemas.microsoft.com/office/powerpoint/2010/main" val="1451449521"/>
+                <p14:modId xmlns:p14="http://schemas.microsoft.com/office/powerpoint/2010/main" val="98046858"/>
               </p:ext>
             </p:extLst>
           </p:nvPr>
         </p:nvGraphicFramePr>
         <p:xfrm>
-          <a:off x="519113" y="1447800"/>
-          <a:ext cx="5487521" cy="5347468"/>
+          <a:off x="519113" y="1104897"/>
+          <a:ext cx="5487521" cy="5560828"/>
         </p:xfrm>
         <a:graphic>
           <a:graphicData uri="http://schemas.openxmlformats.org/drawingml/2006/table">
@@ -6078,11 +6126,15 @@
                       </a:pPr>
                       <a:r>
                         <a:rPr lang="en-US" sz="1400" dirty="0" smtClean="0"/>
-                        <a:t>WTT is a real live Azure</a:t>
+                        <a:t>WTT is a </a:t>
+                      </a:r>
+                      <a:r>
+                        <a:rPr lang="en-US" sz="1400" dirty="0" smtClean="0"/>
+                        <a:t>replica of a online</a:t>
                       </a:r>
                       <a:r>
                         <a:rPr lang="en-US" sz="1400" baseline="0" dirty="0" smtClean="0"/>
-                        <a:t> app</a:t>
+                        <a:t> ticket purchasing app</a:t>
                       </a:r>
                       <a:endParaRPr lang="en-US" sz="1400" dirty="0" smtClean="0"/>
                     </a:p>
@@ -6637,7 +6689,7 @@
         </p:nvSpPr>
         <p:spPr>
           <a:xfrm>
-            <a:off x="6184350" y="1464273"/>
+            <a:off x="6184350" y="1121370"/>
             <a:ext cx="5487697" cy="4742837"/>
           </a:xfrm>
         </p:spPr>
@@ -6653,7 +6705,10 @@
             <a:endParaRPr lang="en-NZ" sz="2000" dirty="0" smtClean="0"/>
           </a:p>
           <a:p>
-            <a:pPr lvl="1"/>
+            <a:pPr marL="688975" lvl="1" indent="-342900">
+              <a:buFont typeface="+mj-lt"/>
+              <a:buAutoNum type="arabicPeriod"/>
+            </a:pPr>
             <a:r>
               <a:rPr lang="en-US" sz="1800" dirty="0" smtClean="0"/>
               <a:t>Add-</a:t>
@@ -6665,7 +6720,10 @@
             <a:endParaRPr lang="en-NZ" sz="1800" dirty="0" smtClean="0"/>
           </a:p>
           <a:p>
-            <a:pPr lvl="1"/>
+            <a:pPr marL="688975" lvl="1" indent="-342900">
+              <a:buFont typeface="+mj-lt"/>
+              <a:buAutoNum type="arabicPeriod"/>
+            </a:pPr>
             <a:r>
               <a:rPr lang="en-US" sz="1800" dirty="0" smtClean="0"/>
               <a:t>Select-</a:t>
@@ -6689,7 +6747,10 @@
             <a:endParaRPr lang="en-NZ" sz="1800" dirty="0" smtClean="0"/>
           </a:p>
           <a:p>
-            <a:pPr lvl="1"/>
+            <a:pPr marL="688975" lvl="1" indent="-342900">
+              <a:buFont typeface="+mj-lt"/>
+              <a:buAutoNum type="arabicPeriod"/>
+            </a:pPr>
             <a:r>
               <a:rPr lang="en-US" sz="1800" dirty="0" smtClean="0"/>
               <a:t>Set-</a:t>
@@ -6729,7 +6790,10 @@
             <a:endParaRPr lang="en-NZ" sz="2000" dirty="0" smtClean="0"/>
           </a:p>
           <a:p>
-            <a:pPr lvl="1"/>
+            <a:pPr marL="688975" lvl="1" indent="-342900">
+              <a:buFont typeface="+mj-lt"/>
+              <a:buAutoNum type="arabicPeriod"/>
+            </a:pPr>
             <a:r>
               <a:rPr lang="en-US" sz="1800" dirty="0" smtClean="0"/>
               <a:t>Unblock-file .\New-WTTEnvironment.ps1</a:t>
@@ -6737,7 +6801,10 @@
             <a:endParaRPr lang="en-NZ" sz="1800" dirty="0" smtClean="0"/>
           </a:p>
           <a:p>
-            <a:pPr lvl="1"/>
+            <a:pPr marL="688975" lvl="1" indent="-342900">
+              <a:buFont typeface="+mj-lt"/>
+              <a:buAutoNum type="arabicPeriod"/>
+            </a:pPr>
             <a:r>
               <a:rPr lang="en-US" sz="1800" b="1" dirty="0" smtClean="0"/>
               <a:t>. .\</a:t>
@@ -6748,7 +6815,10 @@
             </a:r>
           </a:p>
           <a:p>
-            <a:pPr lvl="1"/>
+            <a:pPr marL="688975" lvl="1" indent="-342900">
+              <a:buFont typeface="+mj-lt"/>
+              <a:buAutoNum type="arabicPeriod"/>
+            </a:pPr>
             <a:r>
               <a:rPr lang="en-NZ" sz="1800" dirty="0"/>
               <a:t>New-</a:t>
@@ -6812,7 +6882,7 @@
         </p:nvSpPr>
         <p:spPr bwMode="auto">
           <a:xfrm>
-            <a:off x="10089287" y="4663316"/>
+            <a:off x="10089287" y="4278849"/>
             <a:ext cx="2223083" cy="645952"/>
           </a:xfrm>
           <a:prstGeom prst="wedgeEllipseCallout">
@@ -6884,7 +6954,7 @@
         </p:nvSpPr>
         <p:spPr bwMode="auto">
           <a:xfrm>
-            <a:off x="9907957" y="5884134"/>
+            <a:off x="9907957" y="5499667"/>
             <a:ext cx="2223083" cy="645952"/>
           </a:xfrm>
           <a:prstGeom prst="wedgeEllipseCallout">
@@ -9160,6 +9230,21 @@
 </file>
 
 <file path=customXml/item1.xml><?xml version="1.0" encoding="utf-8"?>
+<p:properties xmlns:p="http://schemas.microsoft.com/office/2006/metadata/properties" xmlns:xsi="http://www.w3.org/2001/XMLSchema-instance" xmlns:pc="http://schemas.microsoft.com/office/infopath/2007/PartnerControls">
+  <documentManagement/>
+</p:properties>
+</file>
+
+<file path=customXml/item2.xml><?xml version="1.0" encoding="utf-8"?>
+<?mso-contentType ?>
+<FormTemplates xmlns="http://schemas.microsoft.com/sharepoint/v3/contenttype/forms">
+  <Display>DocumentLibraryForm</Display>
+  <Edit>DocumentLibraryForm</Edit>
+  <New>DocumentLibraryForm</New>
+</FormTemplates>
+</file>
+
+<file path=customXml/item3.xml><?xml version="1.0" encoding="utf-8"?>
 <ct:contentTypeSchema xmlns:ct="http://schemas.microsoft.com/office/2006/metadata/contentType" xmlns:ma="http://schemas.microsoft.com/office/2006/metadata/properties/metaAttributes" ct:_="" ma:_="" ma:contentTypeName="Document" ma:contentTypeID="0x0101000B8588C332A19143B76F4B122D6916F0" ma:contentTypeVersion="3" ma:contentTypeDescription="Create a new document." ma:contentTypeScope="" ma:versionID="9477869582d2dcd8d7c168a0aba4e29a">
   <xsd:schema xmlns:xsd="http://www.w3.org/2001/XMLSchema" xmlns:xs="http://www.w3.org/2001/XMLSchema" xmlns:p="http://schemas.microsoft.com/office/2006/metadata/properties" xmlns:ns2="4c9d5b1a-dba0-446a-8e45-7a9ed15a6f00" targetNamespace="http://schemas.microsoft.com/office/2006/metadata/properties" ma:root="true" ma:fieldsID="99a8b0ab1b6ca91437e22a96cb29fb4e" ns2:_="">
     <xsd:import namespace="4c9d5b1a-dba0-446a-8e45-7a9ed15a6f00"/>
@@ -9313,22 +9398,31 @@
 </ct:contentTypeSchema>
 </file>
 
-<file path=customXml/item2.xml><?xml version="1.0" encoding="utf-8"?>
-<?mso-contentType ?>
-<FormTemplates xmlns="http://schemas.microsoft.com/sharepoint/v3/contenttype/forms">
-  <Display>DocumentLibraryForm</Display>
-  <Edit>DocumentLibraryForm</Edit>
-  <New>DocumentLibraryForm</New>
-</FormTemplates>
+<file path=customXml/itemProps1.xml><?xml version="1.0" encoding="utf-8"?>
+<ds:datastoreItem xmlns:ds="http://schemas.openxmlformats.org/officeDocument/2006/customXml" ds:itemID="{3876E3CC-B2FB-411A-A5D5-4517382E5C5D}">
+  <ds:schemaRefs>
+    <ds:schemaRef ds:uri="http://schemas.microsoft.com/office/2006/metadata/properties"/>
+    <ds:schemaRef ds:uri="http://purl.org/dc/dcmitype/"/>
+    <ds:schemaRef ds:uri="http://schemas.microsoft.com/office/2006/documentManagement/types"/>
+    <ds:schemaRef ds:uri="http://schemas.openxmlformats.org/package/2006/metadata/core-properties"/>
+    <ds:schemaRef ds:uri="http://purl.org/dc/elements/1.1/"/>
+    <ds:schemaRef ds:uri="http://schemas.microsoft.com/office/infopath/2007/PartnerControls"/>
+    <ds:schemaRef ds:uri="4c9d5b1a-dba0-446a-8e45-7a9ed15a6f00"/>
+    <ds:schemaRef ds:uri="http://www.w3.org/XML/1998/namespace"/>
+    <ds:schemaRef ds:uri="http://purl.org/dc/terms/"/>
+  </ds:schemaRefs>
+</ds:datastoreItem>
 </file>
 
-<file path=customXml/item3.xml><?xml version="1.0" encoding="utf-8"?>
-<p:properties xmlns:p="http://schemas.microsoft.com/office/2006/metadata/properties" xmlns:xsi="http://www.w3.org/2001/XMLSchema-instance" xmlns:pc="http://schemas.microsoft.com/office/infopath/2007/PartnerControls">
-  <documentManagement/>
-</p:properties>
+<file path=customXml/itemProps2.xml><?xml version="1.0" encoding="utf-8"?>
+<ds:datastoreItem xmlns:ds="http://schemas.openxmlformats.org/officeDocument/2006/customXml" ds:itemID="{B003CD0A-443A-485C-804D-6841659B337D}">
+  <ds:schemaRefs>
+    <ds:schemaRef ds:uri="http://schemas.microsoft.com/sharepoint/v3/contenttype/forms"/>
+  </ds:schemaRefs>
+</ds:datastoreItem>
 </file>
 
-<file path=customXml/itemProps1.xml><?xml version="1.0" encoding="utf-8"?>
+<file path=customXml/itemProps3.xml><?xml version="1.0" encoding="utf-8"?>
 <ds:datastoreItem xmlns:ds="http://schemas.openxmlformats.org/officeDocument/2006/customXml" ds:itemID="{C165D72E-384F-49C0-81DB-716C9DCB72DB}">
   <ds:schemaRefs>
     <ds:schemaRef ds:uri="http://schemas.microsoft.com/office/2006/metadata/contentType"/>
@@ -9344,28 +9438,4 @@
     <ds:schemaRef ds:uri="http://schemas.microsoft.com/internal/obd"/>
   </ds:schemaRefs>
 </ds:datastoreItem>
-</file>
-
-<file path=customXml/itemProps2.xml><?xml version="1.0" encoding="utf-8"?>
-<ds:datastoreItem xmlns:ds="http://schemas.openxmlformats.org/officeDocument/2006/customXml" ds:itemID="{B003CD0A-443A-485C-804D-6841659B337D}">
-  <ds:schemaRefs>
-    <ds:schemaRef ds:uri="http://schemas.microsoft.com/sharepoint/v3/contenttype/forms"/>
-  </ds:schemaRefs>
-</ds:datastoreItem>
-</file>
-
-<file path=customXml/itemProps3.xml><?xml version="1.0" encoding="utf-8"?>
-<ds:datastoreItem xmlns:ds="http://schemas.openxmlformats.org/officeDocument/2006/customXml" ds:itemID="{3876E3CC-B2FB-411A-A5D5-4517382E5C5D}">
-  <ds:schemaRefs>
-    <ds:schemaRef ds:uri="http://schemas.microsoft.com/office/2006/metadata/properties"/>
-    <ds:schemaRef ds:uri="http://purl.org/dc/dcmitype/"/>
-    <ds:schemaRef ds:uri="http://schemas.microsoft.com/office/2006/documentManagement/types"/>
-    <ds:schemaRef ds:uri="http://schemas.openxmlformats.org/package/2006/metadata/core-properties"/>
-    <ds:schemaRef ds:uri="http://purl.org/dc/elements/1.1/"/>
-    <ds:schemaRef ds:uri="http://schemas.microsoft.com/office/infopath/2007/PartnerControls"/>
-    <ds:schemaRef ds:uri="4c9d5b1a-dba0-446a-8e45-7a9ed15a6f00"/>
-    <ds:schemaRef ds:uri="http://www.w3.org/XML/1998/namespace"/>
-    <ds:schemaRef ds:uri="http://purl.org/dc/terms/"/>
-  </ds:schemaRefs>
-</ds:datastoreItem>
 </file>